--- a/presentation.pptx
+++ b/presentation.pptx
@@ -1,38 +1,37 @@
 
 <file path=ppt/presentation.xml><?xml version="1.0" encoding="utf-8"?>
-<p:presentation xmlns:a="http://schemas.openxmlformats.org/drawingml/2006/main" xmlns:r="http://schemas.openxmlformats.org/officeDocument/2006/relationships" xmlns:mc="http://schemas.openxmlformats.org/markup-compatibility/2006" xmlns:mv="urn:schemas-microsoft-com:mac:vml" xmlns:p="http://schemas.openxmlformats.org/presentationml/2006/main" xmlns:c="http://schemas.openxmlformats.org/drawingml/2006/chart" xmlns:dgm="http://schemas.openxmlformats.org/drawingml/2006/diagram" xmlns:o="urn:schemas-microsoft-com:office:office" xmlns:v="urn:schemas-microsoft-com:vml" xmlns:pvml="urn:schemas-microsoft-com:office:powerpoint" xmlns:com="http://schemas.openxmlformats.org/drawingml/2006/compatibility" xmlns:p14="http://schemas.microsoft.com/office/powerpoint/2010/main" xmlns:p15="http://schemas.microsoft.com/office/powerpoint/2012/main" xmlns:ahyp="http://schemas.microsoft.com/office/drawing/2018/hyperlinkcolor" autoCompressPictures="0" embedTrueTypeFonts="1" strictFirstAndLastChars="0" saveSubsetFonts="1">
+<p:presentation xmlns:a="http://schemas.openxmlformats.org/drawingml/2006/main" xmlns:r="http://schemas.openxmlformats.org/officeDocument/2006/relationships" xmlns:p="http://schemas.openxmlformats.org/presentationml/2006/main" strictFirstAndLastChars="0" embedTrueTypeFonts="1" saveSubsetFonts="1" autoCompressPictures="0">
   <p:sldMasterIdLst>
-    <p:sldMasterId id="2147483659" r:id="rId4"/>
+    <p:sldMasterId id="2147483659" r:id="rId1"/>
   </p:sldMasterIdLst>
   <p:notesMasterIdLst>
-    <p:notesMasterId r:id="rId5"/>
+    <p:notesMasterId r:id="rId7"/>
   </p:notesMasterIdLst>
   <p:sldIdLst>
-    <p:sldId id="256" r:id="rId6"/>
-    <p:sldId id="257" r:id="rId7"/>
-    <p:sldId id="258" r:id="rId8"/>
-    <p:sldId id="259" r:id="rId9"/>
-    <p:sldId id="260" r:id="rId10"/>
-    <p:sldId id="261" r:id="rId11"/>
+    <p:sldId id="256" r:id="rId2"/>
+    <p:sldId id="258" r:id="rId3"/>
+    <p:sldId id="259" r:id="rId4"/>
+    <p:sldId id="260" r:id="rId5"/>
+    <p:sldId id="261" r:id="rId6"/>
   </p:sldIdLst>
-  <p:sldSz cy="5143500" cx="9144000"/>
+  <p:sldSz cx="9144000" cy="5143500" type="screen16x9"/>
   <p:notesSz cx="6858000" cy="9144000"/>
   <p:embeddedFontLst>
     <p:embeddedFont>
-      <p:font typeface="Amatic SC"/>
-      <p:regular r:id="rId12"/>
-      <p:bold r:id="rId13"/>
+      <p:font typeface="Amatic SC" pitchFamily="2" charset="-79"/>
+      <p:regular r:id="rId8"/>
+      <p:bold r:id="rId9"/>
     </p:embeddedFont>
     <p:embeddedFont>
-      <p:font typeface="Source Code Pro"/>
-      <p:regular r:id="rId14"/>
-      <p:bold r:id="rId15"/>
-      <p:italic r:id="rId16"/>
-      <p:boldItalic r:id="rId17"/>
+      <p:font typeface="Source Code Pro" panose="020B0509030403020204" pitchFamily="49" charset="0"/>
+      <p:regular r:id="rId10"/>
+      <p:bold r:id="rId11"/>
+      <p:italic r:id="rId12"/>
+      <p:boldItalic r:id="rId13"/>
     </p:embeddedFont>
   </p:embeddedFontLst>
   <p:defaultTextStyle>
-    <a:defPPr lvl="0" marR="0" rtl="0" algn="l">
+    <a:defPPr marR="0" lvl="0" algn="l" rtl="0">
       <a:lnSpc>
         <a:spcPct val="100000"/>
       </a:lnSpc>
@@ -43,7 +42,7 @@
         <a:spcPts val="0"/>
       </a:spcAft>
     </a:defPPr>
-    <a:lvl1pPr lvl="0" marR="0" rtl="0" algn="l">
+    <a:lvl1pPr marR="0" lvl="0" algn="l" rtl="0">
       <a:lnSpc>
         <a:spcPct val="100000"/>
       </a:lnSpc>
@@ -57,7 +56,7 @@
         <a:srgbClr val="000000"/>
       </a:buClr>
       <a:buFont typeface="Arial"/>
-      <a:defRPr b="0" i="0" sz="1400" u="none" cap="none" strike="noStrike">
+      <a:defRPr sz="1400" b="0" i="0" u="none" strike="noStrike" cap="none">
         <a:solidFill>
           <a:srgbClr val="000000"/>
         </a:solidFill>
@@ -67,7 +66,7 @@
         <a:sym typeface="Arial"/>
       </a:defRPr>
     </a:lvl1pPr>
-    <a:lvl2pPr lvl="1" marR="0" rtl="0" algn="l">
+    <a:lvl2pPr marR="0" lvl="1" algn="l" rtl="0">
       <a:lnSpc>
         <a:spcPct val="100000"/>
       </a:lnSpc>
@@ -81,7 +80,7 @@
         <a:srgbClr val="000000"/>
       </a:buClr>
       <a:buFont typeface="Arial"/>
-      <a:defRPr b="0" i="0" sz="1400" u="none" cap="none" strike="noStrike">
+      <a:defRPr sz="1400" b="0" i="0" u="none" strike="noStrike" cap="none">
         <a:solidFill>
           <a:srgbClr val="000000"/>
         </a:solidFill>
@@ -91,7 +90,7 @@
         <a:sym typeface="Arial"/>
       </a:defRPr>
     </a:lvl2pPr>
-    <a:lvl3pPr lvl="2" marR="0" rtl="0" algn="l">
+    <a:lvl3pPr marR="0" lvl="2" algn="l" rtl="0">
       <a:lnSpc>
         <a:spcPct val="100000"/>
       </a:lnSpc>
@@ -105,7 +104,7 @@
         <a:srgbClr val="000000"/>
       </a:buClr>
       <a:buFont typeface="Arial"/>
-      <a:defRPr b="0" i="0" sz="1400" u="none" cap="none" strike="noStrike">
+      <a:defRPr sz="1400" b="0" i="0" u="none" strike="noStrike" cap="none">
         <a:solidFill>
           <a:srgbClr val="000000"/>
         </a:solidFill>
@@ -115,7 +114,7 @@
         <a:sym typeface="Arial"/>
       </a:defRPr>
     </a:lvl3pPr>
-    <a:lvl4pPr lvl="3" marR="0" rtl="0" algn="l">
+    <a:lvl4pPr marR="0" lvl="3" algn="l" rtl="0">
       <a:lnSpc>
         <a:spcPct val="100000"/>
       </a:lnSpc>
@@ -129,7 +128,7 @@
         <a:srgbClr val="000000"/>
       </a:buClr>
       <a:buFont typeface="Arial"/>
-      <a:defRPr b="0" i="0" sz="1400" u="none" cap="none" strike="noStrike">
+      <a:defRPr sz="1400" b="0" i="0" u="none" strike="noStrike" cap="none">
         <a:solidFill>
           <a:srgbClr val="000000"/>
         </a:solidFill>
@@ -139,7 +138,7 @@
         <a:sym typeface="Arial"/>
       </a:defRPr>
     </a:lvl4pPr>
-    <a:lvl5pPr lvl="4" marR="0" rtl="0" algn="l">
+    <a:lvl5pPr marR="0" lvl="4" algn="l" rtl="0">
       <a:lnSpc>
         <a:spcPct val="100000"/>
       </a:lnSpc>
@@ -153,7 +152,7 @@
         <a:srgbClr val="000000"/>
       </a:buClr>
       <a:buFont typeface="Arial"/>
-      <a:defRPr b="0" i="0" sz="1400" u="none" cap="none" strike="noStrike">
+      <a:defRPr sz="1400" b="0" i="0" u="none" strike="noStrike" cap="none">
         <a:solidFill>
           <a:srgbClr val="000000"/>
         </a:solidFill>
@@ -163,7 +162,7 @@
         <a:sym typeface="Arial"/>
       </a:defRPr>
     </a:lvl5pPr>
-    <a:lvl6pPr lvl="5" marR="0" rtl="0" algn="l">
+    <a:lvl6pPr marR="0" lvl="5" algn="l" rtl="0">
       <a:lnSpc>
         <a:spcPct val="100000"/>
       </a:lnSpc>
@@ -177,7 +176,7 @@
         <a:srgbClr val="000000"/>
       </a:buClr>
       <a:buFont typeface="Arial"/>
-      <a:defRPr b="0" i="0" sz="1400" u="none" cap="none" strike="noStrike">
+      <a:defRPr sz="1400" b="0" i="0" u="none" strike="noStrike" cap="none">
         <a:solidFill>
           <a:srgbClr val="000000"/>
         </a:solidFill>
@@ -187,7 +186,7 @@
         <a:sym typeface="Arial"/>
       </a:defRPr>
     </a:lvl6pPr>
-    <a:lvl7pPr lvl="6" marR="0" rtl="0" algn="l">
+    <a:lvl7pPr marR="0" lvl="6" algn="l" rtl="0">
       <a:lnSpc>
         <a:spcPct val="100000"/>
       </a:lnSpc>
@@ -201,7 +200,7 @@
         <a:srgbClr val="000000"/>
       </a:buClr>
       <a:buFont typeface="Arial"/>
-      <a:defRPr b="0" i="0" sz="1400" u="none" cap="none" strike="noStrike">
+      <a:defRPr sz="1400" b="0" i="0" u="none" strike="noStrike" cap="none">
         <a:solidFill>
           <a:srgbClr val="000000"/>
         </a:solidFill>
@@ -211,7 +210,7 @@
         <a:sym typeface="Arial"/>
       </a:defRPr>
     </a:lvl7pPr>
-    <a:lvl8pPr lvl="7" marR="0" rtl="0" algn="l">
+    <a:lvl8pPr marR="0" lvl="7" algn="l" rtl="0">
       <a:lnSpc>
         <a:spcPct val="100000"/>
       </a:lnSpc>
@@ -225,7 +224,7 @@
         <a:srgbClr val="000000"/>
       </a:buClr>
       <a:buFont typeface="Arial"/>
-      <a:defRPr b="0" i="0" sz="1400" u="none" cap="none" strike="noStrike">
+      <a:defRPr sz="1400" b="0" i="0" u="none" strike="noStrike" cap="none">
         <a:solidFill>
           <a:srgbClr val="000000"/>
         </a:solidFill>
@@ -235,7 +234,7 @@
         <a:sym typeface="Arial"/>
       </a:defRPr>
     </a:lvl8pPr>
-    <a:lvl9pPr lvl="8" marR="0" rtl="0" algn="l">
+    <a:lvl9pPr marR="0" lvl="8" algn="l" rtl="0">
       <a:lnSpc>
         <a:spcPct val="100000"/>
       </a:lnSpc>
@@ -249,7 +248,7 @@
         <a:srgbClr val="000000"/>
       </a:buClr>
       <a:buFont typeface="Arial"/>
-      <a:defRPr b="0" i="0" sz="1400" u="none" cap="none" strike="noStrike">
+      <a:defRPr sz="1400" b="0" i="0" u="none" strike="noStrike" cap="none">
         <a:solidFill>
           <a:srgbClr val="000000"/>
         </a:solidFill>
@@ -262,7 +261,7 @@
   </p:defaultTextStyle>
   <p:extLst>
     <p:ext uri="{EFAFB233-063F-42B5-8137-9DF3F51BA10A}">
-      <p15:sldGuideLst>
+      <p15:sldGuideLst xmlns:p15="http://schemas.microsoft.com/office/powerpoint/2012/main">
         <p15:guide id="1" orient="horz" pos="1620">
           <p15:clr>
             <a:srgbClr val="A4A3A4"/>
@@ -280,11 +279,16 @@
 </file>
 
 <file path=ppt/notesMasters/notesMaster1.xml><?xml version="1.0" encoding="utf-8"?>
-<p:notesMaster xmlns:a="http://schemas.openxmlformats.org/drawingml/2006/main" xmlns:r="http://schemas.openxmlformats.org/officeDocument/2006/relationships" xmlns:mc="http://schemas.openxmlformats.org/markup-compatibility/2006" xmlns:mv="urn:schemas-microsoft-com:mac:vml" xmlns:p="http://schemas.openxmlformats.org/presentationml/2006/main" xmlns:c="http://schemas.openxmlformats.org/drawingml/2006/chart" xmlns:dgm="http://schemas.openxmlformats.org/drawingml/2006/diagram" xmlns:o="urn:schemas-microsoft-com:office:office" xmlns:v="urn:schemas-microsoft-com:vml" xmlns:pvml="urn:schemas-microsoft-com:office:powerpoint" xmlns:com="http://schemas.openxmlformats.org/drawingml/2006/compatibility" xmlns:p14="http://schemas.microsoft.com/office/powerpoint/2010/main" xmlns:p15="http://schemas.microsoft.com/office/powerpoint/2012/main" xmlns:ahyp="http://schemas.microsoft.com/office/drawing/2018/hyperlinkcolor">
+<p:notesMaster xmlns:a="http://schemas.openxmlformats.org/drawingml/2006/main" xmlns:r="http://schemas.openxmlformats.org/officeDocument/2006/relationships" xmlns:p="http://schemas.openxmlformats.org/presentationml/2006/main">
   <p:cSld>
+    <p:bg>
+      <p:bgRef idx="1001">
+        <a:schemeClr val="bg1"/>
+      </p:bgRef>
+    </p:bg>
     <p:spTree>
       <p:nvGrpSpPr>
-        <p:cNvPr id="2" name="Shape 2"/>
+        <p:cNvPr id="1" name="Shape 2"/>
         <p:cNvGrpSpPr/>
         <p:nvPr/>
       </p:nvGrpSpPr>
@@ -299,9 +303,11 @@
       <p:sp>
         <p:nvSpPr>
           <p:cNvPr id="3" name="Google Shape;3;n"/>
-          <p:cNvSpPr/>
+          <p:cNvSpPr>
+            <a:spLocks noGrp="1" noRot="1" noChangeAspect="1"/>
+          </p:cNvSpPr>
           <p:nvPr>
-            <p:ph idx="2" type="sldImg"/>
+            <p:ph type="sldImg" idx="2"/>
           </p:nvPr>
         </p:nvSpPr>
         <p:spPr>
@@ -310,9 +316,13 @@
             <a:ext cx="6096075" cy="3429000"/>
           </a:xfrm>
           <a:custGeom>
-            <a:rect b="b" l="l" r="r" t="t"/>
+            <a:avLst/>
+            <a:gdLst/>
+            <a:ahLst/>
+            <a:cxnLst/>
+            <a:rect l="l" t="t" r="r" b="b"/>
             <a:pathLst>
-              <a:path extrusionOk="0" h="120000" w="120000">
+              <a:path w="120000" h="120000" extrusionOk="0">
                 <a:moveTo>
                   <a:pt x="0" y="0"/>
                 </a:moveTo>
@@ -330,23 +340,25 @@
             </a:pathLst>
           </a:custGeom>
           <a:noFill/>
-          <a:ln cap="flat" cmpd="sng" w="9525">
+          <a:ln w="9525" cap="flat" cmpd="sng">
             <a:solidFill>
               <a:srgbClr val="000000"/>
             </a:solidFill>
             <a:prstDash val="solid"/>
             <a:round/>
-            <a:headEnd len="sm" w="sm" type="none"/>
-            <a:tailEnd len="sm" w="sm" type="none"/>
+            <a:headEnd type="none" w="sm" len="sm"/>
+            <a:tailEnd type="none" w="sm" len="sm"/>
           </a:ln>
         </p:spPr>
       </p:sp>
       <p:sp>
         <p:nvSpPr>
           <p:cNvPr id="4" name="Google Shape;4;n"/>
-          <p:cNvSpPr txBox="1"/>
+          <p:cNvSpPr txBox="1">
+            <a:spLocks noGrp="1"/>
+          </p:cNvSpPr>
           <p:nvPr>
-            <p:ph idx="1" type="body"/>
+            <p:ph type="body" idx="1"/>
           </p:nvPr>
         </p:nvSpPr>
         <p:spPr>
@@ -363,11 +375,11 @@
           </a:ln>
         </p:spPr>
         <p:txBody>
-          <a:bodyPr anchorCtr="0" anchor="t" bIns="91425" lIns="91425" spcFirstLastPara="1" rIns="91425" wrap="square" tIns="91425">
+          <a:bodyPr spcFirstLastPara="1" wrap="square" lIns="91425" tIns="91425" rIns="91425" bIns="91425" anchor="t" anchorCtr="0">
             <a:noAutofit/>
           </a:bodyPr>
           <a:lstStyle>
-            <a:lvl1pPr indent="-298450" lvl="0" marL="457200">
+            <a:lvl1pPr marL="457200" lvl="0" indent="-298450">
               <a:spcBef>
                 <a:spcPts val="0"/>
               </a:spcBef>
@@ -378,7 +390,7 @@
               <a:buChar char="●"/>
               <a:defRPr sz="1100"/>
             </a:lvl1pPr>
-            <a:lvl2pPr indent="-298450" lvl="1" marL="914400">
+            <a:lvl2pPr marL="914400" lvl="1" indent="-298450">
               <a:spcBef>
                 <a:spcPts val="0"/>
               </a:spcBef>
@@ -389,7 +401,7 @@
               <a:buChar char="○"/>
               <a:defRPr sz="1100"/>
             </a:lvl2pPr>
-            <a:lvl3pPr indent="-298450" lvl="2" marL="1371600">
+            <a:lvl3pPr marL="1371600" lvl="2" indent="-298450">
               <a:spcBef>
                 <a:spcPts val="0"/>
               </a:spcBef>
@@ -400,7 +412,7 @@
               <a:buChar char="■"/>
               <a:defRPr sz="1100"/>
             </a:lvl3pPr>
-            <a:lvl4pPr indent="-298450" lvl="3" marL="1828800">
+            <a:lvl4pPr marL="1828800" lvl="3" indent="-298450">
               <a:spcBef>
                 <a:spcPts val="0"/>
               </a:spcBef>
@@ -411,7 +423,7 @@
               <a:buChar char="●"/>
               <a:defRPr sz="1100"/>
             </a:lvl4pPr>
-            <a:lvl5pPr indent="-298450" lvl="4" marL="2286000">
+            <a:lvl5pPr marL="2286000" lvl="4" indent="-298450">
               <a:spcBef>
                 <a:spcPts val="0"/>
               </a:spcBef>
@@ -422,7 +434,7 @@
               <a:buChar char="○"/>
               <a:defRPr sz="1100"/>
             </a:lvl5pPr>
-            <a:lvl6pPr indent="-298450" lvl="5" marL="2743200">
+            <a:lvl6pPr marL="2743200" lvl="5" indent="-298450">
               <a:spcBef>
                 <a:spcPts val="0"/>
               </a:spcBef>
@@ -433,7 +445,7 @@
               <a:buChar char="■"/>
               <a:defRPr sz="1100"/>
             </a:lvl6pPr>
-            <a:lvl7pPr indent="-298450" lvl="6" marL="3200400">
+            <a:lvl7pPr marL="3200400" lvl="6" indent="-298450">
               <a:spcBef>
                 <a:spcPts val="0"/>
               </a:spcBef>
@@ -444,7 +456,7 @@
               <a:buChar char="●"/>
               <a:defRPr sz="1100"/>
             </a:lvl7pPr>
-            <a:lvl8pPr indent="-298450" lvl="7" marL="3657600">
+            <a:lvl8pPr marL="3657600" lvl="7" indent="-298450">
               <a:spcBef>
                 <a:spcPts val="0"/>
               </a:spcBef>
@@ -455,7 +467,7 @@
               <a:buChar char="○"/>
               <a:defRPr sz="1100"/>
             </a:lvl8pPr>
-            <a:lvl9pPr indent="-298450" lvl="8" marL="4114800">
+            <a:lvl9pPr marL="4114800" lvl="8" indent="-298450">
               <a:spcBef>
                 <a:spcPts val="0"/>
               </a:spcBef>
@@ -467,14 +479,16 @@
               <a:defRPr sz="1100"/>
             </a:lvl9pPr>
           </a:lstStyle>
-          <a:p/>
+          <a:p>
+            <a:endParaRPr/>
+          </a:p>
         </p:txBody>
       </p:sp>
     </p:spTree>
   </p:cSld>
-  <p:clrMap accent1="accent1" accent2="accent2" accent3="accent3" accent4="accent4" accent5="accent5" accent6="accent6" bg1="lt1" bg2="dk2" tx1="dk1" tx2="lt2" folHlink="folHlink" hlink="hlink"/>
+  <p:clrMap bg1="lt1" tx1="dk1" bg2="dk2" tx2="lt2" accent1="accent1" accent2="accent2" accent3="accent3" accent4="accent4" accent5="accent5" accent6="accent6" hlink="hlink" folHlink="folHlink"/>
   <p:notesStyle>
-    <a:defPPr lvl="0" marR="0" rtl="0" algn="l">
+    <a:defPPr marR="0" lvl="0" algn="l" rtl="0">
       <a:lnSpc>
         <a:spcPct val="100000"/>
       </a:lnSpc>
@@ -485,7 +499,7 @@
         <a:spcPts val="0"/>
       </a:spcAft>
     </a:defPPr>
-    <a:lvl1pPr lvl="0" marR="0" rtl="0" algn="l">
+    <a:lvl1pPr marR="0" lvl="0" algn="l" rtl="0">
       <a:lnSpc>
         <a:spcPct val="100000"/>
       </a:lnSpc>
@@ -499,7 +513,7 @@
         <a:srgbClr val="000000"/>
       </a:buClr>
       <a:buFont typeface="Arial"/>
-      <a:defRPr b="0" i="0" sz="1400" u="none" cap="none" strike="noStrike">
+      <a:defRPr sz="1400" b="0" i="0" u="none" strike="noStrike" cap="none">
         <a:solidFill>
           <a:srgbClr val="000000"/>
         </a:solidFill>
@@ -509,7 +523,7 @@
         <a:sym typeface="Arial"/>
       </a:defRPr>
     </a:lvl1pPr>
-    <a:lvl2pPr lvl="1" marR="0" rtl="0" algn="l">
+    <a:lvl2pPr marR="0" lvl="1" algn="l" rtl="0">
       <a:lnSpc>
         <a:spcPct val="100000"/>
       </a:lnSpc>
@@ -523,7 +537,7 @@
         <a:srgbClr val="000000"/>
       </a:buClr>
       <a:buFont typeface="Arial"/>
-      <a:defRPr b="0" i="0" sz="1400" u="none" cap="none" strike="noStrike">
+      <a:defRPr sz="1400" b="0" i="0" u="none" strike="noStrike" cap="none">
         <a:solidFill>
           <a:srgbClr val="000000"/>
         </a:solidFill>
@@ -533,7 +547,7 @@
         <a:sym typeface="Arial"/>
       </a:defRPr>
     </a:lvl2pPr>
-    <a:lvl3pPr lvl="2" marR="0" rtl="0" algn="l">
+    <a:lvl3pPr marR="0" lvl="2" algn="l" rtl="0">
       <a:lnSpc>
         <a:spcPct val="100000"/>
       </a:lnSpc>
@@ -547,7 +561,7 @@
         <a:srgbClr val="000000"/>
       </a:buClr>
       <a:buFont typeface="Arial"/>
-      <a:defRPr b="0" i="0" sz="1400" u="none" cap="none" strike="noStrike">
+      <a:defRPr sz="1400" b="0" i="0" u="none" strike="noStrike" cap="none">
         <a:solidFill>
           <a:srgbClr val="000000"/>
         </a:solidFill>
@@ -557,7 +571,7 @@
         <a:sym typeface="Arial"/>
       </a:defRPr>
     </a:lvl3pPr>
-    <a:lvl4pPr lvl="3" marR="0" rtl="0" algn="l">
+    <a:lvl4pPr marR="0" lvl="3" algn="l" rtl="0">
       <a:lnSpc>
         <a:spcPct val="100000"/>
       </a:lnSpc>
@@ -571,7 +585,7 @@
         <a:srgbClr val="000000"/>
       </a:buClr>
       <a:buFont typeface="Arial"/>
-      <a:defRPr b="0" i="0" sz="1400" u="none" cap="none" strike="noStrike">
+      <a:defRPr sz="1400" b="0" i="0" u="none" strike="noStrike" cap="none">
         <a:solidFill>
           <a:srgbClr val="000000"/>
         </a:solidFill>
@@ -581,7 +595,7 @@
         <a:sym typeface="Arial"/>
       </a:defRPr>
     </a:lvl4pPr>
-    <a:lvl5pPr lvl="4" marR="0" rtl="0" algn="l">
+    <a:lvl5pPr marR="0" lvl="4" algn="l" rtl="0">
       <a:lnSpc>
         <a:spcPct val="100000"/>
       </a:lnSpc>
@@ -595,7 +609,7 @@
         <a:srgbClr val="000000"/>
       </a:buClr>
       <a:buFont typeface="Arial"/>
-      <a:defRPr b="0" i="0" sz="1400" u="none" cap="none" strike="noStrike">
+      <a:defRPr sz="1400" b="0" i="0" u="none" strike="noStrike" cap="none">
         <a:solidFill>
           <a:srgbClr val="000000"/>
         </a:solidFill>
@@ -605,7 +619,7 @@
         <a:sym typeface="Arial"/>
       </a:defRPr>
     </a:lvl5pPr>
-    <a:lvl6pPr lvl="5" marR="0" rtl="0" algn="l">
+    <a:lvl6pPr marR="0" lvl="5" algn="l" rtl="0">
       <a:lnSpc>
         <a:spcPct val="100000"/>
       </a:lnSpc>
@@ -619,7 +633,7 @@
         <a:srgbClr val="000000"/>
       </a:buClr>
       <a:buFont typeface="Arial"/>
-      <a:defRPr b="0" i="0" sz="1400" u="none" cap="none" strike="noStrike">
+      <a:defRPr sz="1400" b="0" i="0" u="none" strike="noStrike" cap="none">
         <a:solidFill>
           <a:srgbClr val="000000"/>
         </a:solidFill>
@@ -629,7 +643,7 @@
         <a:sym typeface="Arial"/>
       </a:defRPr>
     </a:lvl6pPr>
-    <a:lvl7pPr lvl="6" marR="0" rtl="0" algn="l">
+    <a:lvl7pPr marR="0" lvl="6" algn="l" rtl="0">
       <a:lnSpc>
         <a:spcPct val="100000"/>
       </a:lnSpc>
@@ -643,7 +657,7 @@
         <a:srgbClr val="000000"/>
       </a:buClr>
       <a:buFont typeface="Arial"/>
-      <a:defRPr b="0" i="0" sz="1400" u="none" cap="none" strike="noStrike">
+      <a:defRPr sz="1400" b="0" i="0" u="none" strike="noStrike" cap="none">
         <a:solidFill>
           <a:srgbClr val="000000"/>
         </a:solidFill>
@@ -653,7 +667,7 @@
         <a:sym typeface="Arial"/>
       </a:defRPr>
     </a:lvl7pPr>
-    <a:lvl8pPr lvl="7" marR="0" rtl="0" algn="l">
+    <a:lvl8pPr marR="0" lvl="7" algn="l" rtl="0">
       <a:lnSpc>
         <a:spcPct val="100000"/>
       </a:lnSpc>
@@ -667,7 +681,7 @@
         <a:srgbClr val="000000"/>
       </a:buClr>
       <a:buFont typeface="Arial"/>
-      <a:defRPr b="0" i="0" sz="1400" u="none" cap="none" strike="noStrike">
+      <a:defRPr sz="1400" b="0" i="0" u="none" strike="noStrike" cap="none">
         <a:solidFill>
           <a:srgbClr val="000000"/>
         </a:solidFill>
@@ -677,7 +691,7 @@
         <a:sym typeface="Arial"/>
       </a:defRPr>
     </a:lvl8pPr>
-    <a:lvl9pPr lvl="8" marR="0" rtl="0" algn="l">
+    <a:lvl9pPr marR="0" lvl="8" algn="l" rtl="0">
       <a:lnSpc>
         <a:spcPct val="100000"/>
       </a:lnSpc>
@@ -691,7 +705,7 @@
         <a:srgbClr val="000000"/>
       </a:buClr>
       <a:buFont typeface="Arial"/>
-      <a:defRPr b="0" i="0" sz="1400" u="none" cap="none" strike="noStrike">
+      <a:defRPr sz="1400" b="0" i="0" u="none" strike="noStrike" cap="none">
         <a:solidFill>
           <a:srgbClr val="000000"/>
         </a:solidFill>
@@ -706,11 +720,11 @@
 </file>
 
 <file path=ppt/notesSlides/notesSlide1.xml><?xml version="1.0" encoding="utf-8"?>
-<p:notes xmlns:a="http://schemas.openxmlformats.org/drawingml/2006/main" xmlns:r="http://schemas.openxmlformats.org/officeDocument/2006/relationships" xmlns:mc="http://schemas.openxmlformats.org/markup-compatibility/2006" xmlns:mv="urn:schemas-microsoft-com:mac:vml" xmlns:p="http://schemas.openxmlformats.org/presentationml/2006/main" xmlns:c="http://schemas.openxmlformats.org/drawingml/2006/chart" xmlns:dgm="http://schemas.openxmlformats.org/drawingml/2006/diagram" xmlns:o="urn:schemas-microsoft-com:office:office" xmlns:v="urn:schemas-microsoft-com:vml" xmlns:pvml="urn:schemas-microsoft-com:office:powerpoint" xmlns:com="http://schemas.openxmlformats.org/drawingml/2006/compatibility" xmlns:p14="http://schemas.microsoft.com/office/powerpoint/2010/main" xmlns:p15="http://schemas.microsoft.com/office/powerpoint/2012/main" xmlns:ahyp="http://schemas.microsoft.com/office/drawing/2018/hyperlinkcolor" showMasterPhAnim="0" showMasterSp="0">
+<p:notes xmlns:a="http://schemas.openxmlformats.org/drawingml/2006/main" xmlns:r="http://schemas.openxmlformats.org/officeDocument/2006/relationships" xmlns:p="http://schemas.openxmlformats.org/presentationml/2006/main" showMasterSp="0" showMasterPhAnim="0">
   <p:cSld>
     <p:spTree>
       <p:nvGrpSpPr>
-        <p:cNvPr id="52" name="Shape 52"/>
+        <p:cNvPr id="1" name="Shape 52"/>
         <p:cNvGrpSpPr/>
         <p:nvPr/>
       </p:nvGrpSpPr>
@@ -725,9 +739,11 @@
       <p:sp>
         <p:nvSpPr>
           <p:cNvPr id="53" name="Google Shape;53;p:notes"/>
-          <p:cNvSpPr/>
+          <p:cNvSpPr>
+            <a:spLocks noGrp="1" noRot="1" noChangeAspect="1"/>
+          </p:cNvSpPr>
           <p:nvPr>
-            <p:ph idx="2" type="sldImg"/>
+            <p:ph type="sldImg" idx="2"/>
           </p:nvPr>
         </p:nvSpPr>
         <p:spPr>
@@ -736,9 +752,13 @@
             <a:ext cx="6096075" cy="3429000"/>
           </a:xfrm>
           <a:custGeom>
-            <a:rect b="b" l="l" r="r" t="t"/>
+            <a:avLst/>
+            <a:gdLst/>
+            <a:ahLst/>
+            <a:cxnLst/>
+            <a:rect l="l" t="t" r="r" b="b"/>
             <a:pathLst>
-              <a:path extrusionOk="0" h="120000" w="120000">
+              <a:path w="120000" h="120000" extrusionOk="0">
                 <a:moveTo>
                   <a:pt x="0" y="0"/>
                 </a:moveTo>
@@ -760,9 +780,11 @@
       <p:sp>
         <p:nvSpPr>
           <p:cNvPr id="54" name="Google Shape;54;p:notes"/>
-          <p:cNvSpPr txBox="1"/>
+          <p:cNvSpPr txBox="1">
+            <a:spLocks noGrp="1"/>
+          </p:cNvSpPr>
           <p:nvPr>
-            <p:ph idx="1" type="body"/>
+            <p:ph type="body" idx="1"/>
           </p:nvPr>
         </p:nvSpPr>
         <p:spPr>
@@ -775,12 +797,12 @@
           </a:prstGeom>
         </p:spPr>
         <p:txBody>
-          <a:bodyPr anchorCtr="0" anchor="t" bIns="91425" lIns="91425" spcFirstLastPara="1" rIns="91425" wrap="square" tIns="91425">
+          <a:bodyPr spcFirstLastPara="1" wrap="square" lIns="91425" tIns="91425" rIns="91425" bIns="91425" anchor="t" anchorCtr="0">
             <a:noAutofit/>
           </a:bodyPr>
           <a:lstStyle/>
           <a:p>
-            <a:pPr indent="0" lvl="0" marL="0" rtl="0" algn="l">
+            <a:pPr marL="0" lvl="0" indent="0" algn="l" rtl="0">
               <a:spcBef>
                 <a:spcPts val="0"/>
               </a:spcBef>
@@ -789,9 +811,6 @@
               </a:spcAft>
               <a:buNone/>
             </a:pPr>
-            <a:r>
-              <a:t/>
-            </a:r>
             <a:endParaRPr/>
           </a:p>
         </p:txBody>
@@ -805,126 +824,11 @@
 </file>
 
 <file path=ppt/notesSlides/notesSlide2.xml><?xml version="1.0" encoding="utf-8"?>
-<p:notes xmlns:a="http://schemas.openxmlformats.org/drawingml/2006/main" xmlns:r="http://schemas.openxmlformats.org/officeDocument/2006/relationships" xmlns:mc="http://schemas.openxmlformats.org/markup-compatibility/2006" xmlns:mv="urn:schemas-microsoft-com:mac:vml" xmlns:p="http://schemas.openxmlformats.org/presentationml/2006/main" xmlns:c="http://schemas.openxmlformats.org/drawingml/2006/chart" xmlns:dgm="http://schemas.openxmlformats.org/drawingml/2006/diagram" xmlns:o="urn:schemas-microsoft-com:office:office" xmlns:v="urn:schemas-microsoft-com:vml" xmlns:pvml="urn:schemas-microsoft-com:office:powerpoint" xmlns:com="http://schemas.openxmlformats.org/drawingml/2006/compatibility" xmlns:p14="http://schemas.microsoft.com/office/powerpoint/2010/main" xmlns:p15="http://schemas.microsoft.com/office/powerpoint/2012/main" xmlns:ahyp="http://schemas.microsoft.com/office/drawing/2018/hyperlinkcolor" showMasterPhAnim="0" showMasterSp="0">
+<p:notes xmlns:a="http://schemas.openxmlformats.org/drawingml/2006/main" xmlns:r="http://schemas.openxmlformats.org/officeDocument/2006/relationships" xmlns:p="http://schemas.openxmlformats.org/presentationml/2006/main" showMasterSp="0" showMasterPhAnim="0">
   <p:cSld>
     <p:spTree>
       <p:nvGrpSpPr>
-        <p:cNvPr id="58" name="Shape 58"/>
-        <p:cNvGrpSpPr/>
-        <p:nvPr/>
-      </p:nvGrpSpPr>
-      <p:grpSpPr>
-        <a:xfrm>
-          <a:off x="0" y="0"/>
-          <a:ext cx="0" cy="0"/>
-          <a:chOff x="0" y="0"/>
-          <a:chExt cx="0" cy="0"/>
-        </a:xfrm>
-      </p:grpSpPr>
-      <p:sp>
-        <p:nvSpPr>
-          <p:cNvPr id="59" name="Google Shape;59;g10fd4c84350_0_94:notes"/>
-          <p:cNvSpPr/>
-          <p:nvPr>
-            <p:ph idx="2" type="sldImg"/>
-          </p:nvPr>
-        </p:nvSpPr>
-        <p:spPr>
-          <a:xfrm>
-            <a:off x="381300" y="685800"/>
-            <a:ext cx="6096000" cy="3429000"/>
-          </a:xfrm>
-          <a:custGeom>
-            <a:rect b="b" l="l" r="r" t="t"/>
-            <a:pathLst>
-              <a:path extrusionOk="0" h="120000" w="120000">
-                <a:moveTo>
-                  <a:pt x="0" y="0"/>
-                </a:moveTo>
-                <a:lnTo>
-                  <a:pt x="120000" y="0"/>
-                </a:lnTo>
-                <a:lnTo>
-                  <a:pt x="120000" y="120000"/>
-                </a:lnTo>
-                <a:lnTo>
-                  <a:pt x="0" y="120000"/>
-                </a:lnTo>
-                <a:close/>
-              </a:path>
-            </a:pathLst>
-          </a:custGeom>
-        </p:spPr>
-      </p:sp>
-      <p:sp>
-        <p:nvSpPr>
-          <p:cNvPr id="60" name="Google Shape;60;g10fd4c84350_0_94:notes"/>
-          <p:cNvSpPr txBox="1"/>
-          <p:nvPr>
-            <p:ph idx="1" type="body"/>
-          </p:nvPr>
-        </p:nvSpPr>
-        <p:spPr>
-          <a:xfrm>
-            <a:off x="685800" y="4343400"/>
-            <a:ext cx="5486400" cy="4114800"/>
-          </a:xfrm>
-          <a:prstGeom prst="rect">
-            <a:avLst/>
-          </a:prstGeom>
-        </p:spPr>
-        <p:txBody>
-          <a:bodyPr anchorCtr="0" anchor="t" bIns="91425" lIns="91425" spcFirstLastPara="1" rIns="91425" wrap="square" tIns="91425">
-            <a:noAutofit/>
-          </a:bodyPr>
-          <a:lstStyle/>
-          <a:p>
-            <a:pPr indent="0" lvl="0" marL="0" rtl="0" algn="l">
-              <a:spcBef>
-                <a:spcPts val="0"/>
-              </a:spcBef>
-              <a:spcAft>
-                <a:spcPts val="0"/>
-              </a:spcAft>
-              <a:buNone/>
-            </a:pPr>
-            <a:r>
-              <a:rPr lang="ru"/>
-              <a:t>презентация просто супер! 10/10</a:t>
-            </a:r>
-            <a:endParaRPr/>
-          </a:p>
-          <a:p>
-            <a:pPr indent="0" lvl="0" marL="0" rtl="0" algn="l">
-              <a:spcBef>
-                <a:spcPts val="0"/>
-              </a:spcBef>
-              <a:spcAft>
-                <a:spcPts val="0"/>
-              </a:spcAft>
-              <a:buNone/>
-            </a:pPr>
-            <a:r>
-              <a:t/>
-            </a:r>
-            <a:endParaRPr/>
-          </a:p>
-        </p:txBody>
-      </p:sp>
-    </p:spTree>
-  </p:cSld>
-  <p:clrMapOvr>
-    <a:masterClrMapping/>
-  </p:clrMapOvr>
-</p:notes>
-</file>
-
-<file path=ppt/notesSlides/notesSlide3.xml><?xml version="1.0" encoding="utf-8"?>
-<p:notes xmlns:a="http://schemas.openxmlformats.org/drawingml/2006/main" xmlns:r="http://schemas.openxmlformats.org/officeDocument/2006/relationships" xmlns:mc="http://schemas.openxmlformats.org/markup-compatibility/2006" xmlns:mv="urn:schemas-microsoft-com:mac:vml" xmlns:p="http://schemas.openxmlformats.org/presentationml/2006/main" xmlns:c="http://schemas.openxmlformats.org/drawingml/2006/chart" xmlns:dgm="http://schemas.openxmlformats.org/drawingml/2006/diagram" xmlns:o="urn:schemas-microsoft-com:office:office" xmlns:v="urn:schemas-microsoft-com:vml" xmlns:pvml="urn:schemas-microsoft-com:office:powerpoint" xmlns:com="http://schemas.openxmlformats.org/drawingml/2006/compatibility" xmlns:p14="http://schemas.microsoft.com/office/powerpoint/2010/main" xmlns:p15="http://schemas.microsoft.com/office/powerpoint/2012/main" xmlns:ahyp="http://schemas.microsoft.com/office/drawing/2018/hyperlinkcolor" showMasterPhAnim="0" showMasterSp="0">
-  <p:cSld>
-    <p:spTree>
-      <p:nvGrpSpPr>
-        <p:cNvPr id="64" name="Shape 64"/>
+        <p:cNvPr id="1" name="Shape 64"/>
         <p:cNvGrpSpPr/>
         <p:nvPr/>
       </p:nvGrpSpPr>
@@ -939,9 +843,11 @@
       <p:sp>
         <p:nvSpPr>
           <p:cNvPr id="65" name="Google Shape;65;g10fd784325f_0_0:notes"/>
-          <p:cNvSpPr/>
+          <p:cNvSpPr>
+            <a:spLocks noGrp="1" noRot="1" noChangeAspect="1"/>
+          </p:cNvSpPr>
           <p:nvPr>
-            <p:ph idx="2" type="sldImg"/>
+            <p:ph type="sldImg" idx="2"/>
           </p:nvPr>
         </p:nvSpPr>
         <p:spPr>
@@ -950,9 +856,13 @@
             <a:ext cx="6096000" cy="3429000"/>
           </a:xfrm>
           <a:custGeom>
-            <a:rect b="b" l="l" r="r" t="t"/>
+            <a:avLst/>
+            <a:gdLst/>
+            <a:ahLst/>
+            <a:cxnLst/>
+            <a:rect l="l" t="t" r="r" b="b"/>
             <a:pathLst>
-              <a:path extrusionOk="0" h="120000" w="120000">
+              <a:path w="120000" h="120000" extrusionOk="0">
                 <a:moveTo>
                   <a:pt x="0" y="0"/>
                 </a:moveTo>
@@ -974,9 +884,11 @@
       <p:sp>
         <p:nvSpPr>
           <p:cNvPr id="66" name="Google Shape;66;g10fd784325f_0_0:notes"/>
-          <p:cNvSpPr txBox="1"/>
+          <p:cNvSpPr txBox="1">
+            <a:spLocks noGrp="1"/>
+          </p:cNvSpPr>
           <p:nvPr>
-            <p:ph idx="1" type="body"/>
+            <p:ph type="body" idx="1"/>
           </p:nvPr>
         </p:nvSpPr>
         <p:spPr>
@@ -989,12 +901,12 @@
           </a:prstGeom>
         </p:spPr>
         <p:txBody>
-          <a:bodyPr anchorCtr="0" anchor="t" bIns="91425" lIns="91425" spcFirstLastPara="1" rIns="91425" wrap="square" tIns="91425">
+          <a:bodyPr spcFirstLastPara="1" wrap="square" lIns="91425" tIns="91425" rIns="91425" bIns="91425" anchor="t" anchorCtr="0">
             <a:noAutofit/>
           </a:bodyPr>
           <a:lstStyle/>
           <a:p>
-            <a:pPr indent="0" lvl="0" marL="0" rtl="0" algn="l">
+            <a:pPr marL="0" lvl="0" indent="0" algn="l" rtl="0">
               <a:spcBef>
                 <a:spcPts val="0"/>
               </a:spcBef>
@@ -1003,9 +915,6 @@
               </a:spcAft>
               <a:buNone/>
             </a:pPr>
-            <a:r>
-              <a:t/>
-            </a:r>
             <a:endParaRPr/>
           </a:p>
         </p:txBody>
@@ -1018,12 +927,12 @@
 </p:notes>
 </file>
 
-<file path=ppt/notesSlides/notesSlide4.xml><?xml version="1.0" encoding="utf-8"?>
-<p:notes xmlns:a="http://schemas.openxmlformats.org/drawingml/2006/main" xmlns:r="http://schemas.openxmlformats.org/officeDocument/2006/relationships" xmlns:mc="http://schemas.openxmlformats.org/markup-compatibility/2006" xmlns:mv="urn:schemas-microsoft-com:mac:vml" xmlns:p="http://schemas.openxmlformats.org/presentationml/2006/main" xmlns:c="http://schemas.openxmlformats.org/drawingml/2006/chart" xmlns:dgm="http://schemas.openxmlformats.org/drawingml/2006/diagram" xmlns:o="urn:schemas-microsoft-com:office:office" xmlns:v="urn:schemas-microsoft-com:vml" xmlns:pvml="urn:schemas-microsoft-com:office:powerpoint" xmlns:com="http://schemas.openxmlformats.org/drawingml/2006/compatibility" xmlns:p14="http://schemas.microsoft.com/office/powerpoint/2010/main" xmlns:p15="http://schemas.microsoft.com/office/powerpoint/2012/main" xmlns:ahyp="http://schemas.microsoft.com/office/drawing/2018/hyperlinkcolor" showMasterPhAnim="0" showMasterSp="0">
+<file path=ppt/notesSlides/notesSlide3.xml><?xml version="1.0" encoding="utf-8"?>
+<p:notes xmlns:a="http://schemas.openxmlformats.org/drawingml/2006/main" xmlns:r="http://schemas.openxmlformats.org/officeDocument/2006/relationships" xmlns:p="http://schemas.openxmlformats.org/presentationml/2006/main" showMasterSp="0" showMasterPhAnim="0">
   <p:cSld>
     <p:spTree>
       <p:nvGrpSpPr>
-        <p:cNvPr id="70" name="Shape 70"/>
+        <p:cNvPr id="1" name="Shape 70"/>
         <p:cNvGrpSpPr/>
         <p:nvPr/>
       </p:nvGrpSpPr>
@@ -1038,9 +947,11 @@
       <p:sp>
         <p:nvSpPr>
           <p:cNvPr id="71" name="Google Shape;71;g10fd4c84350_0_109:notes"/>
-          <p:cNvSpPr/>
+          <p:cNvSpPr>
+            <a:spLocks noGrp="1" noRot="1" noChangeAspect="1"/>
+          </p:cNvSpPr>
           <p:nvPr>
-            <p:ph idx="2" type="sldImg"/>
+            <p:ph type="sldImg" idx="2"/>
           </p:nvPr>
         </p:nvSpPr>
         <p:spPr>
@@ -1049,9 +960,13 @@
             <a:ext cx="6096000" cy="3429000"/>
           </a:xfrm>
           <a:custGeom>
-            <a:rect b="b" l="l" r="r" t="t"/>
+            <a:avLst/>
+            <a:gdLst/>
+            <a:ahLst/>
+            <a:cxnLst/>
+            <a:rect l="l" t="t" r="r" b="b"/>
             <a:pathLst>
-              <a:path extrusionOk="0" h="120000" w="120000">
+              <a:path w="120000" h="120000" extrusionOk="0">
                 <a:moveTo>
                   <a:pt x="0" y="0"/>
                 </a:moveTo>
@@ -1073,9 +988,11 @@
       <p:sp>
         <p:nvSpPr>
           <p:cNvPr id="72" name="Google Shape;72;g10fd4c84350_0_109:notes"/>
-          <p:cNvSpPr txBox="1"/>
+          <p:cNvSpPr txBox="1">
+            <a:spLocks noGrp="1"/>
+          </p:cNvSpPr>
           <p:nvPr>
-            <p:ph idx="1" type="body"/>
+            <p:ph type="body" idx="1"/>
           </p:nvPr>
         </p:nvSpPr>
         <p:spPr>
@@ -1088,12 +1005,12 @@
           </a:prstGeom>
         </p:spPr>
         <p:txBody>
-          <a:bodyPr anchorCtr="0" anchor="t" bIns="91425" lIns="91425" spcFirstLastPara="1" rIns="91425" wrap="square" tIns="91425">
+          <a:bodyPr spcFirstLastPara="1" wrap="square" lIns="91425" tIns="91425" rIns="91425" bIns="91425" anchor="t" anchorCtr="0">
             <a:noAutofit/>
           </a:bodyPr>
           <a:lstStyle/>
           <a:p>
-            <a:pPr indent="0" lvl="0" marL="0" rtl="0" algn="l">
+            <a:pPr marL="0" lvl="0" indent="0" algn="l" rtl="0">
               <a:spcBef>
                 <a:spcPts val="0"/>
               </a:spcBef>
@@ -1102,9 +1019,6 @@
               </a:spcAft>
               <a:buNone/>
             </a:pPr>
-            <a:r>
-              <a:t/>
-            </a:r>
             <a:endParaRPr/>
           </a:p>
         </p:txBody>
@@ -1117,12 +1031,12 @@
 </p:notes>
 </file>
 
-<file path=ppt/notesSlides/notesSlide5.xml><?xml version="1.0" encoding="utf-8"?>
-<p:notes xmlns:a="http://schemas.openxmlformats.org/drawingml/2006/main" xmlns:r="http://schemas.openxmlformats.org/officeDocument/2006/relationships" xmlns:mc="http://schemas.openxmlformats.org/markup-compatibility/2006" xmlns:mv="urn:schemas-microsoft-com:mac:vml" xmlns:p="http://schemas.openxmlformats.org/presentationml/2006/main" xmlns:c="http://schemas.openxmlformats.org/drawingml/2006/chart" xmlns:dgm="http://schemas.openxmlformats.org/drawingml/2006/diagram" xmlns:o="urn:schemas-microsoft-com:office:office" xmlns:v="urn:schemas-microsoft-com:vml" xmlns:pvml="urn:schemas-microsoft-com:office:powerpoint" xmlns:com="http://schemas.openxmlformats.org/drawingml/2006/compatibility" xmlns:p14="http://schemas.microsoft.com/office/powerpoint/2010/main" xmlns:p15="http://schemas.microsoft.com/office/powerpoint/2012/main" xmlns:ahyp="http://schemas.microsoft.com/office/drawing/2018/hyperlinkcolor" showMasterPhAnim="0" showMasterSp="0">
+<file path=ppt/notesSlides/notesSlide4.xml><?xml version="1.0" encoding="utf-8"?>
+<p:notes xmlns:a="http://schemas.openxmlformats.org/drawingml/2006/main" xmlns:r="http://schemas.openxmlformats.org/officeDocument/2006/relationships" xmlns:p="http://schemas.openxmlformats.org/presentationml/2006/main" showMasterSp="0" showMasterPhAnim="0">
   <p:cSld>
     <p:spTree>
       <p:nvGrpSpPr>
-        <p:cNvPr id="78" name="Shape 78"/>
+        <p:cNvPr id="1" name="Shape 78"/>
         <p:cNvGrpSpPr/>
         <p:nvPr/>
       </p:nvGrpSpPr>
@@ -1137,9 +1051,11 @@
       <p:sp>
         <p:nvSpPr>
           <p:cNvPr id="79" name="Google Shape;79;g10fd4c84350_0_116:notes"/>
-          <p:cNvSpPr/>
+          <p:cNvSpPr>
+            <a:spLocks noGrp="1" noRot="1" noChangeAspect="1"/>
+          </p:cNvSpPr>
           <p:nvPr>
-            <p:ph idx="2" type="sldImg"/>
+            <p:ph type="sldImg" idx="2"/>
           </p:nvPr>
         </p:nvSpPr>
         <p:spPr>
@@ -1148,9 +1064,13 @@
             <a:ext cx="6096000" cy="3429000"/>
           </a:xfrm>
           <a:custGeom>
-            <a:rect b="b" l="l" r="r" t="t"/>
+            <a:avLst/>
+            <a:gdLst/>
+            <a:ahLst/>
+            <a:cxnLst/>
+            <a:rect l="l" t="t" r="r" b="b"/>
             <a:pathLst>
-              <a:path extrusionOk="0" h="120000" w="120000">
+              <a:path w="120000" h="120000" extrusionOk="0">
                 <a:moveTo>
                   <a:pt x="0" y="0"/>
                 </a:moveTo>
@@ -1172,9 +1092,11 @@
       <p:sp>
         <p:nvSpPr>
           <p:cNvPr id="80" name="Google Shape;80;g10fd4c84350_0_116:notes"/>
-          <p:cNvSpPr txBox="1"/>
+          <p:cNvSpPr txBox="1">
+            <a:spLocks noGrp="1"/>
+          </p:cNvSpPr>
           <p:nvPr>
-            <p:ph idx="1" type="body"/>
+            <p:ph type="body" idx="1"/>
           </p:nvPr>
         </p:nvSpPr>
         <p:spPr>
@@ -1187,12 +1109,12 @@
           </a:prstGeom>
         </p:spPr>
         <p:txBody>
-          <a:bodyPr anchorCtr="0" anchor="t" bIns="91425" lIns="91425" spcFirstLastPara="1" rIns="91425" wrap="square" tIns="91425">
+          <a:bodyPr spcFirstLastPara="1" wrap="square" lIns="91425" tIns="91425" rIns="91425" bIns="91425" anchor="t" anchorCtr="0">
             <a:noAutofit/>
           </a:bodyPr>
           <a:lstStyle/>
           <a:p>
-            <a:pPr indent="0" lvl="0" marL="0" rtl="0" algn="l">
+            <a:pPr marL="0" lvl="0" indent="0" algn="l" rtl="0">
               <a:spcBef>
                 <a:spcPts val="0"/>
               </a:spcBef>
@@ -1201,9 +1123,6 @@
               </a:spcAft>
               <a:buNone/>
             </a:pPr>
-            <a:r>
-              <a:t/>
-            </a:r>
             <a:endParaRPr/>
           </a:p>
         </p:txBody>
@@ -1216,12 +1135,12 @@
 </p:notes>
 </file>
 
-<file path=ppt/notesSlides/notesSlide6.xml><?xml version="1.0" encoding="utf-8"?>
-<p:notes xmlns:a="http://schemas.openxmlformats.org/drawingml/2006/main" xmlns:r="http://schemas.openxmlformats.org/officeDocument/2006/relationships" xmlns:mc="http://schemas.openxmlformats.org/markup-compatibility/2006" xmlns:mv="urn:schemas-microsoft-com:mac:vml" xmlns:p="http://schemas.openxmlformats.org/presentationml/2006/main" xmlns:c="http://schemas.openxmlformats.org/drawingml/2006/chart" xmlns:dgm="http://schemas.openxmlformats.org/drawingml/2006/diagram" xmlns:o="urn:schemas-microsoft-com:office:office" xmlns:v="urn:schemas-microsoft-com:vml" xmlns:pvml="urn:schemas-microsoft-com:office:powerpoint" xmlns:com="http://schemas.openxmlformats.org/drawingml/2006/compatibility" xmlns:p14="http://schemas.microsoft.com/office/powerpoint/2010/main" xmlns:p15="http://schemas.microsoft.com/office/powerpoint/2012/main" xmlns:ahyp="http://schemas.microsoft.com/office/drawing/2018/hyperlinkcolor" showMasterPhAnim="0" showMasterSp="0">
+<file path=ppt/notesSlides/notesSlide5.xml><?xml version="1.0" encoding="utf-8"?>
+<p:notes xmlns:a="http://schemas.openxmlformats.org/drawingml/2006/main" xmlns:r="http://schemas.openxmlformats.org/officeDocument/2006/relationships" xmlns:p="http://schemas.openxmlformats.org/presentationml/2006/main" showMasterSp="0" showMasterPhAnim="0">
   <p:cSld>
     <p:spTree>
       <p:nvGrpSpPr>
-        <p:cNvPr id="84" name="Shape 84"/>
+        <p:cNvPr id="1" name="Shape 84"/>
         <p:cNvGrpSpPr/>
         <p:nvPr/>
       </p:nvGrpSpPr>
@@ -1236,9 +1155,11 @@
       <p:sp>
         <p:nvSpPr>
           <p:cNvPr id="85" name="Google Shape;85;g10fd784325f_0_6:notes"/>
-          <p:cNvSpPr/>
+          <p:cNvSpPr>
+            <a:spLocks noGrp="1" noRot="1" noChangeAspect="1"/>
+          </p:cNvSpPr>
           <p:nvPr>
-            <p:ph idx="2" type="sldImg"/>
+            <p:ph type="sldImg" idx="2"/>
           </p:nvPr>
         </p:nvSpPr>
         <p:spPr>
@@ -1247,9 +1168,13 @@
             <a:ext cx="6096000" cy="3429000"/>
           </a:xfrm>
           <a:custGeom>
-            <a:rect b="b" l="l" r="r" t="t"/>
+            <a:avLst/>
+            <a:gdLst/>
+            <a:ahLst/>
+            <a:cxnLst/>
+            <a:rect l="l" t="t" r="r" b="b"/>
             <a:pathLst>
-              <a:path extrusionOk="0" h="120000" w="120000">
+              <a:path w="120000" h="120000" extrusionOk="0">
                 <a:moveTo>
                   <a:pt x="0" y="0"/>
                 </a:moveTo>
@@ -1271,9 +1196,11 @@
       <p:sp>
         <p:nvSpPr>
           <p:cNvPr id="86" name="Google Shape;86;g10fd784325f_0_6:notes"/>
-          <p:cNvSpPr txBox="1"/>
+          <p:cNvSpPr txBox="1">
+            <a:spLocks noGrp="1"/>
+          </p:cNvSpPr>
           <p:nvPr>
-            <p:ph idx="1" type="body"/>
+            <p:ph type="body" idx="1"/>
           </p:nvPr>
         </p:nvSpPr>
         <p:spPr>
@@ -1286,12 +1213,12 @@
           </a:prstGeom>
         </p:spPr>
         <p:txBody>
-          <a:bodyPr anchorCtr="0" anchor="t" bIns="91425" lIns="91425" spcFirstLastPara="1" rIns="91425" wrap="square" tIns="91425">
+          <a:bodyPr spcFirstLastPara="1" wrap="square" lIns="91425" tIns="91425" rIns="91425" bIns="91425" anchor="t" anchorCtr="0">
             <a:noAutofit/>
           </a:bodyPr>
           <a:lstStyle/>
           <a:p>
-            <a:pPr indent="0" lvl="0" marL="0" rtl="0" algn="l">
+            <a:pPr marL="0" lvl="0" indent="0" algn="l" rtl="0">
               <a:spcBef>
                 <a:spcPts val="0"/>
               </a:spcBef>
@@ -1300,9 +1227,6 @@
               </a:spcAft>
               <a:buNone/>
             </a:pPr>
-            <a:r>
-              <a:t/>
-            </a:r>
             <a:endParaRPr/>
           </a:p>
         </p:txBody>
@@ -1316,18 +1240,19 @@
 </file>
 
 <file path=ppt/slideLayouts/slideLayout1.xml><?xml version="1.0" encoding="utf-8"?>
-<p:sldLayout xmlns:a="http://schemas.openxmlformats.org/drawingml/2006/main" xmlns:r="http://schemas.openxmlformats.org/officeDocument/2006/relationships" xmlns:mc="http://schemas.openxmlformats.org/markup-compatibility/2006" xmlns:mv="urn:schemas-microsoft-com:mac:vml" xmlns:p="http://schemas.openxmlformats.org/presentationml/2006/main" xmlns:c="http://schemas.openxmlformats.org/drawingml/2006/chart" xmlns:dgm="http://schemas.openxmlformats.org/drawingml/2006/diagram" xmlns:o="urn:schemas-microsoft-com:office:office" xmlns:v="urn:schemas-microsoft-com:vml" xmlns:pvml="urn:schemas-microsoft-com:office:powerpoint" xmlns:com="http://schemas.openxmlformats.org/drawingml/2006/compatibility" xmlns:p14="http://schemas.microsoft.com/office/powerpoint/2010/main" xmlns:p15="http://schemas.microsoft.com/office/powerpoint/2012/main" xmlns:ahyp="http://schemas.microsoft.com/office/drawing/2018/hyperlinkcolor" matchingName="Title slide" type="title">
+<p:sldLayout xmlns:a="http://schemas.openxmlformats.org/drawingml/2006/main" xmlns:r="http://schemas.openxmlformats.org/officeDocument/2006/relationships" xmlns:p="http://schemas.openxmlformats.org/presentationml/2006/main" matchingName="Title slide" type="title">
   <p:cSld name="TITLE">
     <p:bg>
       <p:bgPr>
         <a:solidFill>
           <a:schemeClr val="dk1"/>
         </a:solidFill>
+        <a:effectLst/>
       </p:bgPr>
     </p:bg>
     <p:spTree>
       <p:nvGrpSpPr>
-        <p:cNvPr id="9" name="Shape 9"/>
+        <p:cNvPr id="1" name="Shape 9"/>
         <p:cNvGrpSpPr/>
         <p:nvPr/>
       </p:nvGrpSpPr>
@@ -1361,12 +1286,12 @@
           </a:ln>
         </p:spPr>
         <p:txBody>
-          <a:bodyPr anchorCtr="0" anchor="ctr" bIns="91425" lIns="91425" spcFirstLastPara="1" rIns="91425" wrap="square" tIns="91425">
+          <a:bodyPr spcFirstLastPara="1" wrap="square" lIns="91425" tIns="91425" rIns="91425" bIns="91425" anchor="ctr" anchorCtr="0">
             <a:noAutofit/>
           </a:bodyPr>
           <a:lstStyle/>
           <a:p>
-            <a:pPr indent="0" lvl="0" marL="0" rtl="0" algn="l">
+            <a:pPr marL="0" lvl="0" indent="0" algn="l" rtl="0">
               <a:spcBef>
                 <a:spcPts val="0"/>
               </a:spcBef>
@@ -1375,9 +1300,6 @@
               </a:spcAft>
               <a:buNone/>
             </a:pPr>
-            <a:r>
-              <a:t/>
-            </a:r>
             <a:endParaRPr/>
           </a:p>
         </p:txBody>
@@ -1385,7 +1307,9 @@
       <p:sp>
         <p:nvSpPr>
           <p:cNvPr id="11" name="Google Shape;11;p2"/>
-          <p:cNvSpPr txBox="1"/>
+          <p:cNvSpPr txBox="1">
+            <a:spLocks noGrp="1"/>
+          </p:cNvSpPr>
           <p:nvPr>
             <p:ph type="ctrTitle"/>
           </p:nvPr>
@@ -1400,7 +1324,7 @@
           </a:prstGeom>
         </p:spPr>
         <p:txBody>
-          <a:bodyPr anchorCtr="0" anchor="ctr" bIns="91425" lIns="91425" spcFirstLastPara="1" rIns="91425" wrap="square" tIns="91425">
+          <a:bodyPr spcFirstLastPara="1" wrap="square" lIns="91425" tIns="91425" rIns="91425" bIns="91425" anchor="ctr" anchorCtr="0">
             <a:normAutofit/>
           </a:bodyPr>
           <a:lstStyle>
@@ -1504,15 +1428,19 @@
               <a:defRPr sz="8000"/>
             </a:lvl9pPr>
           </a:lstStyle>
-          <a:p/>
+          <a:p>
+            <a:endParaRPr/>
+          </a:p>
         </p:txBody>
       </p:sp>
       <p:sp>
         <p:nvSpPr>
           <p:cNvPr id="12" name="Google Shape;12;p2"/>
-          <p:cNvSpPr txBox="1"/>
+          <p:cNvSpPr txBox="1">
+            <a:spLocks noGrp="1"/>
+          </p:cNvSpPr>
           <p:nvPr>
-            <p:ph idx="1" type="subTitle"/>
+            <p:ph type="subTitle" idx="1"/>
           </p:nvPr>
         </p:nvSpPr>
         <p:spPr>
@@ -1525,7 +1453,7 @@
           </a:prstGeom>
         </p:spPr>
         <p:txBody>
-          <a:bodyPr anchorCtr="0" anchor="ctr" bIns="91425" lIns="91425" spcFirstLastPara="1" rIns="91425" wrap="square" tIns="91425">
+          <a:bodyPr spcFirstLastPara="1" wrap="square" lIns="91425" tIns="91425" rIns="91425" bIns="91425" anchor="ctr" anchorCtr="0">
             <a:normAutofit/>
           </a:bodyPr>
           <a:lstStyle>
@@ -1544,7 +1472,7 @@
               </a:buClr>
               <a:buSzPts val="2100"/>
               <a:buNone/>
-              <a:defRPr b="1" sz="2100">
+              <a:defRPr sz="2100" b="1">
                 <a:solidFill>
                   <a:schemeClr val="accent1"/>
                 </a:solidFill>
@@ -1565,7 +1493,7 @@
               </a:buClr>
               <a:buSzPts val="2100"/>
               <a:buNone/>
-              <a:defRPr b="1" sz="2100">
+              <a:defRPr sz="2100" b="1">
                 <a:solidFill>
                   <a:schemeClr val="accent1"/>
                 </a:solidFill>
@@ -1586,7 +1514,7 @@
               </a:buClr>
               <a:buSzPts val="2100"/>
               <a:buNone/>
-              <a:defRPr b="1" sz="2100">
+              <a:defRPr sz="2100" b="1">
                 <a:solidFill>
                   <a:schemeClr val="accent1"/>
                 </a:solidFill>
@@ -1607,7 +1535,7 @@
               </a:buClr>
               <a:buSzPts val="2100"/>
               <a:buNone/>
-              <a:defRPr b="1" sz="2100">
+              <a:defRPr sz="2100" b="1">
                 <a:solidFill>
                   <a:schemeClr val="accent1"/>
                 </a:solidFill>
@@ -1628,7 +1556,7 @@
               </a:buClr>
               <a:buSzPts val="2100"/>
               <a:buNone/>
-              <a:defRPr b="1" sz="2100">
+              <a:defRPr sz="2100" b="1">
                 <a:solidFill>
                   <a:schemeClr val="accent1"/>
                 </a:solidFill>
@@ -1649,7 +1577,7 @@
               </a:buClr>
               <a:buSzPts val="2100"/>
               <a:buNone/>
-              <a:defRPr b="1" sz="2100">
+              <a:defRPr sz="2100" b="1">
                 <a:solidFill>
                   <a:schemeClr val="accent1"/>
                 </a:solidFill>
@@ -1670,7 +1598,7 @@
               </a:buClr>
               <a:buSzPts val="2100"/>
               <a:buNone/>
-              <a:defRPr b="1" sz="2100">
+              <a:defRPr sz="2100" b="1">
                 <a:solidFill>
                   <a:schemeClr val="accent1"/>
                 </a:solidFill>
@@ -1691,7 +1619,7 @@
               </a:buClr>
               <a:buSzPts val="2100"/>
               <a:buNone/>
-              <a:defRPr b="1" sz="2100">
+              <a:defRPr sz="2100" b="1">
                 <a:solidFill>
                   <a:schemeClr val="accent1"/>
                 </a:solidFill>
@@ -1712,22 +1640,26 @@
               </a:buClr>
               <a:buSzPts val="2100"/>
               <a:buNone/>
-              <a:defRPr b="1" sz="2100">
+              <a:defRPr sz="2100" b="1">
                 <a:solidFill>
                   <a:schemeClr val="accent1"/>
                 </a:solidFill>
               </a:defRPr>
             </a:lvl9pPr>
           </a:lstStyle>
-          <a:p/>
+          <a:p>
+            <a:endParaRPr/>
+          </a:p>
         </p:txBody>
       </p:sp>
       <p:sp>
         <p:nvSpPr>
           <p:cNvPr id="13" name="Google Shape;13;p2"/>
-          <p:cNvSpPr txBox="1"/>
+          <p:cNvSpPr txBox="1">
+            <a:spLocks noGrp="1"/>
+          </p:cNvSpPr>
           <p:nvPr>
-            <p:ph idx="12" type="sldNum"/>
+            <p:ph type="sldNum" idx="12"/>
           </p:nvPr>
         </p:nvSpPr>
         <p:spPr>
@@ -1740,7 +1672,7 @@
           </a:prstGeom>
         </p:spPr>
         <p:txBody>
-          <a:bodyPr anchorCtr="0" anchor="ctr" bIns="91425" lIns="91425" spcFirstLastPara="1" rIns="91425" wrap="square" tIns="91425">
+          <a:bodyPr spcFirstLastPara="1" wrap="square" lIns="91425" tIns="91425" rIns="91425" bIns="91425" anchor="ctr" anchorCtr="0">
             <a:normAutofit/>
           </a:bodyPr>
           <a:lstStyle>
@@ -1782,7 +1714,7 @@
             </a:lvl9pPr>
           </a:lstStyle>
           <a:p>
-            <a:pPr indent="0" lvl="0" marL="0" rtl="0" algn="r">
+            <a:pPr marL="0" lvl="0" indent="0" algn="r" rtl="0">
               <a:spcBef>
                 <a:spcPts val="0"/>
               </a:spcBef>
@@ -1808,11 +1740,11 @@
 </file>
 
 <file path=ppt/slideLayouts/slideLayout10.xml><?xml version="1.0" encoding="utf-8"?>
-<p:sldLayout xmlns:a="http://schemas.openxmlformats.org/drawingml/2006/main" xmlns:r="http://schemas.openxmlformats.org/officeDocument/2006/relationships" xmlns:mc="http://schemas.openxmlformats.org/markup-compatibility/2006" xmlns:mv="urn:schemas-microsoft-com:mac:vml" xmlns:p="http://schemas.openxmlformats.org/presentationml/2006/main" xmlns:c="http://schemas.openxmlformats.org/drawingml/2006/chart" xmlns:dgm="http://schemas.openxmlformats.org/drawingml/2006/diagram" xmlns:o="urn:schemas-microsoft-com:office:office" xmlns:v="urn:schemas-microsoft-com:vml" xmlns:pvml="urn:schemas-microsoft-com:office:powerpoint" xmlns:com="http://schemas.openxmlformats.org/drawingml/2006/compatibility" xmlns:p14="http://schemas.microsoft.com/office/powerpoint/2010/main" xmlns:p15="http://schemas.microsoft.com/office/powerpoint/2012/main" xmlns:ahyp="http://schemas.microsoft.com/office/drawing/2018/hyperlinkcolor" matchingName="Big number">
+<p:sldLayout xmlns:a="http://schemas.openxmlformats.org/drawingml/2006/main" xmlns:r="http://schemas.openxmlformats.org/officeDocument/2006/relationships" xmlns:p="http://schemas.openxmlformats.org/presentationml/2006/main" matchingName="Big number">
   <p:cSld name="BIG_NUMBER">
     <p:spTree>
       <p:nvGrpSpPr>
-        <p:cNvPr id="46" name="Shape 46"/>
+        <p:cNvPr id="1" name="Shape 46"/>
         <p:cNvGrpSpPr/>
         <p:nvPr/>
       </p:nvGrpSpPr>
@@ -1827,9 +1759,11 @@
       <p:sp>
         <p:nvSpPr>
           <p:cNvPr id="47" name="Google Shape;47;p11"/>
-          <p:cNvSpPr txBox="1"/>
+          <p:cNvSpPr txBox="1">
+            <a:spLocks noGrp="1"/>
+          </p:cNvSpPr>
           <p:nvPr>
-            <p:ph hasCustomPrompt="1" type="title"/>
+            <p:ph type="title" hasCustomPrompt="1"/>
           </p:nvPr>
         </p:nvSpPr>
         <p:spPr>
@@ -1842,7 +1776,7 @@
           </a:prstGeom>
         </p:spPr>
         <p:txBody>
-          <a:bodyPr anchorCtr="0" anchor="b" bIns="91425" lIns="91425" spcFirstLastPara="1" rIns="91425" wrap="square" tIns="91425">
+          <a:bodyPr spcFirstLastPara="1" wrap="square" lIns="91425" tIns="91425" rIns="91425" bIns="91425" anchor="b" anchorCtr="0">
             <a:normAutofit/>
           </a:bodyPr>
           <a:lstStyle>
@@ -2046,9 +1980,11 @@
       <p:sp>
         <p:nvSpPr>
           <p:cNvPr id="48" name="Google Shape;48;p11"/>
-          <p:cNvSpPr txBox="1"/>
+          <p:cNvSpPr txBox="1">
+            <a:spLocks noGrp="1"/>
+          </p:cNvSpPr>
           <p:nvPr>
-            <p:ph idx="1" type="body"/>
+            <p:ph type="body" idx="1"/>
           </p:nvPr>
         </p:nvSpPr>
         <p:spPr>
@@ -2061,11 +1997,11 @@
           </a:prstGeom>
         </p:spPr>
         <p:txBody>
-          <a:bodyPr anchorCtr="0" anchor="t" bIns="91425" lIns="91425" spcFirstLastPara="1" rIns="91425" wrap="square" tIns="91425">
+          <a:bodyPr spcFirstLastPara="1" wrap="square" lIns="91425" tIns="91425" rIns="91425" bIns="91425" anchor="t" anchorCtr="0">
             <a:normAutofit/>
           </a:bodyPr>
           <a:lstStyle>
-            <a:lvl1pPr indent="-342900" lvl="0" marL="457200" algn="ctr">
+            <a:lvl1pPr marL="457200" lvl="0" indent="-342900" algn="ctr">
               <a:spcBef>
                 <a:spcPts val="0"/>
               </a:spcBef>
@@ -2086,7 +2022,7 @@
                 </a:highlight>
               </a:defRPr>
             </a:lvl1pPr>
-            <a:lvl2pPr indent="-317500" lvl="1" marL="914400" algn="ctr">
+            <a:lvl2pPr marL="914400" lvl="1" indent="-317500" algn="ctr">
               <a:spcBef>
                 <a:spcPts val="0"/>
               </a:spcBef>
@@ -2107,7 +2043,7 @@
                 </a:highlight>
               </a:defRPr>
             </a:lvl2pPr>
-            <a:lvl3pPr indent="-317500" lvl="2" marL="1371600" algn="ctr">
+            <a:lvl3pPr marL="1371600" lvl="2" indent="-317500" algn="ctr">
               <a:spcBef>
                 <a:spcPts val="0"/>
               </a:spcBef>
@@ -2128,7 +2064,7 @@
                 </a:highlight>
               </a:defRPr>
             </a:lvl3pPr>
-            <a:lvl4pPr indent="-317500" lvl="3" marL="1828800" algn="ctr">
+            <a:lvl4pPr marL="1828800" lvl="3" indent="-317500" algn="ctr">
               <a:spcBef>
                 <a:spcPts val="0"/>
               </a:spcBef>
@@ -2149,7 +2085,7 @@
                 </a:highlight>
               </a:defRPr>
             </a:lvl4pPr>
-            <a:lvl5pPr indent="-317500" lvl="4" marL="2286000" algn="ctr">
+            <a:lvl5pPr marL="2286000" lvl="4" indent="-317500" algn="ctr">
               <a:spcBef>
                 <a:spcPts val="0"/>
               </a:spcBef>
@@ -2170,7 +2106,7 @@
                 </a:highlight>
               </a:defRPr>
             </a:lvl5pPr>
-            <a:lvl6pPr indent="-317500" lvl="5" marL="2743200" algn="ctr">
+            <a:lvl6pPr marL="2743200" lvl="5" indent="-317500" algn="ctr">
               <a:spcBef>
                 <a:spcPts val="0"/>
               </a:spcBef>
@@ -2191,7 +2127,7 @@
                 </a:highlight>
               </a:defRPr>
             </a:lvl6pPr>
-            <a:lvl7pPr indent="-317500" lvl="6" marL="3200400" algn="ctr">
+            <a:lvl7pPr marL="3200400" lvl="6" indent="-317500" algn="ctr">
               <a:spcBef>
                 <a:spcPts val="0"/>
               </a:spcBef>
@@ -2212,7 +2148,7 @@
                 </a:highlight>
               </a:defRPr>
             </a:lvl7pPr>
-            <a:lvl8pPr indent="-317500" lvl="7" marL="3657600" algn="ctr">
+            <a:lvl8pPr marL="3657600" lvl="7" indent="-317500" algn="ctr">
               <a:spcBef>
                 <a:spcPts val="0"/>
               </a:spcBef>
@@ -2233,7 +2169,7 @@
                 </a:highlight>
               </a:defRPr>
             </a:lvl8pPr>
-            <a:lvl9pPr indent="-317500" lvl="8" marL="4114800" algn="ctr">
+            <a:lvl9pPr marL="4114800" lvl="8" indent="-317500" algn="ctr">
               <a:spcBef>
                 <a:spcPts val="0"/>
               </a:spcBef>
@@ -2255,15 +2191,19 @@
               </a:defRPr>
             </a:lvl9pPr>
           </a:lstStyle>
-          <a:p/>
+          <a:p>
+            <a:endParaRPr/>
+          </a:p>
         </p:txBody>
       </p:sp>
       <p:sp>
         <p:nvSpPr>
           <p:cNvPr id="49" name="Google Shape;49;p11"/>
-          <p:cNvSpPr txBox="1"/>
+          <p:cNvSpPr txBox="1">
+            <a:spLocks noGrp="1"/>
+          </p:cNvSpPr>
           <p:nvPr>
-            <p:ph idx="12" type="sldNum"/>
+            <p:ph type="sldNum" idx="12"/>
           </p:nvPr>
         </p:nvSpPr>
         <p:spPr>
@@ -2276,7 +2216,7 @@
           </a:prstGeom>
         </p:spPr>
         <p:txBody>
-          <a:bodyPr anchorCtr="0" anchor="ctr" bIns="91425" lIns="91425" spcFirstLastPara="1" rIns="91425" wrap="square" tIns="91425">
+          <a:bodyPr spcFirstLastPara="1" wrap="square" lIns="91425" tIns="91425" rIns="91425" bIns="91425" anchor="ctr" anchorCtr="0">
             <a:normAutofit/>
           </a:bodyPr>
           <a:lstStyle>
@@ -2318,7 +2258,7 @@
             </a:lvl9pPr>
           </a:lstStyle>
           <a:p>
-            <a:pPr indent="0" lvl="0" marL="0" rtl="0" algn="r">
+            <a:pPr marL="0" lvl="0" indent="0" algn="r" rtl="0">
               <a:spcBef>
                 <a:spcPts val="0"/>
               </a:spcBef>
@@ -2344,11 +2284,11 @@
 </file>
 
 <file path=ppt/slideLayouts/slideLayout11.xml><?xml version="1.0" encoding="utf-8"?>
-<p:sldLayout xmlns:a="http://schemas.openxmlformats.org/drawingml/2006/main" xmlns:r="http://schemas.openxmlformats.org/officeDocument/2006/relationships" xmlns:mc="http://schemas.openxmlformats.org/markup-compatibility/2006" xmlns:mv="urn:schemas-microsoft-com:mac:vml" xmlns:p="http://schemas.openxmlformats.org/presentationml/2006/main" xmlns:c="http://schemas.openxmlformats.org/drawingml/2006/chart" xmlns:dgm="http://schemas.openxmlformats.org/drawingml/2006/diagram" xmlns:o="urn:schemas-microsoft-com:office:office" xmlns:v="urn:schemas-microsoft-com:vml" xmlns:pvml="urn:schemas-microsoft-com:office:powerpoint" xmlns:com="http://schemas.openxmlformats.org/drawingml/2006/compatibility" xmlns:p14="http://schemas.microsoft.com/office/powerpoint/2010/main" xmlns:p15="http://schemas.microsoft.com/office/powerpoint/2012/main" xmlns:ahyp="http://schemas.microsoft.com/office/drawing/2018/hyperlinkcolor" matchingName="Blank" type="blank">
+<p:sldLayout xmlns:a="http://schemas.openxmlformats.org/drawingml/2006/main" xmlns:r="http://schemas.openxmlformats.org/officeDocument/2006/relationships" xmlns:p="http://schemas.openxmlformats.org/presentationml/2006/main" matchingName="Blank" type="blank">
   <p:cSld name="BLANK">
     <p:spTree>
       <p:nvGrpSpPr>
-        <p:cNvPr id="50" name="Shape 50"/>
+        <p:cNvPr id="1" name="Shape 50"/>
         <p:cNvGrpSpPr/>
         <p:nvPr/>
       </p:nvGrpSpPr>
@@ -2363,9 +2303,11 @@
       <p:sp>
         <p:nvSpPr>
           <p:cNvPr id="51" name="Google Shape;51;p12"/>
-          <p:cNvSpPr txBox="1"/>
+          <p:cNvSpPr txBox="1">
+            <a:spLocks noGrp="1"/>
+          </p:cNvSpPr>
           <p:nvPr>
-            <p:ph idx="12" type="sldNum"/>
+            <p:ph type="sldNum" idx="12"/>
           </p:nvPr>
         </p:nvSpPr>
         <p:spPr>
@@ -2378,7 +2320,7 @@
           </a:prstGeom>
         </p:spPr>
         <p:txBody>
-          <a:bodyPr anchorCtr="0" anchor="ctr" bIns="91425" lIns="91425" spcFirstLastPara="1" rIns="91425" wrap="square" tIns="91425">
+          <a:bodyPr spcFirstLastPara="1" wrap="square" lIns="91425" tIns="91425" rIns="91425" bIns="91425" anchor="ctr" anchorCtr="0">
             <a:normAutofit/>
           </a:bodyPr>
           <a:lstStyle>
@@ -2420,7 +2362,7 @@
             </a:lvl9pPr>
           </a:lstStyle>
           <a:p>
-            <a:pPr indent="0" lvl="0" marL="0" rtl="0" algn="r">
+            <a:pPr marL="0" lvl="0" indent="0" algn="r" rtl="0">
               <a:spcBef>
                 <a:spcPts val="0"/>
               </a:spcBef>
@@ -2446,18 +2388,19 @@
 </file>
 
 <file path=ppt/slideLayouts/slideLayout2.xml><?xml version="1.0" encoding="utf-8"?>
-<p:sldLayout xmlns:a="http://schemas.openxmlformats.org/drawingml/2006/main" xmlns:r="http://schemas.openxmlformats.org/officeDocument/2006/relationships" xmlns:mc="http://schemas.openxmlformats.org/markup-compatibility/2006" xmlns:mv="urn:schemas-microsoft-com:mac:vml" xmlns:p="http://schemas.openxmlformats.org/presentationml/2006/main" xmlns:c="http://schemas.openxmlformats.org/drawingml/2006/chart" xmlns:dgm="http://schemas.openxmlformats.org/drawingml/2006/diagram" xmlns:o="urn:schemas-microsoft-com:office:office" xmlns:v="urn:schemas-microsoft-com:vml" xmlns:pvml="urn:schemas-microsoft-com:office:powerpoint" xmlns:com="http://schemas.openxmlformats.org/drawingml/2006/compatibility" xmlns:p14="http://schemas.microsoft.com/office/powerpoint/2010/main" xmlns:p15="http://schemas.microsoft.com/office/powerpoint/2012/main" xmlns:ahyp="http://schemas.microsoft.com/office/drawing/2018/hyperlinkcolor" matchingName="Section header" type="secHead">
+<p:sldLayout xmlns:a="http://schemas.openxmlformats.org/drawingml/2006/main" xmlns:r="http://schemas.openxmlformats.org/officeDocument/2006/relationships" xmlns:p="http://schemas.openxmlformats.org/presentationml/2006/main" matchingName="Section header" type="secHead">
   <p:cSld name="SECTION_HEADER">
     <p:bg>
       <p:bgPr>
         <a:solidFill>
           <a:schemeClr val="dk1"/>
         </a:solidFill>
+        <a:effectLst/>
       </p:bgPr>
     </p:bg>
     <p:spTree>
       <p:nvGrpSpPr>
-        <p:cNvPr id="14" name="Shape 14"/>
+        <p:cNvPr id="1" name="Shape 14"/>
         <p:cNvGrpSpPr/>
         <p:nvPr/>
       </p:nvGrpSpPr>
@@ -2472,7 +2415,9 @@
       <p:sp>
         <p:nvSpPr>
           <p:cNvPr id="15" name="Google Shape;15;p3"/>
-          <p:cNvSpPr txBox="1"/>
+          <p:cNvSpPr txBox="1">
+            <a:spLocks noGrp="1"/>
+          </p:cNvSpPr>
           <p:nvPr>
             <p:ph type="title"/>
           </p:nvPr>
@@ -2490,7 +2435,7 @@
           </a:solidFill>
         </p:spPr>
         <p:txBody>
-          <a:bodyPr anchorCtr="0" anchor="ctr" bIns="91425" lIns="91425" spcFirstLastPara="1" rIns="91425" wrap="square" tIns="91425">
+          <a:bodyPr spcFirstLastPara="1" wrap="square" lIns="91425" tIns="91425" rIns="91425" bIns="91425" anchor="ctr" anchorCtr="0">
             <a:normAutofit/>
           </a:bodyPr>
           <a:lstStyle>
@@ -2594,15 +2539,19 @@
               <a:defRPr sz="4800"/>
             </a:lvl9pPr>
           </a:lstStyle>
-          <a:p/>
+          <a:p>
+            <a:endParaRPr/>
+          </a:p>
         </p:txBody>
       </p:sp>
       <p:sp>
         <p:nvSpPr>
           <p:cNvPr id="16" name="Google Shape;16;p3"/>
-          <p:cNvSpPr txBox="1"/>
+          <p:cNvSpPr txBox="1">
+            <a:spLocks noGrp="1"/>
+          </p:cNvSpPr>
           <p:nvPr>
-            <p:ph idx="12" type="sldNum"/>
+            <p:ph type="sldNum" idx="12"/>
           </p:nvPr>
         </p:nvSpPr>
         <p:spPr>
@@ -2615,7 +2564,7 @@
           </a:prstGeom>
         </p:spPr>
         <p:txBody>
-          <a:bodyPr anchorCtr="0" anchor="ctr" bIns="91425" lIns="91425" spcFirstLastPara="1" rIns="91425" wrap="square" tIns="91425">
+          <a:bodyPr spcFirstLastPara="1" wrap="square" lIns="91425" tIns="91425" rIns="91425" bIns="91425" anchor="ctr" anchorCtr="0">
             <a:normAutofit/>
           </a:bodyPr>
           <a:lstStyle>
@@ -2657,7 +2606,7 @@
             </a:lvl9pPr>
           </a:lstStyle>
           <a:p>
-            <a:pPr indent="0" lvl="0" marL="0" rtl="0" algn="r">
+            <a:pPr marL="0" lvl="0" indent="0" algn="r" rtl="0">
               <a:spcBef>
                 <a:spcPts val="0"/>
               </a:spcBef>
@@ -2683,11 +2632,11 @@
 </file>
 
 <file path=ppt/slideLayouts/slideLayout3.xml><?xml version="1.0" encoding="utf-8"?>
-<p:sldLayout xmlns:a="http://schemas.openxmlformats.org/drawingml/2006/main" xmlns:r="http://schemas.openxmlformats.org/officeDocument/2006/relationships" xmlns:mc="http://schemas.openxmlformats.org/markup-compatibility/2006" xmlns:mv="urn:schemas-microsoft-com:mac:vml" xmlns:p="http://schemas.openxmlformats.org/presentationml/2006/main" xmlns:c="http://schemas.openxmlformats.org/drawingml/2006/chart" xmlns:dgm="http://schemas.openxmlformats.org/drawingml/2006/diagram" xmlns:o="urn:schemas-microsoft-com:office:office" xmlns:v="urn:schemas-microsoft-com:vml" xmlns:pvml="urn:schemas-microsoft-com:office:powerpoint" xmlns:com="http://schemas.openxmlformats.org/drawingml/2006/compatibility" xmlns:p14="http://schemas.microsoft.com/office/powerpoint/2010/main" xmlns:p15="http://schemas.microsoft.com/office/powerpoint/2012/main" xmlns:ahyp="http://schemas.microsoft.com/office/drawing/2018/hyperlinkcolor" matchingName="Title and body" type="tx">
+<p:sldLayout xmlns:a="http://schemas.openxmlformats.org/drawingml/2006/main" xmlns:r="http://schemas.openxmlformats.org/officeDocument/2006/relationships" xmlns:p="http://schemas.openxmlformats.org/presentationml/2006/main" matchingName="Title and body" type="tx">
   <p:cSld name="TITLE_AND_BODY">
     <p:spTree>
       <p:nvGrpSpPr>
-        <p:cNvPr id="17" name="Shape 17"/>
+        <p:cNvPr id="1" name="Shape 17"/>
         <p:cNvGrpSpPr/>
         <p:nvPr/>
       </p:nvGrpSpPr>
@@ -2702,7 +2651,9 @@
       <p:sp>
         <p:nvSpPr>
           <p:cNvPr id="18" name="Google Shape;18;p4"/>
-          <p:cNvSpPr txBox="1"/>
+          <p:cNvSpPr txBox="1">
+            <a:spLocks noGrp="1"/>
+          </p:cNvSpPr>
           <p:nvPr>
             <p:ph type="title"/>
           </p:nvPr>
@@ -2717,7 +2668,7 @@
           </a:prstGeom>
         </p:spPr>
         <p:txBody>
-          <a:bodyPr anchorCtr="0" anchor="t" bIns="91425" lIns="91425" spcFirstLastPara="1" rIns="91425" wrap="square" tIns="91425">
+          <a:bodyPr spcFirstLastPara="1" wrap="square" lIns="91425" tIns="91425" rIns="91425" bIns="91425" anchor="t" anchorCtr="0">
             <a:normAutofit/>
           </a:bodyPr>
           <a:lstStyle>
@@ -2821,15 +2772,19 @@
               <a:defRPr/>
             </a:lvl9pPr>
           </a:lstStyle>
-          <a:p/>
+          <a:p>
+            <a:endParaRPr/>
+          </a:p>
         </p:txBody>
       </p:sp>
       <p:sp>
         <p:nvSpPr>
           <p:cNvPr id="19" name="Google Shape;19;p4"/>
-          <p:cNvSpPr txBox="1"/>
+          <p:cNvSpPr txBox="1">
+            <a:spLocks noGrp="1"/>
+          </p:cNvSpPr>
           <p:nvPr>
-            <p:ph idx="1" type="body"/>
+            <p:ph type="body" idx="1"/>
           </p:nvPr>
         </p:nvSpPr>
         <p:spPr>
@@ -2842,11 +2797,11 @@
           </a:prstGeom>
         </p:spPr>
         <p:txBody>
-          <a:bodyPr anchorCtr="0" anchor="t" bIns="91425" lIns="91425" spcFirstLastPara="1" rIns="91425" wrap="square" tIns="91425">
+          <a:bodyPr spcFirstLastPara="1" wrap="square" lIns="91425" tIns="91425" rIns="91425" bIns="91425" anchor="t" anchorCtr="0">
             <a:normAutofit/>
           </a:bodyPr>
           <a:lstStyle>
-            <a:lvl1pPr indent="-342900" lvl="0" marL="457200">
+            <a:lvl1pPr marL="457200" lvl="0" indent="-342900">
               <a:spcBef>
                 <a:spcPts val="0"/>
               </a:spcBef>
@@ -2857,7 +2812,7 @@
               <a:buChar char="●"/>
               <a:defRPr/>
             </a:lvl1pPr>
-            <a:lvl2pPr indent="-317500" lvl="1" marL="914400">
+            <a:lvl2pPr marL="914400" lvl="1" indent="-317500">
               <a:spcBef>
                 <a:spcPts val="0"/>
               </a:spcBef>
@@ -2868,7 +2823,7 @@
               <a:buChar char="○"/>
               <a:defRPr/>
             </a:lvl2pPr>
-            <a:lvl3pPr indent="-317500" lvl="2" marL="1371600">
+            <a:lvl3pPr marL="1371600" lvl="2" indent="-317500">
               <a:spcBef>
                 <a:spcPts val="0"/>
               </a:spcBef>
@@ -2879,7 +2834,7 @@
               <a:buChar char="■"/>
               <a:defRPr/>
             </a:lvl3pPr>
-            <a:lvl4pPr indent="-317500" lvl="3" marL="1828800">
+            <a:lvl4pPr marL="1828800" lvl="3" indent="-317500">
               <a:spcBef>
                 <a:spcPts val="0"/>
               </a:spcBef>
@@ -2890,7 +2845,7 @@
               <a:buChar char="●"/>
               <a:defRPr/>
             </a:lvl4pPr>
-            <a:lvl5pPr indent="-317500" lvl="4" marL="2286000">
+            <a:lvl5pPr marL="2286000" lvl="4" indent="-317500">
               <a:spcBef>
                 <a:spcPts val="0"/>
               </a:spcBef>
@@ -2901,7 +2856,7 @@
               <a:buChar char="○"/>
               <a:defRPr/>
             </a:lvl5pPr>
-            <a:lvl6pPr indent="-317500" lvl="5" marL="2743200">
+            <a:lvl6pPr marL="2743200" lvl="5" indent="-317500">
               <a:spcBef>
                 <a:spcPts val="0"/>
               </a:spcBef>
@@ -2912,7 +2867,7 @@
               <a:buChar char="■"/>
               <a:defRPr/>
             </a:lvl6pPr>
-            <a:lvl7pPr indent="-317500" lvl="6" marL="3200400">
+            <a:lvl7pPr marL="3200400" lvl="6" indent="-317500">
               <a:spcBef>
                 <a:spcPts val="0"/>
               </a:spcBef>
@@ -2923,7 +2878,7 @@
               <a:buChar char="●"/>
               <a:defRPr/>
             </a:lvl7pPr>
-            <a:lvl8pPr indent="-317500" lvl="7" marL="3657600">
+            <a:lvl8pPr marL="3657600" lvl="7" indent="-317500">
               <a:spcBef>
                 <a:spcPts val="0"/>
               </a:spcBef>
@@ -2934,7 +2889,7 @@
               <a:buChar char="○"/>
               <a:defRPr/>
             </a:lvl8pPr>
-            <a:lvl9pPr indent="-317500" lvl="8" marL="4114800">
+            <a:lvl9pPr marL="4114800" lvl="8" indent="-317500">
               <a:spcBef>
                 <a:spcPts val="0"/>
               </a:spcBef>
@@ -2946,15 +2901,19 @@
               <a:defRPr/>
             </a:lvl9pPr>
           </a:lstStyle>
-          <a:p/>
+          <a:p>
+            <a:endParaRPr/>
+          </a:p>
         </p:txBody>
       </p:sp>
       <p:sp>
         <p:nvSpPr>
           <p:cNvPr id="20" name="Google Shape;20;p4"/>
-          <p:cNvSpPr txBox="1"/>
+          <p:cNvSpPr txBox="1">
+            <a:spLocks noGrp="1"/>
+          </p:cNvSpPr>
           <p:nvPr>
-            <p:ph idx="12" type="sldNum"/>
+            <p:ph type="sldNum" idx="12"/>
           </p:nvPr>
         </p:nvSpPr>
         <p:spPr>
@@ -2967,7 +2926,7 @@
           </a:prstGeom>
         </p:spPr>
         <p:txBody>
-          <a:bodyPr anchorCtr="0" anchor="ctr" bIns="91425" lIns="91425" spcFirstLastPara="1" rIns="91425" wrap="square" tIns="91425">
+          <a:bodyPr spcFirstLastPara="1" wrap="square" lIns="91425" tIns="91425" rIns="91425" bIns="91425" anchor="ctr" anchorCtr="0">
             <a:normAutofit/>
           </a:bodyPr>
           <a:lstStyle>
@@ -3009,7 +2968,7 @@
             </a:lvl9pPr>
           </a:lstStyle>
           <a:p>
-            <a:pPr indent="0" lvl="0" marL="0" rtl="0" algn="r">
+            <a:pPr marL="0" lvl="0" indent="0" algn="r" rtl="0">
               <a:spcBef>
                 <a:spcPts val="0"/>
               </a:spcBef>
@@ -3035,11 +2994,11 @@
 </file>
 
 <file path=ppt/slideLayouts/slideLayout4.xml><?xml version="1.0" encoding="utf-8"?>
-<p:sldLayout xmlns:a="http://schemas.openxmlformats.org/drawingml/2006/main" xmlns:r="http://schemas.openxmlformats.org/officeDocument/2006/relationships" xmlns:mc="http://schemas.openxmlformats.org/markup-compatibility/2006" xmlns:mv="urn:schemas-microsoft-com:mac:vml" xmlns:p="http://schemas.openxmlformats.org/presentationml/2006/main" xmlns:c="http://schemas.openxmlformats.org/drawingml/2006/chart" xmlns:dgm="http://schemas.openxmlformats.org/drawingml/2006/diagram" xmlns:o="urn:schemas-microsoft-com:office:office" xmlns:v="urn:schemas-microsoft-com:vml" xmlns:pvml="urn:schemas-microsoft-com:office:powerpoint" xmlns:com="http://schemas.openxmlformats.org/drawingml/2006/compatibility" xmlns:p14="http://schemas.microsoft.com/office/powerpoint/2010/main" xmlns:p15="http://schemas.microsoft.com/office/powerpoint/2012/main" xmlns:ahyp="http://schemas.microsoft.com/office/drawing/2018/hyperlinkcolor" matchingName="Title and two columns" type="twoColTx">
+<p:sldLayout xmlns:a="http://schemas.openxmlformats.org/drawingml/2006/main" xmlns:r="http://schemas.openxmlformats.org/officeDocument/2006/relationships" xmlns:p="http://schemas.openxmlformats.org/presentationml/2006/main" matchingName="Title and two columns" type="twoColTx">
   <p:cSld name="TITLE_AND_TWO_COLUMNS">
     <p:spTree>
       <p:nvGrpSpPr>
-        <p:cNvPr id="21" name="Shape 21"/>
+        <p:cNvPr id="1" name="Shape 21"/>
         <p:cNvGrpSpPr/>
         <p:nvPr/>
       </p:nvGrpSpPr>
@@ -3054,7 +3013,9 @@
       <p:sp>
         <p:nvSpPr>
           <p:cNvPr id="22" name="Google Shape;22;p5"/>
-          <p:cNvSpPr txBox="1"/>
+          <p:cNvSpPr txBox="1">
+            <a:spLocks noGrp="1"/>
+          </p:cNvSpPr>
           <p:nvPr>
             <p:ph type="title"/>
           </p:nvPr>
@@ -3069,7 +3030,7 @@
           </a:prstGeom>
         </p:spPr>
         <p:txBody>
-          <a:bodyPr anchorCtr="0" anchor="t" bIns="91425" lIns="91425" spcFirstLastPara="1" rIns="91425" wrap="square" tIns="91425">
+          <a:bodyPr spcFirstLastPara="1" wrap="square" lIns="91425" tIns="91425" rIns="91425" bIns="91425" anchor="t" anchorCtr="0">
             <a:normAutofit/>
           </a:bodyPr>
           <a:lstStyle>
@@ -3173,15 +3134,19 @@
               <a:defRPr/>
             </a:lvl9pPr>
           </a:lstStyle>
-          <a:p/>
+          <a:p>
+            <a:endParaRPr/>
+          </a:p>
         </p:txBody>
       </p:sp>
       <p:sp>
         <p:nvSpPr>
           <p:cNvPr id="23" name="Google Shape;23;p5"/>
-          <p:cNvSpPr txBox="1"/>
+          <p:cNvSpPr txBox="1">
+            <a:spLocks noGrp="1"/>
+          </p:cNvSpPr>
           <p:nvPr>
-            <p:ph idx="1" type="body"/>
+            <p:ph type="body" idx="1"/>
           </p:nvPr>
         </p:nvSpPr>
         <p:spPr>
@@ -3194,11 +3159,11 @@
           </a:prstGeom>
         </p:spPr>
         <p:txBody>
-          <a:bodyPr anchorCtr="0" anchor="t" bIns="91425" lIns="91425" spcFirstLastPara="1" rIns="91425" wrap="square" tIns="91425">
+          <a:bodyPr spcFirstLastPara="1" wrap="square" lIns="91425" tIns="91425" rIns="91425" bIns="91425" anchor="t" anchorCtr="0">
             <a:normAutofit/>
           </a:bodyPr>
           <a:lstStyle>
-            <a:lvl1pPr indent="-317500" lvl="0" marL="457200">
+            <a:lvl1pPr marL="457200" lvl="0" indent="-317500">
               <a:spcBef>
                 <a:spcPts val="0"/>
               </a:spcBef>
@@ -3209,7 +3174,7 @@
               <a:buChar char="●"/>
               <a:defRPr sz="1400"/>
             </a:lvl1pPr>
-            <a:lvl2pPr indent="-304800" lvl="1" marL="914400">
+            <a:lvl2pPr marL="914400" lvl="1" indent="-304800">
               <a:spcBef>
                 <a:spcPts val="0"/>
               </a:spcBef>
@@ -3220,7 +3185,7 @@
               <a:buChar char="○"/>
               <a:defRPr sz="1200"/>
             </a:lvl2pPr>
-            <a:lvl3pPr indent="-304800" lvl="2" marL="1371600">
+            <a:lvl3pPr marL="1371600" lvl="2" indent="-304800">
               <a:spcBef>
                 <a:spcPts val="0"/>
               </a:spcBef>
@@ -3231,7 +3196,7 @@
               <a:buChar char="■"/>
               <a:defRPr sz="1200"/>
             </a:lvl3pPr>
-            <a:lvl4pPr indent="-304800" lvl="3" marL="1828800">
+            <a:lvl4pPr marL="1828800" lvl="3" indent="-304800">
               <a:spcBef>
                 <a:spcPts val="0"/>
               </a:spcBef>
@@ -3242,7 +3207,7 @@
               <a:buChar char="●"/>
               <a:defRPr sz="1200"/>
             </a:lvl4pPr>
-            <a:lvl5pPr indent="-304800" lvl="4" marL="2286000">
+            <a:lvl5pPr marL="2286000" lvl="4" indent="-304800">
               <a:spcBef>
                 <a:spcPts val="0"/>
               </a:spcBef>
@@ -3253,7 +3218,7 @@
               <a:buChar char="○"/>
               <a:defRPr sz="1200"/>
             </a:lvl5pPr>
-            <a:lvl6pPr indent="-304800" lvl="5" marL="2743200">
+            <a:lvl6pPr marL="2743200" lvl="5" indent="-304800">
               <a:spcBef>
                 <a:spcPts val="0"/>
               </a:spcBef>
@@ -3264,7 +3229,7 @@
               <a:buChar char="■"/>
               <a:defRPr sz="1200"/>
             </a:lvl6pPr>
-            <a:lvl7pPr indent="-304800" lvl="6" marL="3200400">
+            <a:lvl7pPr marL="3200400" lvl="6" indent="-304800">
               <a:spcBef>
                 <a:spcPts val="0"/>
               </a:spcBef>
@@ -3275,7 +3240,7 @@
               <a:buChar char="●"/>
               <a:defRPr sz="1200"/>
             </a:lvl7pPr>
-            <a:lvl8pPr indent="-304800" lvl="7" marL="3657600">
+            <a:lvl8pPr marL="3657600" lvl="7" indent="-304800">
               <a:spcBef>
                 <a:spcPts val="0"/>
               </a:spcBef>
@@ -3286,7 +3251,7 @@
               <a:buChar char="○"/>
               <a:defRPr sz="1200"/>
             </a:lvl8pPr>
-            <a:lvl9pPr indent="-304800" lvl="8" marL="4114800">
+            <a:lvl9pPr marL="4114800" lvl="8" indent="-304800">
               <a:spcBef>
                 <a:spcPts val="0"/>
               </a:spcBef>
@@ -3298,15 +3263,19 @@
               <a:defRPr sz="1200"/>
             </a:lvl9pPr>
           </a:lstStyle>
-          <a:p/>
+          <a:p>
+            <a:endParaRPr/>
+          </a:p>
         </p:txBody>
       </p:sp>
       <p:sp>
         <p:nvSpPr>
           <p:cNvPr id="24" name="Google Shape;24;p5"/>
-          <p:cNvSpPr txBox="1"/>
+          <p:cNvSpPr txBox="1">
+            <a:spLocks noGrp="1"/>
+          </p:cNvSpPr>
           <p:nvPr>
-            <p:ph idx="2" type="body"/>
+            <p:ph type="body" idx="2"/>
           </p:nvPr>
         </p:nvSpPr>
         <p:spPr>
@@ -3319,11 +3288,11 @@
           </a:prstGeom>
         </p:spPr>
         <p:txBody>
-          <a:bodyPr anchorCtr="0" anchor="t" bIns="91425" lIns="91425" spcFirstLastPara="1" rIns="91425" wrap="square" tIns="91425">
+          <a:bodyPr spcFirstLastPara="1" wrap="square" lIns="91425" tIns="91425" rIns="91425" bIns="91425" anchor="t" anchorCtr="0">
             <a:normAutofit/>
           </a:bodyPr>
           <a:lstStyle>
-            <a:lvl1pPr indent="-317500" lvl="0" marL="457200">
+            <a:lvl1pPr marL="457200" lvl="0" indent="-317500">
               <a:spcBef>
                 <a:spcPts val="0"/>
               </a:spcBef>
@@ -3334,7 +3303,7 @@
               <a:buChar char="●"/>
               <a:defRPr sz="1400"/>
             </a:lvl1pPr>
-            <a:lvl2pPr indent="-304800" lvl="1" marL="914400">
+            <a:lvl2pPr marL="914400" lvl="1" indent="-304800">
               <a:spcBef>
                 <a:spcPts val="0"/>
               </a:spcBef>
@@ -3345,7 +3314,7 @@
               <a:buChar char="○"/>
               <a:defRPr sz="1200"/>
             </a:lvl2pPr>
-            <a:lvl3pPr indent="-304800" lvl="2" marL="1371600">
+            <a:lvl3pPr marL="1371600" lvl="2" indent="-304800">
               <a:spcBef>
                 <a:spcPts val="0"/>
               </a:spcBef>
@@ -3356,7 +3325,7 @@
               <a:buChar char="■"/>
               <a:defRPr sz="1200"/>
             </a:lvl3pPr>
-            <a:lvl4pPr indent="-304800" lvl="3" marL="1828800">
+            <a:lvl4pPr marL="1828800" lvl="3" indent="-304800">
               <a:spcBef>
                 <a:spcPts val="0"/>
               </a:spcBef>
@@ -3367,7 +3336,7 @@
               <a:buChar char="●"/>
               <a:defRPr sz="1200"/>
             </a:lvl4pPr>
-            <a:lvl5pPr indent="-304800" lvl="4" marL="2286000">
+            <a:lvl5pPr marL="2286000" lvl="4" indent="-304800">
               <a:spcBef>
                 <a:spcPts val="0"/>
               </a:spcBef>
@@ -3378,7 +3347,7 @@
               <a:buChar char="○"/>
               <a:defRPr sz="1200"/>
             </a:lvl5pPr>
-            <a:lvl6pPr indent="-304800" lvl="5" marL="2743200">
+            <a:lvl6pPr marL="2743200" lvl="5" indent="-304800">
               <a:spcBef>
                 <a:spcPts val="0"/>
               </a:spcBef>
@@ -3389,7 +3358,7 @@
               <a:buChar char="■"/>
               <a:defRPr sz="1200"/>
             </a:lvl6pPr>
-            <a:lvl7pPr indent="-304800" lvl="6" marL="3200400">
+            <a:lvl7pPr marL="3200400" lvl="6" indent="-304800">
               <a:spcBef>
                 <a:spcPts val="0"/>
               </a:spcBef>
@@ -3400,7 +3369,7 @@
               <a:buChar char="●"/>
               <a:defRPr sz="1200"/>
             </a:lvl7pPr>
-            <a:lvl8pPr indent="-304800" lvl="7" marL="3657600">
+            <a:lvl8pPr marL="3657600" lvl="7" indent="-304800">
               <a:spcBef>
                 <a:spcPts val="0"/>
               </a:spcBef>
@@ -3411,7 +3380,7 @@
               <a:buChar char="○"/>
               <a:defRPr sz="1200"/>
             </a:lvl8pPr>
-            <a:lvl9pPr indent="-304800" lvl="8" marL="4114800">
+            <a:lvl9pPr marL="4114800" lvl="8" indent="-304800">
               <a:spcBef>
                 <a:spcPts val="0"/>
               </a:spcBef>
@@ -3423,15 +3392,19 @@
               <a:defRPr sz="1200"/>
             </a:lvl9pPr>
           </a:lstStyle>
-          <a:p/>
+          <a:p>
+            <a:endParaRPr/>
+          </a:p>
         </p:txBody>
       </p:sp>
       <p:sp>
         <p:nvSpPr>
           <p:cNvPr id="25" name="Google Shape;25;p5"/>
-          <p:cNvSpPr txBox="1"/>
+          <p:cNvSpPr txBox="1">
+            <a:spLocks noGrp="1"/>
+          </p:cNvSpPr>
           <p:nvPr>
-            <p:ph idx="12" type="sldNum"/>
+            <p:ph type="sldNum" idx="12"/>
           </p:nvPr>
         </p:nvSpPr>
         <p:spPr>
@@ -3444,7 +3417,7 @@
           </a:prstGeom>
         </p:spPr>
         <p:txBody>
-          <a:bodyPr anchorCtr="0" anchor="ctr" bIns="91425" lIns="91425" spcFirstLastPara="1" rIns="91425" wrap="square" tIns="91425">
+          <a:bodyPr spcFirstLastPara="1" wrap="square" lIns="91425" tIns="91425" rIns="91425" bIns="91425" anchor="ctr" anchorCtr="0">
             <a:normAutofit/>
           </a:bodyPr>
           <a:lstStyle>
@@ -3486,7 +3459,7 @@
             </a:lvl9pPr>
           </a:lstStyle>
           <a:p>
-            <a:pPr indent="0" lvl="0" marL="0" rtl="0" algn="r">
+            <a:pPr marL="0" lvl="0" indent="0" algn="r" rtl="0">
               <a:spcBef>
                 <a:spcPts val="0"/>
               </a:spcBef>
@@ -3512,11 +3485,11 @@
 </file>
 
 <file path=ppt/slideLayouts/slideLayout5.xml><?xml version="1.0" encoding="utf-8"?>
-<p:sldLayout xmlns:a="http://schemas.openxmlformats.org/drawingml/2006/main" xmlns:r="http://schemas.openxmlformats.org/officeDocument/2006/relationships" xmlns:mc="http://schemas.openxmlformats.org/markup-compatibility/2006" xmlns:mv="urn:schemas-microsoft-com:mac:vml" xmlns:p="http://schemas.openxmlformats.org/presentationml/2006/main" xmlns:c="http://schemas.openxmlformats.org/drawingml/2006/chart" xmlns:dgm="http://schemas.openxmlformats.org/drawingml/2006/diagram" xmlns:o="urn:schemas-microsoft-com:office:office" xmlns:v="urn:schemas-microsoft-com:vml" xmlns:pvml="urn:schemas-microsoft-com:office:powerpoint" xmlns:com="http://schemas.openxmlformats.org/drawingml/2006/compatibility" xmlns:p14="http://schemas.microsoft.com/office/powerpoint/2010/main" xmlns:p15="http://schemas.microsoft.com/office/powerpoint/2012/main" xmlns:ahyp="http://schemas.microsoft.com/office/drawing/2018/hyperlinkcolor" matchingName="Title only" type="titleOnly">
+<p:sldLayout xmlns:a="http://schemas.openxmlformats.org/drawingml/2006/main" xmlns:r="http://schemas.openxmlformats.org/officeDocument/2006/relationships" xmlns:p="http://schemas.openxmlformats.org/presentationml/2006/main" matchingName="Title only" type="titleOnly">
   <p:cSld name="TITLE_ONLY">
     <p:spTree>
       <p:nvGrpSpPr>
-        <p:cNvPr id="26" name="Shape 26"/>
+        <p:cNvPr id="1" name="Shape 26"/>
         <p:cNvGrpSpPr/>
         <p:nvPr/>
       </p:nvGrpSpPr>
@@ -3531,7 +3504,9 @@
       <p:sp>
         <p:nvSpPr>
           <p:cNvPr id="27" name="Google Shape;27;p6"/>
-          <p:cNvSpPr txBox="1"/>
+          <p:cNvSpPr txBox="1">
+            <a:spLocks noGrp="1"/>
+          </p:cNvSpPr>
           <p:nvPr>
             <p:ph type="title"/>
           </p:nvPr>
@@ -3546,7 +3521,7 @@
           </a:prstGeom>
         </p:spPr>
         <p:txBody>
-          <a:bodyPr anchorCtr="0" anchor="t" bIns="91425" lIns="91425" spcFirstLastPara="1" rIns="91425" wrap="square" tIns="91425">
+          <a:bodyPr spcFirstLastPara="1" wrap="square" lIns="91425" tIns="91425" rIns="91425" bIns="91425" anchor="t" anchorCtr="0">
             <a:normAutofit/>
           </a:bodyPr>
           <a:lstStyle>
@@ -3650,15 +3625,19 @@
               <a:defRPr sz="4000"/>
             </a:lvl9pPr>
           </a:lstStyle>
-          <a:p/>
+          <a:p>
+            <a:endParaRPr/>
+          </a:p>
         </p:txBody>
       </p:sp>
       <p:sp>
         <p:nvSpPr>
           <p:cNvPr id="28" name="Google Shape;28;p6"/>
-          <p:cNvSpPr txBox="1"/>
+          <p:cNvSpPr txBox="1">
+            <a:spLocks noGrp="1"/>
+          </p:cNvSpPr>
           <p:nvPr>
-            <p:ph idx="12" type="sldNum"/>
+            <p:ph type="sldNum" idx="12"/>
           </p:nvPr>
         </p:nvSpPr>
         <p:spPr>
@@ -3671,7 +3650,7 @@
           </a:prstGeom>
         </p:spPr>
         <p:txBody>
-          <a:bodyPr anchorCtr="0" anchor="ctr" bIns="91425" lIns="91425" spcFirstLastPara="1" rIns="91425" wrap="square" tIns="91425">
+          <a:bodyPr spcFirstLastPara="1" wrap="square" lIns="91425" tIns="91425" rIns="91425" bIns="91425" anchor="ctr" anchorCtr="0">
             <a:normAutofit/>
           </a:bodyPr>
           <a:lstStyle>
@@ -3713,7 +3692,7 @@
             </a:lvl9pPr>
           </a:lstStyle>
           <a:p>
-            <a:pPr indent="0" lvl="0" marL="0" rtl="0" algn="r">
+            <a:pPr marL="0" lvl="0" indent="0" algn="r" rtl="0">
               <a:spcBef>
                 <a:spcPts val="0"/>
               </a:spcBef>
@@ -3739,11 +3718,11 @@
 </file>
 
 <file path=ppt/slideLayouts/slideLayout6.xml><?xml version="1.0" encoding="utf-8"?>
-<p:sldLayout xmlns:a="http://schemas.openxmlformats.org/drawingml/2006/main" xmlns:r="http://schemas.openxmlformats.org/officeDocument/2006/relationships" xmlns:mc="http://schemas.openxmlformats.org/markup-compatibility/2006" xmlns:mv="urn:schemas-microsoft-com:mac:vml" xmlns:p="http://schemas.openxmlformats.org/presentationml/2006/main" xmlns:c="http://schemas.openxmlformats.org/drawingml/2006/chart" xmlns:dgm="http://schemas.openxmlformats.org/drawingml/2006/diagram" xmlns:o="urn:schemas-microsoft-com:office:office" xmlns:v="urn:schemas-microsoft-com:vml" xmlns:pvml="urn:schemas-microsoft-com:office:powerpoint" xmlns:com="http://schemas.openxmlformats.org/drawingml/2006/compatibility" xmlns:p14="http://schemas.microsoft.com/office/powerpoint/2010/main" xmlns:p15="http://schemas.microsoft.com/office/powerpoint/2012/main" xmlns:ahyp="http://schemas.microsoft.com/office/drawing/2018/hyperlinkcolor" matchingName="One column text">
+<p:sldLayout xmlns:a="http://schemas.openxmlformats.org/drawingml/2006/main" xmlns:r="http://schemas.openxmlformats.org/officeDocument/2006/relationships" xmlns:p="http://schemas.openxmlformats.org/presentationml/2006/main" matchingName="One column text">
   <p:cSld name="ONE_COLUMN_TEXT">
     <p:spTree>
       <p:nvGrpSpPr>
-        <p:cNvPr id="29" name="Shape 29"/>
+        <p:cNvPr id="1" name="Shape 29"/>
         <p:cNvGrpSpPr/>
         <p:nvPr/>
       </p:nvGrpSpPr>
@@ -3758,7 +3737,9 @@
       <p:sp>
         <p:nvSpPr>
           <p:cNvPr id="30" name="Google Shape;30;p7"/>
-          <p:cNvSpPr txBox="1"/>
+          <p:cNvSpPr txBox="1">
+            <a:spLocks noGrp="1"/>
+          </p:cNvSpPr>
           <p:nvPr>
             <p:ph type="title"/>
           </p:nvPr>
@@ -3773,7 +3754,7 @@
           </a:prstGeom>
         </p:spPr>
         <p:txBody>
-          <a:bodyPr anchorCtr="0" anchor="b" bIns="91425" lIns="91425" spcFirstLastPara="1" rIns="91425" wrap="square" tIns="91425">
+          <a:bodyPr spcFirstLastPara="1" wrap="square" lIns="91425" tIns="91425" rIns="91425" bIns="91425" anchor="b" anchorCtr="0">
             <a:normAutofit/>
           </a:bodyPr>
           <a:lstStyle>
@@ -3913,15 +3894,19 @@
               </a:defRPr>
             </a:lvl9pPr>
           </a:lstStyle>
-          <a:p/>
+          <a:p>
+            <a:endParaRPr/>
+          </a:p>
         </p:txBody>
       </p:sp>
       <p:sp>
         <p:nvSpPr>
           <p:cNvPr id="31" name="Google Shape;31;p7"/>
-          <p:cNvSpPr txBox="1"/>
+          <p:cNvSpPr txBox="1">
+            <a:spLocks noGrp="1"/>
+          </p:cNvSpPr>
           <p:nvPr>
-            <p:ph idx="1" type="body"/>
+            <p:ph type="body" idx="1"/>
           </p:nvPr>
         </p:nvSpPr>
         <p:spPr>
@@ -3934,11 +3919,11 @@
           </a:prstGeom>
         </p:spPr>
         <p:txBody>
-          <a:bodyPr anchorCtr="0" anchor="t" bIns="91425" lIns="91425" spcFirstLastPara="1" rIns="91425" wrap="square" tIns="91425">
+          <a:bodyPr spcFirstLastPara="1" wrap="square" lIns="91425" tIns="91425" rIns="91425" bIns="91425" anchor="t" anchorCtr="0">
             <a:normAutofit/>
           </a:bodyPr>
           <a:lstStyle>
-            <a:lvl1pPr indent="-304800" lvl="0" marL="457200">
+            <a:lvl1pPr marL="457200" lvl="0" indent="-304800">
               <a:spcBef>
                 <a:spcPts val="0"/>
               </a:spcBef>
@@ -3949,7 +3934,7 @@
               <a:buChar char="●"/>
               <a:defRPr sz="1200"/>
             </a:lvl1pPr>
-            <a:lvl2pPr indent="-304800" lvl="1" marL="914400">
+            <a:lvl2pPr marL="914400" lvl="1" indent="-304800">
               <a:spcBef>
                 <a:spcPts val="0"/>
               </a:spcBef>
@@ -3960,7 +3945,7 @@
               <a:buChar char="○"/>
               <a:defRPr sz="1200"/>
             </a:lvl2pPr>
-            <a:lvl3pPr indent="-304800" lvl="2" marL="1371600">
+            <a:lvl3pPr marL="1371600" lvl="2" indent="-304800">
               <a:spcBef>
                 <a:spcPts val="0"/>
               </a:spcBef>
@@ -3971,7 +3956,7 @@
               <a:buChar char="■"/>
               <a:defRPr sz="1200"/>
             </a:lvl3pPr>
-            <a:lvl4pPr indent="-304800" lvl="3" marL="1828800">
+            <a:lvl4pPr marL="1828800" lvl="3" indent="-304800">
               <a:spcBef>
                 <a:spcPts val="0"/>
               </a:spcBef>
@@ -3982,7 +3967,7 @@
               <a:buChar char="●"/>
               <a:defRPr sz="1200"/>
             </a:lvl4pPr>
-            <a:lvl5pPr indent="-304800" lvl="4" marL="2286000">
+            <a:lvl5pPr marL="2286000" lvl="4" indent="-304800">
               <a:spcBef>
                 <a:spcPts val="0"/>
               </a:spcBef>
@@ -3993,7 +3978,7 @@
               <a:buChar char="○"/>
               <a:defRPr sz="1200"/>
             </a:lvl5pPr>
-            <a:lvl6pPr indent="-304800" lvl="5" marL="2743200">
+            <a:lvl6pPr marL="2743200" lvl="5" indent="-304800">
               <a:spcBef>
                 <a:spcPts val="0"/>
               </a:spcBef>
@@ -4004,7 +3989,7 @@
               <a:buChar char="■"/>
               <a:defRPr sz="1200"/>
             </a:lvl6pPr>
-            <a:lvl7pPr indent="-304800" lvl="6" marL="3200400">
+            <a:lvl7pPr marL="3200400" lvl="6" indent="-304800">
               <a:spcBef>
                 <a:spcPts val="0"/>
               </a:spcBef>
@@ -4015,7 +4000,7 @@
               <a:buChar char="●"/>
               <a:defRPr sz="1200"/>
             </a:lvl7pPr>
-            <a:lvl8pPr indent="-304800" lvl="7" marL="3657600">
+            <a:lvl8pPr marL="3657600" lvl="7" indent="-304800">
               <a:spcBef>
                 <a:spcPts val="0"/>
               </a:spcBef>
@@ -4026,7 +4011,7 @@
               <a:buChar char="○"/>
               <a:defRPr sz="1200"/>
             </a:lvl8pPr>
-            <a:lvl9pPr indent="-304800" lvl="8" marL="4114800">
+            <a:lvl9pPr marL="4114800" lvl="8" indent="-304800">
               <a:spcBef>
                 <a:spcPts val="0"/>
               </a:spcBef>
@@ -4038,15 +4023,19 @@
               <a:defRPr sz="1200"/>
             </a:lvl9pPr>
           </a:lstStyle>
-          <a:p/>
+          <a:p>
+            <a:endParaRPr/>
+          </a:p>
         </p:txBody>
       </p:sp>
       <p:sp>
         <p:nvSpPr>
           <p:cNvPr id="32" name="Google Shape;32;p7"/>
-          <p:cNvSpPr txBox="1"/>
+          <p:cNvSpPr txBox="1">
+            <a:spLocks noGrp="1"/>
+          </p:cNvSpPr>
           <p:nvPr>
-            <p:ph idx="12" type="sldNum"/>
+            <p:ph type="sldNum" idx="12"/>
           </p:nvPr>
         </p:nvSpPr>
         <p:spPr>
@@ -4059,7 +4048,7 @@
           </a:prstGeom>
         </p:spPr>
         <p:txBody>
-          <a:bodyPr anchorCtr="0" anchor="ctr" bIns="91425" lIns="91425" spcFirstLastPara="1" rIns="91425" wrap="square" tIns="91425">
+          <a:bodyPr spcFirstLastPara="1" wrap="square" lIns="91425" tIns="91425" rIns="91425" bIns="91425" anchor="ctr" anchorCtr="0">
             <a:normAutofit/>
           </a:bodyPr>
           <a:lstStyle>
@@ -4101,7 +4090,7 @@
             </a:lvl9pPr>
           </a:lstStyle>
           <a:p>
-            <a:pPr indent="0" lvl="0" marL="0" rtl="0" algn="r">
+            <a:pPr marL="0" lvl="0" indent="0" algn="r" rtl="0">
               <a:spcBef>
                 <a:spcPts val="0"/>
               </a:spcBef>
@@ -4127,18 +4116,19 @@
 </file>
 
 <file path=ppt/slideLayouts/slideLayout7.xml><?xml version="1.0" encoding="utf-8"?>
-<p:sldLayout xmlns:a="http://schemas.openxmlformats.org/drawingml/2006/main" xmlns:r="http://schemas.openxmlformats.org/officeDocument/2006/relationships" xmlns:mc="http://schemas.openxmlformats.org/markup-compatibility/2006" xmlns:mv="urn:schemas-microsoft-com:mac:vml" xmlns:p="http://schemas.openxmlformats.org/presentationml/2006/main" xmlns:c="http://schemas.openxmlformats.org/drawingml/2006/chart" xmlns:dgm="http://schemas.openxmlformats.org/drawingml/2006/diagram" xmlns:o="urn:schemas-microsoft-com:office:office" xmlns:v="urn:schemas-microsoft-com:vml" xmlns:pvml="urn:schemas-microsoft-com:office:powerpoint" xmlns:com="http://schemas.openxmlformats.org/drawingml/2006/compatibility" xmlns:p14="http://schemas.microsoft.com/office/powerpoint/2010/main" xmlns:p15="http://schemas.microsoft.com/office/powerpoint/2012/main" xmlns:ahyp="http://schemas.microsoft.com/office/drawing/2018/hyperlinkcolor" matchingName="Main point">
+<p:sldLayout xmlns:a="http://schemas.openxmlformats.org/drawingml/2006/main" xmlns:r="http://schemas.openxmlformats.org/officeDocument/2006/relationships" xmlns:p="http://schemas.openxmlformats.org/presentationml/2006/main" matchingName="Main point">
   <p:cSld name="MAIN_POINT">
     <p:bg>
       <p:bgPr>
         <a:solidFill>
           <a:schemeClr val="accent4"/>
         </a:solidFill>
+        <a:effectLst/>
       </p:bgPr>
     </p:bg>
     <p:spTree>
       <p:nvGrpSpPr>
-        <p:cNvPr id="33" name="Shape 33"/>
+        <p:cNvPr id="1" name="Shape 33"/>
         <p:cNvGrpSpPr/>
         <p:nvPr/>
       </p:nvGrpSpPr>
@@ -4153,7 +4143,9 @@
       <p:sp>
         <p:nvSpPr>
           <p:cNvPr id="34" name="Google Shape;34;p8"/>
-          <p:cNvSpPr txBox="1"/>
+          <p:cNvSpPr txBox="1">
+            <a:spLocks noGrp="1"/>
+          </p:cNvSpPr>
           <p:nvPr>
             <p:ph type="title"/>
           </p:nvPr>
@@ -4168,7 +4160,7 @@
           </a:prstGeom>
         </p:spPr>
         <p:txBody>
-          <a:bodyPr anchorCtr="0" anchor="ctr" bIns="91425" lIns="91425" spcFirstLastPara="1" rIns="91425" wrap="square" tIns="91425">
+          <a:bodyPr spcFirstLastPara="1" wrap="square" lIns="91425" tIns="91425" rIns="91425" bIns="91425" anchor="ctr" anchorCtr="0">
             <a:normAutofit/>
           </a:bodyPr>
           <a:lstStyle>
@@ -4335,15 +4327,19 @@
               </a:defRPr>
             </a:lvl9pPr>
           </a:lstStyle>
-          <a:p/>
+          <a:p>
+            <a:endParaRPr/>
+          </a:p>
         </p:txBody>
       </p:sp>
       <p:sp>
         <p:nvSpPr>
           <p:cNvPr id="35" name="Google Shape;35;p8"/>
-          <p:cNvSpPr txBox="1"/>
+          <p:cNvSpPr txBox="1">
+            <a:spLocks noGrp="1"/>
+          </p:cNvSpPr>
           <p:nvPr>
-            <p:ph idx="12" type="sldNum"/>
+            <p:ph type="sldNum" idx="12"/>
           </p:nvPr>
         </p:nvSpPr>
         <p:spPr>
@@ -4356,7 +4352,7 @@
           </a:prstGeom>
         </p:spPr>
         <p:txBody>
-          <a:bodyPr anchorCtr="0" anchor="ctr" bIns="91425" lIns="91425" spcFirstLastPara="1" rIns="91425" wrap="square" tIns="91425">
+          <a:bodyPr spcFirstLastPara="1" wrap="square" lIns="91425" tIns="91425" rIns="91425" bIns="91425" anchor="ctr" anchorCtr="0">
             <a:normAutofit/>
           </a:bodyPr>
           <a:lstStyle>
@@ -4434,7 +4430,7 @@
             </a:lvl9pPr>
           </a:lstStyle>
           <a:p>
-            <a:pPr indent="0" lvl="0" marL="0" rtl="0" algn="r">
+            <a:pPr marL="0" lvl="0" indent="0" algn="r" rtl="0">
               <a:spcBef>
                 <a:spcPts val="0"/>
               </a:spcBef>
@@ -4460,11 +4456,11 @@
 </file>
 
 <file path=ppt/slideLayouts/slideLayout8.xml><?xml version="1.0" encoding="utf-8"?>
-<p:sldLayout xmlns:a="http://schemas.openxmlformats.org/drawingml/2006/main" xmlns:r="http://schemas.openxmlformats.org/officeDocument/2006/relationships" xmlns:mc="http://schemas.openxmlformats.org/markup-compatibility/2006" xmlns:mv="urn:schemas-microsoft-com:mac:vml" xmlns:p="http://schemas.openxmlformats.org/presentationml/2006/main" xmlns:c="http://schemas.openxmlformats.org/drawingml/2006/chart" xmlns:dgm="http://schemas.openxmlformats.org/drawingml/2006/diagram" xmlns:o="urn:schemas-microsoft-com:office:office" xmlns:v="urn:schemas-microsoft-com:vml" xmlns:pvml="urn:schemas-microsoft-com:office:powerpoint" xmlns:com="http://schemas.openxmlformats.org/drawingml/2006/compatibility" xmlns:p14="http://schemas.microsoft.com/office/powerpoint/2010/main" xmlns:p15="http://schemas.microsoft.com/office/powerpoint/2012/main" xmlns:ahyp="http://schemas.microsoft.com/office/drawing/2018/hyperlinkcolor" matchingName="Section title and description">
+<p:sldLayout xmlns:a="http://schemas.openxmlformats.org/drawingml/2006/main" xmlns:r="http://schemas.openxmlformats.org/officeDocument/2006/relationships" xmlns:p="http://schemas.openxmlformats.org/presentationml/2006/main" matchingName="Section title and description">
   <p:cSld name="SECTION_TITLE_AND_DESCRIPTION">
     <p:spTree>
       <p:nvGrpSpPr>
-        <p:cNvPr id="36" name="Shape 36"/>
+        <p:cNvPr id="1" name="Shape 36"/>
         <p:cNvGrpSpPr/>
         <p:nvPr/>
       </p:nvGrpSpPr>
@@ -4498,12 +4494,12 @@
           </a:ln>
         </p:spPr>
         <p:txBody>
-          <a:bodyPr anchorCtr="0" anchor="ctr" bIns="91425" lIns="91425" spcFirstLastPara="1" rIns="91425" wrap="square" tIns="91425">
+          <a:bodyPr spcFirstLastPara="1" wrap="square" lIns="91425" tIns="91425" rIns="91425" bIns="91425" anchor="ctr" anchorCtr="0">
             <a:noAutofit/>
           </a:bodyPr>
           <a:lstStyle/>
           <a:p>
-            <a:pPr indent="0" lvl="0" marL="0" rtl="0" algn="l">
+            <a:pPr marL="0" lvl="0" indent="0" algn="l" rtl="0">
               <a:spcBef>
                 <a:spcPts val="0"/>
               </a:spcBef>
@@ -4512,9 +4508,6 @@
               </a:spcAft>
               <a:buNone/>
             </a:pPr>
-            <a:r>
-              <a:t/>
-            </a:r>
             <a:endParaRPr/>
           </a:p>
         </p:txBody>
@@ -4534,21 +4527,23 @@
             <a:avLst/>
           </a:prstGeom>
           <a:noFill/>
-          <a:ln cap="flat" cmpd="sng" w="28575">
+          <a:ln w="28575" cap="flat" cmpd="sng">
             <a:solidFill>
               <a:schemeClr val="lt1"/>
             </a:solidFill>
             <a:prstDash val="solid"/>
             <a:round/>
-            <a:headEnd len="sm" w="sm" type="none"/>
-            <a:tailEnd len="sm" w="sm" type="none"/>
+            <a:headEnd type="none" w="sm" len="sm"/>
+            <a:tailEnd type="none" w="sm" len="sm"/>
           </a:ln>
         </p:spPr>
       </p:cxnSp>
       <p:sp>
         <p:nvSpPr>
           <p:cNvPr id="39" name="Google Shape;39;p9"/>
-          <p:cNvSpPr txBox="1"/>
+          <p:cNvSpPr txBox="1">
+            <a:spLocks noGrp="1"/>
+          </p:cNvSpPr>
           <p:nvPr>
             <p:ph type="title"/>
           </p:nvPr>
@@ -4563,7 +4558,7 @@
           </a:prstGeom>
         </p:spPr>
         <p:txBody>
-          <a:bodyPr anchorCtr="0" anchor="b" bIns="91425" lIns="91425" spcFirstLastPara="1" rIns="91425" wrap="square" tIns="91425">
+          <a:bodyPr spcFirstLastPara="1" wrap="square" lIns="91425" tIns="91425" rIns="91425" bIns="91425" anchor="b" anchorCtr="0">
             <a:normAutofit/>
           </a:bodyPr>
           <a:lstStyle>
@@ -4667,15 +4662,19 @@
               <a:defRPr sz="5400"/>
             </a:lvl9pPr>
           </a:lstStyle>
-          <a:p/>
+          <a:p>
+            <a:endParaRPr/>
+          </a:p>
         </p:txBody>
       </p:sp>
       <p:sp>
         <p:nvSpPr>
           <p:cNvPr id="40" name="Google Shape;40;p9"/>
-          <p:cNvSpPr txBox="1"/>
+          <p:cNvSpPr txBox="1">
+            <a:spLocks noGrp="1"/>
+          </p:cNvSpPr>
           <p:nvPr>
-            <p:ph idx="1" type="subTitle"/>
+            <p:ph type="subTitle" idx="1"/>
           </p:nvPr>
         </p:nvSpPr>
         <p:spPr>
@@ -4688,7 +4687,7 @@
           </a:prstGeom>
         </p:spPr>
         <p:txBody>
-          <a:bodyPr anchorCtr="0" anchor="t" bIns="91425" lIns="91425" spcFirstLastPara="1" rIns="91425" wrap="square" tIns="91425">
+          <a:bodyPr spcFirstLastPara="1" wrap="square" lIns="91425" tIns="91425" rIns="91425" bIns="91425" anchor="t" anchorCtr="0">
             <a:normAutofit/>
           </a:bodyPr>
           <a:lstStyle>
@@ -4819,15 +4818,19 @@
               <a:defRPr sz="1800"/>
             </a:lvl9pPr>
           </a:lstStyle>
-          <a:p/>
+          <a:p>
+            <a:endParaRPr/>
+          </a:p>
         </p:txBody>
       </p:sp>
       <p:sp>
         <p:nvSpPr>
           <p:cNvPr id="41" name="Google Shape;41;p9"/>
-          <p:cNvSpPr txBox="1"/>
+          <p:cNvSpPr txBox="1">
+            <a:spLocks noGrp="1"/>
+          </p:cNvSpPr>
           <p:nvPr>
-            <p:ph idx="2" type="body"/>
+            <p:ph type="body" idx="2"/>
           </p:nvPr>
         </p:nvSpPr>
         <p:spPr>
@@ -4840,11 +4843,11 @@
           </a:prstGeom>
         </p:spPr>
         <p:txBody>
-          <a:bodyPr anchorCtr="0" anchor="ctr" bIns="91425" lIns="91425" spcFirstLastPara="1" rIns="91425" wrap="square" tIns="91425">
+          <a:bodyPr spcFirstLastPara="1" wrap="square" lIns="91425" tIns="91425" rIns="91425" bIns="91425" anchor="ctr" anchorCtr="0">
             <a:normAutofit/>
           </a:bodyPr>
           <a:lstStyle>
-            <a:lvl1pPr indent="-342900" lvl="0" marL="457200">
+            <a:lvl1pPr marL="457200" lvl="0" indent="-342900">
               <a:spcBef>
                 <a:spcPts val="0"/>
               </a:spcBef>
@@ -4865,7 +4868,7 @@
                 </a:highlight>
               </a:defRPr>
             </a:lvl1pPr>
-            <a:lvl2pPr indent="-317500" lvl="1" marL="914400">
+            <a:lvl2pPr marL="914400" lvl="1" indent="-317500">
               <a:spcBef>
                 <a:spcPts val="0"/>
               </a:spcBef>
@@ -4886,7 +4889,7 @@
                 </a:highlight>
               </a:defRPr>
             </a:lvl2pPr>
-            <a:lvl3pPr indent="-317500" lvl="2" marL="1371600">
+            <a:lvl3pPr marL="1371600" lvl="2" indent="-317500">
               <a:spcBef>
                 <a:spcPts val="0"/>
               </a:spcBef>
@@ -4907,7 +4910,7 @@
                 </a:highlight>
               </a:defRPr>
             </a:lvl3pPr>
-            <a:lvl4pPr indent="-317500" lvl="3" marL="1828800">
+            <a:lvl4pPr marL="1828800" lvl="3" indent="-317500">
               <a:spcBef>
                 <a:spcPts val="0"/>
               </a:spcBef>
@@ -4928,7 +4931,7 @@
                 </a:highlight>
               </a:defRPr>
             </a:lvl4pPr>
-            <a:lvl5pPr indent="-317500" lvl="4" marL="2286000">
+            <a:lvl5pPr marL="2286000" lvl="4" indent="-317500">
               <a:spcBef>
                 <a:spcPts val="0"/>
               </a:spcBef>
@@ -4949,7 +4952,7 @@
                 </a:highlight>
               </a:defRPr>
             </a:lvl5pPr>
-            <a:lvl6pPr indent="-317500" lvl="5" marL="2743200">
+            <a:lvl6pPr marL="2743200" lvl="5" indent="-317500">
               <a:spcBef>
                 <a:spcPts val="0"/>
               </a:spcBef>
@@ -4970,7 +4973,7 @@
                 </a:highlight>
               </a:defRPr>
             </a:lvl6pPr>
-            <a:lvl7pPr indent="-317500" lvl="6" marL="3200400">
+            <a:lvl7pPr marL="3200400" lvl="6" indent="-317500">
               <a:spcBef>
                 <a:spcPts val="0"/>
               </a:spcBef>
@@ -4991,7 +4994,7 @@
                 </a:highlight>
               </a:defRPr>
             </a:lvl7pPr>
-            <a:lvl8pPr indent="-317500" lvl="7" marL="3657600">
+            <a:lvl8pPr marL="3657600" lvl="7" indent="-317500">
               <a:spcBef>
                 <a:spcPts val="0"/>
               </a:spcBef>
@@ -5012,7 +5015,7 @@
                 </a:highlight>
               </a:defRPr>
             </a:lvl8pPr>
-            <a:lvl9pPr indent="-317500" lvl="8" marL="4114800">
+            <a:lvl9pPr marL="4114800" lvl="8" indent="-317500">
               <a:spcBef>
                 <a:spcPts val="0"/>
               </a:spcBef>
@@ -5034,15 +5037,19 @@
               </a:defRPr>
             </a:lvl9pPr>
           </a:lstStyle>
-          <a:p/>
+          <a:p>
+            <a:endParaRPr/>
+          </a:p>
         </p:txBody>
       </p:sp>
       <p:sp>
         <p:nvSpPr>
           <p:cNvPr id="42" name="Google Shape;42;p9"/>
-          <p:cNvSpPr txBox="1"/>
+          <p:cNvSpPr txBox="1">
+            <a:spLocks noGrp="1"/>
+          </p:cNvSpPr>
           <p:nvPr>
-            <p:ph idx="12" type="sldNum"/>
+            <p:ph type="sldNum" idx="12"/>
           </p:nvPr>
         </p:nvSpPr>
         <p:spPr>
@@ -5055,7 +5062,7 @@
           </a:prstGeom>
         </p:spPr>
         <p:txBody>
-          <a:bodyPr anchorCtr="0" anchor="ctr" bIns="91425" lIns="91425" spcFirstLastPara="1" rIns="91425" wrap="square" tIns="91425">
+          <a:bodyPr spcFirstLastPara="1" wrap="square" lIns="91425" tIns="91425" rIns="91425" bIns="91425" anchor="ctr" anchorCtr="0">
             <a:normAutofit/>
           </a:bodyPr>
           <a:lstStyle>
@@ -5097,7 +5104,7 @@
             </a:lvl9pPr>
           </a:lstStyle>
           <a:p>
-            <a:pPr indent="0" lvl="0" marL="0" rtl="0" algn="r">
+            <a:pPr marL="0" lvl="0" indent="0" algn="r" rtl="0">
               <a:spcBef>
                 <a:spcPts val="0"/>
               </a:spcBef>
@@ -5123,11 +5130,11 @@
 </file>
 
 <file path=ppt/slideLayouts/slideLayout9.xml><?xml version="1.0" encoding="utf-8"?>
-<p:sldLayout xmlns:a="http://schemas.openxmlformats.org/drawingml/2006/main" xmlns:r="http://schemas.openxmlformats.org/officeDocument/2006/relationships" xmlns:mc="http://schemas.openxmlformats.org/markup-compatibility/2006" xmlns:mv="urn:schemas-microsoft-com:mac:vml" xmlns:p="http://schemas.openxmlformats.org/presentationml/2006/main" xmlns:c="http://schemas.openxmlformats.org/drawingml/2006/chart" xmlns:dgm="http://schemas.openxmlformats.org/drawingml/2006/diagram" xmlns:o="urn:schemas-microsoft-com:office:office" xmlns:v="urn:schemas-microsoft-com:vml" xmlns:pvml="urn:schemas-microsoft-com:office:powerpoint" xmlns:com="http://schemas.openxmlformats.org/drawingml/2006/compatibility" xmlns:p14="http://schemas.microsoft.com/office/powerpoint/2010/main" xmlns:p15="http://schemas.microsoft.com/office/powerpoint/2012/main" xmlns:ahyp="http://schemas.microsoft.com/office/drawing/2018/hyperlinkcolor" matchingName="Caption">
+<p:sldLayout xmlns:a="http://schemas.openxmlformats.org/drawingml/2006/main" xmlns:r="http://schemas.openxmlformats.org/officeDocument/2006/relationships" xmlns:p="http://schemas.openxmlformats.org/presentationml/2006/main" matchingName="Caption">
   <p:cSld name="CAPTION_ONLY">
     <p:spTree>
       <p:nvGrpSpPr>
-        <p:cNvPr id="43" name="Shape 43"/>
+        <p:cNvPr id="1" name="Shape 43"/>
         <p:cNvGrpSpPr/>
         <p:nvPr/>
       </p:nvGrpSpPr>
@@ -5142,9 +5149,11 @@
       <p:sp>
         <p:nvSpPr>
           <p:cNvPr id="44" name="Google Shape;44;p10"/>
-          <p:cNvSpPr txBox="1"/>
+          <p:cNvSpPr txBox="1">
+            <a:spLocks noGrp="1"/>
+          </p:cNvSpPr>
           <p:nvPr>
-            <p:ph idx="1" type="body"/>
+            <p:ph type="body" idx="1"/>
           </p:nvPr>
         </p:nvSpPr>
         <p:spPr>
@@ -5157,11 +5166,11 @@
           </a:prstGeom>
         </p:spPr>
         <p:txBody>
-          <a:bodyPr anchorCtr="0" anchor="ctr" bIns="91425" lIns="91425" spcFirstLastPara="1" rIns="91425" wrap="square" tIns="91425">
+          <a:bodyPr spcFirstLastPara="1" wrap="square" lIns="91425" tIns="91425" rIns="91425" bIns="91425" anchor="ctr" anchorCtr="0">
             <a:normAutofit/>
           </a:bodyPr>
           <a:lstStyle>
-            <a:lvl1pPr indent="-228600" lvl="0" marL="457200">
+            <a:lvl1pPr marL="457200" lvl="0" indent="-228600">
               <a:lnSpc>
                 <a:spcPct val="100000"/>
               </a:lnSpc>
@@ -5177,7 +5186,7 @@
               <a:buSzPts val="2400"/>
               <a:buFont typeface="Amatic SC"/>
               <a:buNone/>
-              <a:defRPr b="1" sz="2400">
+              <a:defRPr sz="2400" b="1">
                 <a:solidFill>
                   <a:schemeClr val="accent1"/>
                 </a:solidFill>
@@ -5188,15 +5197,19 @@
               </a:defRPr>
             </a:lvl1pPr>
           </a:lstStyle>
-          <a:p/>
+          <a:p>
+            <a:endParaRPr/>
+          </a:p>
         </p:txBody>
       </p:sp>
       <p:sp>
         <p:nvSpPr>
           <p:cNvPr id="45" name="Google Shape;45;p10"/>
-          <p:cNvSpPr txBox="1"/>
+          <p:cNvSpPr txBox="1">
+            <a:spLocks noGrp="1"/>
+          </p:cNvSpPr>
           <p:nvPr>
-            <p:ph idx="12" type="sldNum"/>
+            <p:ph type="sldNum" idx="12"/>
           </p:nvPr>
         </p:nvSpPr>
         <p:spPr>
@@ -5209,7 +5222,7 @@
           </a:prstGeom>
         </p:spPr>
         <p:txBody>
-          <a:bodyPr anchorCtr="0" anchor="ctr" bIns="91425" lIns="91425" spcFirstLastPara="1" rIns="91425" wrap="square" tIns="91425">
+          <a:bodyPr spcFirstLastPara="1" wrap="square" lIns="91425" tIns="91425" rIns="91425" bIns="91425" anchor="ctr" anchorCtr="0">
             <a:normAutofit/>
           </a:bodyPr>
           <a:lstStyle>
@@ -5251,7 +5264,7 @@
             </a:lvl9pPr>
           </a:lstStyle>
           <a:p>
-            <a:pPr indent="0" lvl="0" marL="0" rtl="0" algn="r">
+            <a:pPr marL="0" lvl="0" indent="0" algn="r" rtl="0">
               <a:spcBef>
                 <a:spcPts val="0"/>
               </a:spcBef>
@@ -5277,18 +5290,19 @@
 </file>
 
 <file path=ppt/slideMasters/slideMaster1.xml><?xml version="1.0" encoding="utf-8"?>
-<p:sldMaster xmlns:a="http://schemas.openxmlformats.org/drawingml/2006/main" xmlns:r="http://schemas.openxmlformats.org/officeDocument/2006/relationships" xmlns:mc="http://schemas.openxmlformats.org/markup-compatibility/2006" xmlns:mv="urn:schemas-microsoft-com:mac:vml" xmlns:p="http://schemas.openxmlformats.org/presentationml/2006/main" xmlns:c="http://schemas.openxmlformats.org/drawingml/2006/chart" xmlns:dgm="http://schemas.openxmlformats.org/drawingml/2006/diagram" xmlns:o="urn:schemas-microsoft-com:office:office" xmlns:v="urn:schemas-microsoft-com:vml" xmlns:pvml="urn:schemas-microsoft-com:office:powerpoint" xmlns:com="http://schemas.openxmlformats.org/drawingml/2006/compatibility" xmlns:p14="http://schemas.microsoft.com/office/powerpoint/2010/main" xmlns:p15="http://schemas.microsoft.com/office/powerpoint/2012/main" xmlns:ahyp="http://schemas.microsoft.com/office/drawing/2018/hyperlinkcolor">
+<p:sldMaster xmlns:a="http://schemas.openxmlformats.org/drawingml/2006/main" xmlns:r="http://schemas.openxmlformats.org/officeDocument/2006/relationships" xmlns:p="http://schemas.openxmlformats.org/presentationml/2006/main">
   <p:cSld name="beach-day">
     <p:bg>
       <p:bgPr>
         <a:solidFill>
           <a:schemeClr val="lt1"/>
         </a:solidFill>
+        <a:effectLst/>
       </p:bgPr>
     </p:bg>
     <p:spTree>
       <p:nvGrpSpPr>
-        <p:cNvPr id="5" name="Shape 5"/>
+        <p:cNvPr id="1" name="Shape 5"/>
         <p:cNvGrpSpPr/>
         <p:nvPr/>
       </p:nvGrpSpPr>
@@ -5303,7 +5317,9 @@
       <p:sp>
         <p:nvSpPr>
           <p:cNvPr id="6" name="Google Shape;6;p1"/>
-          <p:cNvSpPr txBox="1"/>
+          <p:cNvSpPr txBox="1">
+            <a:spLocks noGrp="1"/>
+          </p:cNvSpPr>
           <p:nvPr>
             <p:ph type="title"/>
           </p:nvPr>
@@ -5322,7 +5338,7 @@
           </a:ln>
         </p:spPr>
         <p:txBody>
-          <a:bodyPr anchorCtr="0" anchor="t" bIns="91425" lIns="91425" spcFirstLastPara="1" rIns="91425" wrap="square" tIns="91425">
+          <a:bodyPr spcFirstLastPara="1" wrap="square" lIns="91425" tIns="91425" rIns="91425" bIns="91425" anchor="t" anchorCtr="0">
             <a:normAutofit/>
           </a:bodyPr>
           <a:lstStyle>
@@ -5339,7 +5355,7 @@
               <a:buSzPts val="4200"/>
               <a:buFont typeface="Amatic SC"/>
               <a:buNone/>
-              <a:defRPr b="1" sz="4200">
+              <a:defRPr sz="4200" b="1">
                 <a:solidFill>
                   <a:schemeClr val="accent1"/>
                 </a:solidFill>
@@ -5362,7 +5378,7 @@
               <a:buSzPts val="4200"/>
               <a:buFont typeface="Amatic SC"/>
               <a:buNone/>
-              <a:defRPr b="1" sz="4200">
+              <a:defRPr sz="4200" b="1">
                 <a:solidFill>
                   <a:schemeClr val="accent1"/>
                 </a:solidFill>
@@ -5385,7 +5401,7 @@
               <a:buSzPts val="4200"/>
               <a:buFont typeface="Amatic SC"/>
               <a:buNone/>
-              <a:defRPr b="1" sz="4200">
+              <a:defRPr sz="4200" b="1">
                 <a:solidFill>
                   <a:schemeClr val="accent1"/>
                 </a:solidFill>
@@ -5408,7 +5424,7 @@
               <a:buSzPts val="4200"/>
               <a:buFont typeface="Amatic SC"/>
               <a:buNone/>
-              <a:defRPr b="1" sz="4200">
+              <a:defRPr sz="4200" b="1">
                 <a:solidFill>
                   <a:schemeClr val="accent1"/>
                 </a:solidFill>
@@ -5431,7 +5447,7 @@
               <a:buSzPts val="4200"/>
               <a:buFont typeface="Amatic SC"/>
               <a:buNone/>
-              <a:defRPr b="1" sz="4200">
+              <a:defRPr sz="4200" b="1">
                 <a:solidFill>
                   <a:schemeClr val="accent1"/>
                 </a:solidFill>
@@ -5454,7 +5470,7 @@
               <a:buSzPts val="4200"/>
               <a:buFont typeface="Amatic SC"/>
               <a:buNone/>
-              <a:defRPr b="1" sz="4200">
+              <a:defRPr sz="4200" b="1">
                 <a:solidFill>
                   <a:schemeClr val="accent1"/>
                 </a:solidFill>
@@ -5477,7 +5493,7 @@
               <a:buSzPts val="4200"/>
               <a:buFont typeface="Amatic SC"/>
               <a:buNone/>
-              <a:defRPr b="1" sz="4200">
+              <a:defRPr sz="4200" b="1">
                 <a:solidFill>
                   <a:schemeClr val="accent1"/>
                 </a:solidFill>
@@ -5500,7 +5516,7 @@
               <a:buSzPts val="4200"/>
               <a:buFont typeface="Amatic SC"/>
               <a:buNone/>
-              <a:defRPr b="1" sz="4200">
+              <a:defRPr sz="4200" b="1">
                 <a:solidFill>
                   <a:schemeClr val="accent1"/>
                 </a:solidFill>
@@ -5523,7 +5539,7 @@
               <a:buSzPts val="4200"/>
               <a:buFont typeface="Amatic SC"/>
               <a:buNone/>
-              <a:defRPr b="1" sz="4200">
+              <a:defRPr sz="4200" b="1">
                 <a:solidFill>
                   <a:schemeClr val="accent1"/>
                 </a:solidFill>
@@ -5534,15 +5550,19 @@
               </a:defRPr>
             </a:lvl9pPr>
           </a:lstStyle>
-          <a:p/>
+          <a:p>
+            <a:endParaRPr/>
+          </a:p>
         </p:txBody>
       </p:sp>
       <p:sp>
         <p:nvSpPr>
           <p:cNvPr id="7" name="Google Shape;7;p1"/>
-          <p:cNvSpPr txBox="1"/>
+          <p:cNvSpPr txBox="1">
+            <a:spLocks noGrp="1"/>
+          </p:cNvSpPr>
           <p:nvPr>
-            <p:ph idx="1" type="body"/>
+            <p:ph type="body" idx="1"/>
           </p:nvPr>
         </p:nvSpPr>
         <p:spPr>
@@ -5559,11 +5579,11 @@
           </a:ln>
         </p:spPr>
         <p:txBody>
-          <a:bodyPr anchorCtr="0" anchor="t" bIns="91425" lIns="91425" spcFirstLastPara="1" rIns="91425" wrap="square" tIns="91425">
+          <a:bodyPr spcFirstLastPara="1" wrap="square" lIns="91425" tIns="91425" rIns="91425" bIns="91425" anchor="t" anchorCtr="0">
             <a:normAutofit/>
           </a:bodyPr>
           <a:lstStyle>
-            <a:lvl1pPr indent="-342900" lvl="0" marL="457200">
+            <a:lvl1pPr marL="457200" lvl="0" indent="-342900">
               <a:lnSpc>
                 <a:spcPct val="115000"/>
               </a:lnSpc>
@@ -5589,7 +5609,7 @@
                 <a:sym typeface="Source Code Pro"/>
               </a:defRPr>
             </a:lvl1pPr>
-            <a:lvl2pPr indent="-317500" lvl="1" marL="914400">
+            <a:lvl2pPr marL="914400" lvl="1" indent="-317500">
               <a:lnSpc>
                 <a:spcPct val="115000"/>
               </a:lnSpc>
@@ -5615,7 +5635,7 @@
                 <a:sym typeface="Source Code Pro"/>
               </a:defRPr>
             </a:lvl2pPr>
-            <a:lvl3pPr indent="-317500" lvl="2" marL="1371600">
+            <a:lvl3pPr marL="1371600" lvl="2" indent="-317500">
               <a:lnSpc>
                 <a:spcPct val="115000"/>
               </a:lnSpc>
@@ -5641,7 +5661,7 @@
                 <a:sym typeface="Source Code Pro"/>
               </a:defRPr>
             </a:lvl3pPr>
-            <a:lvl4pPr indent="-317500" lvl="3" marL="1828800">
+            <a:lvl4pPr marL="1828800" lvl="3" indent="-317500">
               <a:lnSpc>
                 <a:spcPct val="115000"/>
               </a:lnSpc>
@@ -5667,7 +5687,7 @@
                 <a:sym typeface="Source Code Pro"/>
               </a:defRPr>
             </a:lvl4pPr>
-            <a:lvl5pPr indent="-317500" lvl="4" marL="2286000">
+            <a:lvl5pPr marL="2286000" lvl="4" indent="-317500">
               <a:lnSpc>
                 <a:spcPct val="115000"/>
               </a:lnSpc>
@@ -5693,7 +5713,7 @@
                 <a:sym typeface="Source Code Pro"/>
               </a:defRPr>
             </a:lvl5pPr>
-            <a:lvl6pPr indent="-317500" lvl="5" marL="2743200">
+            <a:lvl6pPr marL="2743200" lvl="5" indent="-317500">
               <a:lnSpc>
                 <a:spcPct val="115000"/>
               </a:lnSpc>
@@ -5719,7 +5739,7 @@
                 <a:sym typeface="Source Code Pro"/>
               </a:defRPr>
             </a:lvl6pPr>
-            <a:lvl7pPr indent="-317500" lvl="6" marL="3200400">
+            <a:lvl7pPr marL="3200400" lvl="6" indent="-317500">
               <a:lnSpc>
                 <a:spcPct val="115000"/>
               </a:lnSpc>
@@ -5745,7 +5765,7 @@
                 <a:sym typeface="Source Code Pro"/>
               </a:defRPr>
             </a:lvl7pPr>
-            <a:lvl8pPr indent="-317500" lvl="7" marL="3657600">
+            <a:lvl8pPr marL="3657600" lvl="7" indent="-317500">
               <a:lnSpc>
                 <a:spcPct val="115000"/>
               </a:lnSpc>
@@ -5771,7 +5791,7 @@
                 <a:sym typeface="Source Code Pro"/>
               </a:defRPr>
             </a:lvl8pPr>
-            <a:lvl9pPr indent="-317500" lvl="8" marL="4114800">
+            <a:lvl9pPr marL="4114800" lvl="8" indent="-317500">
               <a:lnSpc>
                 <a:spcPct val="115000"/>
               </a:lnSpc>
@@ -5798,15 +5818,19 @@
               </a:defRPr>
             </a:lvl9pPr>
           </a:lstStyle>
-          <a:p/>
+          <a:p>
+            <a:endParaRPr/>
+          </a:p>
         </p:txBody>
       </p:sp>
       <p:sp>
         <p:nvSpPr>
           <p:cNvPr id="8" name="Google Shape;8;p1"/>
-          <p:cNvSpPr txBox="1"/>
+          <p:cNvSpPr txBox="1">
+            <a:spLocks noGrp="1"/>
+          </p:cNvSpPr>
           <p:nvPr>
-            <p:ph idx="12" type="sldNum"/>
+            <p:ph type="sldNum" idx="12"/>
           </p:nvPr>
         </p:nvSpPr>
         <p:spPr>
@@ -5823,7 +5847,7 @@
           </a:ln>
         </p:spPr>
         <p:txBody>
-          <a:bodyPr anchorCtr="0" anchor="ctr" bIns="91425" lIns="91425" spcFirstLastPara="1" rIns="91425" wrap="square" tIns="91425">
+          <a:bodyPr spcFirstLastPara="1" wrap="square" lIns="91425" tIns="91425" rIns="91425" bIns="91425" anchor="ctr" anchorCtr="0">
             <a:normAutofit/>
           </a:bodyPr>
           <a:lstStyle>
@@ -5937,7 +5961,7 @@
             </a:lvl9pPr>
           </a:lstStyle>
           <a:p>
-            <a:pPr indent="0" lvl="0" marL="0" rtl="0" algn="r">
+            <a:pPr marL="0" lvl="0" indent="0" algn="r" rtl="0">
               <a:spcBef>
                 <a:spcPts val="0"/>
               </a:spcBef>
@@ -5956,7 +5980,7 @@
       </p:sp>
     </p:spTree>
   </p:cSld>
-  <p:clrMap accent1="accent1" accent2="accent2" accent3="accent3" accent4="accent4" accent5="accent5" accent6="accent6" bg1="lt1" bg2="dk2" tx1="dk1" tx2="lt2" folHlink="folHlink" hlink="hlink"/>
+  <p:clrMap bg1="lt1" tx1="dk1" bg2="dk2" tx2="lt2" accent1="accent1" accent2="accent2" accent3="accent3" accent4="accent4" accent5="accent5" accent6="accent6" hlink="hlink" folHlink="folHlink"/>
   <p:sldLayoutIdLst>
     <p:sldLayoutId id="2147483648" r:id="rId1"/>
     <p:sldLayoutId id="2147483649" r:id="rId2"/>
@@ -5970,10 +5994,10 @@
     <p:sldLayoutId id="2147483657" r:id="rId10"/>
     <p:sldLayoutId id="2147483658" r:id="rId11"/>
   </p:sldLayoutIdLst>
-  <p:hf dt="0" ftr="0" hdr="0" sldNum="0"/>
+  <p:hf sldNum="0" hdr="0" ftr="0" dt="0"/>
   <p:txStyles>
     <p:titleStyle>
-      <a:defPPr lvl="0" marR="0" rtl="0" algn="l">
+      <a:defPPr marR="0" lvl="0" algn="l" rtl="0">
         <a:lnSpc>
           <a:spcPct val="100000"/>
         </a:lnSpc>
@@ -5984,7 +6008,7 @@
           <a:spcPts val="0"/>
         </a:spcAft>
       </a:defPPr>
-      <a:lvl1pPr lvl="0" marR="0" rtl="0" algn="l">
+      <a:lvl1pPr marR="0" lvl="0" algn="l" rtl="0">
         <a:lnSpc>
           <a:spcPct val="100000"/>
         </a:lnSpc>
@@ -5998,7 +6022,7 @@
           <a:srgbClr val="000000"/>
         </a:buClr>
         <a:buFont typeface="Arial"/>
-        <a:defRPr b="0" i="0" sz="1400" u="none" cap="none" strike="noStrike">
+        <a:defRPr sz="1400" b="0" i="0" u="none" strike="noStrike" cap="none">
           <a:solidFill>
             <a:srgbClr val="000000"/>
           </a:solidFill>
@@ -6008,7 +6032,7 @@
           <a:sym typeface="Arial"/>
         </a:defRPr>
       </a:lvl1pPr>
-      <a:lvl2pPr lvl="1" marR="0" rtl="0" algn="l">
+      <a:lvl2pPr marR="0" lvl="1" algn="l" rtl="0">
         <a:lnSpc>
           <a:spcPct val="100000"/>
         </a:lnSpc>
@@ -6022,7 +6046,7 @@
           <a:srgbClr val="000000"/>
         </a:buClr>
         <a:buFont typeface="Arial"/>
-        <a:defRPr b="0" i="0" sz="1400" u="none" cap="none" strike="noStrike">
+        <a:defRPr sz="1400" b="0" i="0" u="none" strike="noStrike" cap="none">
           <a:solidFill>
             <a:srgbClr val="000000"/>
           </a:solidFill>
@@ -6032,7 +6056,7 @@
           <a:sym typeface="Arial"/>
         </a:defRPr>
       </a:lvl2pPr>
-      <a:lvl3pPr lvl="2" marR="0" rtl="0" algn="l">
+      <a:lvl3pPr marR="0" lvl="2" algn="l" rtl="0">
         <a:lnSpc>
           <a:spcPct val="100000"/>
         </a:lnSpc>
@@ -6046,7 +6070,7 @@
           <a:srgbClr val="000000"/>
         </a:buClr>
         <a:buFont typeface="Arial"/>
-        <a:defRPr b="0" i="0" sz="1400" u="none" cap="none" strike="noStrike">
+        <a:defRPr sz="1400" b="0" i="0" u="none" strike="noStrike" cap="none">
           <a:solidFill>
             <a:srgbClr val="000000"/>
           </a:solidFill>
@@ -6056,7 +6080,7 @@
           <a:sym typeface="Arial"/>
         </a:defRPr>
       </a:lvl3pPr>
-      <a:lvl4pPr lvl="3" marR="0" rtl="0" algn="l">
+      <a:lvl4pPr marR="0" lvl="3" algn="l" rtl="0">
         <a:lnSpc>
           <a:spcPct val="100000"/>
         </a:lnSpc>
@@ -6070,7 +6094,7 @@
           <a:srgbClr val="000000"/>
         </a:buClr>
         <a:buFont typeface="Arial"/>
-        <a:defRPr b="0" i="0" sz="1400" u="none" cap="none" strike="noStrike">
+        <a:defRPr sz="1400" b="0" i="0" u="none" strike="noStrike" cap="none">
           <a:solidFill>
             <a:srgbClr val="000000"/>
           </a:solidFill>
@@ -6080,7 +6104,7 @@
           <a:sym typeface="Arial"/>
         </a:defRPr>
       </a:lvl4pPr>
-      <a:lvl5pPr lvl="4" marR="0" rtl="0" algn="l">
+      <a:lvl5pPr marR="0" lvl="4" algn="l" rtl="0">
         <a:lnSpc>
           <a:spcPct val="100000"/>
         </a:lnSpc>
@@ -6094,7 +6118,7 @@
           <a:srgbClr val="000000"/>
         </a:buClr>
         <a:buFont typeface="Arial"/>
-        <a:defRPr b="0" i="0" sz="1400" u="none" cap="none" strike="noStrike">
+        <a:defRPr sz="1400" b="0" i="0" u="none" strike="noStrike" cap="none">
           <a:solidFill>
             <a:srgbClr val="000000"/>
           </a:solidFill>
@@ -6104,7 +6128,7 @@
           <a:sym typeface="Arial"/>
         </a:defRPr>
       </a:lvl5pPr>
-      <a:lvl6pPr lvl="5" marR="0" rtl="0" algn="l">
+      <a:lvl6pPr marR="0" lvl="5" algn="l" rtl="0">
         <a:lnSpc>
           <a:spcPct val="100000"/>
         </a:lnSpc>
@@ -6118,7 +6142,7 @@
           <a:srgbClr val="000000"/>
         </a:buClr>
         <a:buFont typeface="Arial"/>
-        <a:defRPr b="0" i="0" sz="1400" u="none" cap="none" strike="noStrike">
+        <a:defRPr sz="1400" b="0" i="0" u="none" strike="noStrike" cap="none">
           <a:solidFill>
             <a:srgbClr val="000000"/>
           </a:solidFill>
@@ -6128,7 +6152,7 @@
           <a:sym typeface="Arial"/>
         </a:defRPr>
       </a:lvl6pPr>
-      <a:lvl7pPr lvl="6" marR="0" rtl="0" algn="l">
+      <a:lvl7pPr marR="0" lvl="6" algn="l" rtl="0">
         <a:lnSpc>
           <a:spcPct val="100000"/>
         </a:lnSpc>
@@ -6142,7 +6166,7 @@
           <a:srgbClr val="000000"/>
         </a:buClr>
         <a:buFont typeface="Arial"/>
-        <a:defRPr b="0" i="0" sz="1400" u="none" cap="none" strike="noStrike">
+        <a:defRPr sz="1400" b="0" i="0" u="none" strike="noStrike" cap="none">
           <a:solidFill>
             <a:srgbClr val="000000"/>
           </a:solidFill>
@@ -6152,7 +6176,7 @@
           <a:sym typeface="Arial"/>
         </a:defRPr>
       </a:lvl7pPr>
-      <a:lvl8pPr lvl="7" marR="0" rtl="0" algn="l">
+      <a:lvl8pPr marR="0" lvl="7" algn="l" rtl="0">
         <a:lnSpc>
           <a:spcPct val="100000"/>
         </a:lnSpc>
@@ -6166,7 +6190,7 @@
           <a:srgbClr val="000000"/>
         </a:buClr>
         <a:buFont typeface="Arial"/>
-        <a:defRPr b="0" i="0" sz="1400" u="none" cap="none" strike="noStrike">
+        <a:defRPr sz="1400" b="0" i="0" u="none" strike="noStrike" cap="none">
           <a:solidFill>
             <a:srgbClr val="000000"/>
           </a:solidFill>
@@ -6176,7 +6200,7 @@
           <a:sym typeface="Arial"/>
         </a:defRPr>
       </a:lvl8pPr>
-      <a:lvl9pPr lvl="8" marR="0" rtl="0" algn="l">
+      <a:lvl9pPr marR="0" lvl="8" algn="l" rtl="0">
         <a:lnSpc>
           <a:spcPct val="100000"/>
         </a:lnSpc>
@@ -6190,7 +6214,7 @@
           <a:srgbClr val="000000"/>
         </a:buClr>
         <a:buFont typeface="Arial"/>
-        <a:defRPr b="0" i="0" sz="1400" u="none" cap="none" strike="noStrike">
+        <a:defRPr sz="1400" b="0" i="0" u="none" strike="noStrike" cap="none">
           <a:solidFill>
             <a:srgbClr val="000000"/>
           </a:solidFill>
@@ -6202,7 +6226,7 @@
       </a:lvl9pPr>
     </p:titleStyle>
     <p:bodyStyle>
-      <a:defPPr lvl="0" marR="0" rtl="0" algn="l">
+      <a:defPPr marR="0" lvl="0" algn="l" rtl="0">
         <a:lnSpc>
           <a:spcPct val="100000"/>
         </a:lnSpc>
@@ -6213,7 +6237,7 @@
           <a:spcPts val="0"/>
         </a:spcAft>
       </a:defPPr>
-      <a:lvl1pPr lvl="0" marR="0" rtl="0" algn="l">
+      <a:lvl1pPr marR="0" lvl="0" algn="l" rtl="0">
         <a:lnSpc>
           <a:spcPct val="100000"/>
         </a:lnSpc>
@@ -6227,7 +6251,7 @@
           <a:srgbClr val="000000"/>
         </a:buClr>
         <a:buFont typeface="Arial"/>
-        <a:defRPr b="0" i="0" sz="1400" u="none" cap="none" strike="noStrike">
+        <a:defRPr sz="1400" b="0" i="0" u="none" strike="noStrike" cap="none">
           <a:solidFill>
             <a:srgbClr val="000000"/>
           </a:solidFill>
@@ -6237,7 +6261,7 @@
           <a:sym typeface="Arial"/>
         </a:defRPr>
       </a:lvl1pPr>
-      <a:lvl2pPr lvl="1" marR="0" rtl="0" algn="l">
+      <a:lvl2pPr marR="0" lvl="1" algn="l" rtl="0">
         <a:lnSpc>
           <a:spcPct val="100000"/>
         </a:lnSpc>
@@ -6251,7 +6275,7 @@
           <a:srgbClr val="000000"/>
         </a:buClr>
         <a:buFont typeface="Arial"/>
-        <a:defRPr b="0" i="0" sz="1400" u="none" cap="none" strike="noStrike">
+        <a:defRPr sz="1400" b="0" i="0" u="none" strike="noStrike" cap="none">
           <a:solidFill>
             <a:srgbClr val="000000"/>
           </a:solidFill>
@@ -6261,7 +6285,7 @@
           <a:sym typeface="Arial"/>
         </a:defRPr>
       </a:lvl2pPr>
-      <a:lvl3pPr lvl="2" marR="0" rtl="0" algn="l">
+      <a:lvl3pPr marR="0" lvl="2" algn="l" rtl="0">
         <a:lnSpc>
           <a:spcPct val="100000"/>
         </a:lnSpc>
@@ -6275,7 +6299,7 @@
           <a:srgbClr val="000000"/>
         </a:buClr>
         <a:buFont typeface="Arial"/>
-        <a:defRPr b="0" i="0" sz="1400" u="none" cap="none" strike="noStrike">
+        <a:defRPr sz="1400" b="0" i="0" u="none" strike="noStrike" cap="none">
           <a:solidFill>
             <a:srgbClr val="000000"/>
           </a:solidFill>
@@ -6285,7 +6309,7 @@
           <a:sym typeface="Arial"/>
         </a:defRPr>
       </a:lvl3pPr>
-      <a:lvl4pPr lvl="3" marR="0" rtl="0" algn="l">
+      <a:lvl4pPr marR="0" lvl="3" algn="l" rtl="0">
         <a:lnSpc>
           <a:spcPct val="100000"/>
         </a:lnSpc>
@@ -6299,7 +6323,7 @@
           <a:srgbClr val="000000"/>
         </a:buClr>
         <a:buFont typeface="Arial"/>
-        <a:defRPr b="0" i="0" sz="1400" u="none" cap="none" strike="noStrike">
+        <a:defRPr sz="1400" b="0" i="0" u="none" strike="noStrike" cap="none">
           <a:solidFill>
             <a:srgbClr val="000000"/>
           </a:solidFill>
@@ -6309,7 +6333,7 @@
           <a:sym typeface="Arial"/>
         </a:defRPr>
       </a:lvl4pPr>
-      <a:lvl5pPr lvl="4" marR="0" rtl="0" algn="l">
+      <a:lvl5pPr marR="0" lvl="4" algn="l" rtl="0">
         <a:lnSpc>
           <a:spcPct val="100000"/>
         </a:lnSpc>
@@ -6323,7 +6347,7 @@
           <a:srgbClr val="000000"/>
         </a:buClr>
         <a:buFont typeface="Arial"/>
-        <a:defRPr b="0" i="0" sz="1400" u="none" cap="none" strike="noStrike">
+        <a:defRPr sz="1400" b="0" i="0" u="none" strike="noStrike" cap="none">
           <a:solidFill>
             <a:srgbClr val="000000"/>
           </a:solidFill>
@@ -6333,7 +6357,7 @@
           <a:sym typeface="Arial"/>
         </a:defRPr>
       </a:lvl5pPr>
-      <a:lvl6pPr lvl="5" marR="0" rtl="0" algn="l">
+      <a:lvl6pPr marR="0" lvl="5" algn="l" rtl="0">
         <a:lnSpc>
           <a:spcPct val="100000"/>
         </a:lnSpc>
@@ -6347,7 +6371,7 @@
           <a:srgbClr val="000000"/>
         </a:buClr>
         <a:buFont typeface="Arial"/>
-        <a:defRPr b="0" i="0" sz="1400" u="none" cap="none" strike="noStrike">
+        <a:defRPr sz="1400" b="0" i="0" u="none" strike="noStrike" cap="none">
           <a:solidFill>
             <a:srgbClr val="000000"/>
           </a:solidFill>
@@ -6357,7 +6381,7 @@
           <a:sym typeface="Arial"/>
         </a:defRPr>
       </a:lvl6pPr>
-      <a:lvl7pPr lvl="6" marR="0" rtl="0" algn="l">
+      <a:lvl7pPr marR="0" lvl="6" algn="l" rtl="0">
         <a:lnSpc>
           <a:spcPct val="100000"/>
         </a:lnSpc>
@@ -6371,7 +6395,7 @@
           <a:srgbClr val="000000"/>
         </a:buClr>
         <a:buFont typeface="Arial"/>
-        <a:defRPr b="0" i="0" sz="1400" u="none" cap="none" strike="noStrike">
+        <a:defRPr sz="1400" b="0" i="0" u="none" strike="noStrike" cap="none">
           <a:solidFill>
             <a:srgbClr val="000000"/>
           </a:solidFill>
@@ -6381,7 +6405,7 @@
           <a:sym typeface="Arial"/>
         </a:defRPr>
       </a:lvl7pPr>
-      <a:lvl8pPr lvl="7" marR="0" rtl="0" algn="l">
+      <a:lvl8pPr marR="0" lvl="7" algn="l" rtl="0">
         <a:lnSpc>
           <a:spcPct val="100000"/>
         </a:lnSpc>
@@ -6395,7 +6419,7 @@
           <a:srgbClr val="000000"/>
         </a:buClr>
         <a:buFont typeface="Arial"/>
-        <a:defRPr b="0" i="0" sz="1400" u="none" cap="none" strike="noStrike">
+        <a:defRPr sz="1400" b="0" i="0" u="none" strike="noStrike" cap="none">
           <a:solidFill>
             <a:srgbClr val="000000"/>
           </a:solidFill>
@@ -6405,7 +6429,7 @@
           <a:sym typeface="Arial"/>
         </a:defRPr>
       </a:lvl8pPr>
-      <a:lvl9pPr lvl="8" marR="0" rtl="0" algn="l">
+      <a:lvl9pPr marR="0" lvl="8" algn="l" rtl="0">
         <a:lnSpc>
           <a:spcPct val="100000"/>
         </a:lnSpc>
@@ -6419,7 +6443,7 @@
           <a:srgbClr val="000000"/>
         </a:buClr>
         <a:buFont typeface="Arial"/>
-        <a:defRPr b="0" i="0" sz="1400" u="none" cap="none" strike="noStrike">
+        <a:defRPr sz="1400" b="0" i="0" u="none" strike="noStrike" cap="none">
           <a:solidFill>
             <a:srgbClr val="000000"/>
           </a:solidFill>
@@ -6431,7 +6455,7 @@
       </a:lvl9pPr>
     </p:bodyStyle>
     <p:otherStyle>
-      <a:defPPr lvl="0" marR="0" rtl="0" algn="l">
+      <a:defPPr marR="0" lvl="0" algn="l" rtl="0">
         <a:lnSpc>
           <a:spcPct val="100000"/>
         </a:lnSpc>
@@ -6442,7 +6466,7 @@
           <a:spcPts val="0"/>
         </a:spcAft>
       </a:defPPr>
-      <a:lvl1pPr lvl="0" marR="0" rtl="0" algn="l">
+      <a:lvl1pPr marR="0" lvl="0" algn="l" rtl="0">
         <a:lnSpc>
           <a:spcPct val="100000"/>
         </a:lnSpc>
@@ -6456,7 +6480,7 @@
           <a:srgbClr val="000000"/>
         </a:buClr>
         <a:buFont typeface="Arial"/>
-        <a:defRPr b="0" i="0" sz="1400" u="none" cap="none" strike="noStrike">
+        <a:defRPr sz="1400" b="0" i="0" u="none" strike="noStrike" cap="none">
           <a:solidFill>
             <a:srgbClr val="000000"/>
           </a:solidFill>
@@ -6466,7 +6490,7 @@
           <a:sym typeface="Arial"/>
         </a:defRPr>
       </a:lvl1pPr>
-      <a:lvl2pPr lvl="1" marR="0" rtl="0" algn="l">
+      <a:lvl2pPr marR="0" lvl="1" algn="l" rtl="0">
         <a:lnSpc>
           <a:spcPct val="100000"/>
         </a:lnSpc>
@@ -6480,7 +6504,7 @@
           <a:srgbClr val="000000"/>
         </a:buClr>
         <a:buFont typeface="Arial"/>
-        <a:defRPr b="0" i="0" sz="1400" u="none" cap="none" strike="noStrike">
+        <a:defRPr sz="1400" b="0" i="0" u="none" strike="noStrike" cap="none">
           <a:solidFill>
             <a:srgbClr val="000000"/>
           </a:solidFill>
@@ -6490,7 +6514,7 @@
           <a:sym typeface="Arial"/>
         </a:defRPr>
       </a:lvl2pPr>
-      <a:lvl3pPr lvl="2" marR="0" rtl="0" algn="l">
+      <a:lvl3pPr marR="0" lvl="2" algn="l" rtl="0">
         <a:lnSpc>
           <a:spcPct val="100000"/>
         </a:lnSpc>
@@ -6504,7 +6528,7 @@
           <a:srgbClr val="000000"/>
         </a:buClr>
         <a:buFont typeface="Arial"/>
-        <a:defRPr b="0" i="0" sz="1400" u="none" cap="none" strike="noStrike">
+        <a:defRPr sz="1400" b="0" i="0" u="none" strike="noStrike" cap="none">
           <a:solidFill>
             <a:srgbClr val="000000"/>
           </a:solidFill>
@@ -6514,7 +6538,7 @@
           <a:sym typeface="Arial"/>
         </a:defRPr>
       </a:lvl3pPr>
-      <a:lvl4pPr lvl="3" marR="0" rtl="0" algn="l">
+      <a:lvl4pPr marR="0" lvl="3" algn="l" rtl="0">
         <a:lnSpc>
           <a:spcPct val="100000"/>
         </a:lnSpc>
@@ -6528,7 +6552,7 @@
           <a:srgbClr val="000000"/>
         </a:buClr>
         <a:buFont typeface="Arial"/>
-        <a:defRPr b="0" i="0" sz="1400" u="none" cap="none" strike="noStrike">
+        <a:defRPr sz="1400" b="0" i="0" u="none" strike="noStrike" cap="none">
           <a:solidFill>
             <a:srgbClr val="000000"/>
           </a:solidFill>
@@ -6538,7 +6562,7 @@
           <a:sym typeface="Arial"/>
         </a:defRPr>
       </a:lvl4pPr>
-      <a:lvl5pPr lvl="4" marR="0" rtl="0" algn="l">
+      <a:lvl5pPr marR="0" lvl="4" algn="l" rtl="0">
         <a:lnSpc>
           <a:spcPct val="100000"/>
         </a:lnSpc>
@@ -6552,7 +6576,7 @@
           <a:srgbClr val="000000"/>
         </a:buClr>
         <a:buFont typeface="Arial"/>
-        <a:defRPr b="0" i="0" sz="1400" u="none" cap="none" strike="noStrike">
+        <a:defRPr sz="1400" b="0" i="0" u="none" strike="noStrike" cap="none">
           <a:solidFill>
             <a:srgbClr val="000000"/>
           </a:solidFill>
@@ -6562,7 +6586,7 @@
           <a:sym typeface="Arial"/>
         </a:defRPr>
       </a:lvl5pPr>
-      <a:lvl6pPr lvl="5" marR="0" rtl="0" algn="l">
+      <a:lvl6pPr marR="0" lvl="5" algn="l" rtl="0">
         <a:lnSpc>
           <a:spcPct val="100000"/>
         </a:lnSpc>
@@ -6576,7 +6600,7 @@
           <a:srgbClr val="000000"/>
         </a:buClr>
         <a:buFont typeface="Arial"/>
-        <a:defRPr b="0" i="0" sz="1400" u="none" cap="none" strike="noStrike">
+        <a:defRPr sz="1400" b="0" i="0" u="none" strike="noStrike" cap="none">
           <a:solidFill>
             <a:srgbClr val="000000"/>
           </a:solidFill>
@@ -6586,7 +6610,7 @@
           <a:sym typeface="Arial"/>
         </a:defRPr>
       </a:lvl6pPr>
-      <a:lvl7pPr lvl="6" marR="0" rtl="0" algn="l">
+      <a:lvl7pPr marR="0" lvl="6" algn="l" rtl="0">
         <a:lnSpc>
           <a:spcPct val="100000"/>
         </a:lnSpc>
@@ -6600,7 +6624,7 @@
           <a:srgbClr val="000000"/>
         </a:buClr>
         <a:buFont typeface="Arial"/>
-        <a:defRPr b="0" i="0" sz="1400" u="none" cap="none" strike="noStrike">
+        <a:defRPr sz="1400" b="0" i="0" u="none" strike="noStrike" cap="none">
           <a:solidFill>
             <a:srgbClr val="000000"/>
           </a:solidFill>
@@ -6610,7 +6634,7 @@
           <a:sym typeface="Arial"/>
         </a:defRPr>
       </a:lvl7pPr>
-      <a:lvl8pPr lvl="7" marR="0" rtl="0" algn="l">
+      <a:lvl8pPr marR="0" lvl="7" algn="l" rtl="0">
         <a:lnSpc>
           <a:spcPct val="100000"/>
         </a:lnSpc>
@@ -6624,7 +6648,7 @@
           <a:srgbClr val="000000"/>
         </a:buClr>
         <a:buFont typeface="Arial"/>
-        <a:defRPr b="0" i="0" sz="1400" u="none" cap="none" strike="noStrike">
+        <a:defRPr sz="1400" b="0" i="0" u="none" strike="noStrike" cap="none">
           <a:solidFill>
             <a:srgbClr val="000000"/>
           </a:solidFill>
@@ -6634,7 +6658,7 @@
           <a:sym typeface="Arial"/>
         </a:defRPr>
       </a:lvl8pPr>
-      <a:lvl9pPr lvl="8" marR="0" rtl="0" algn="l">
+      <a:lvl9pPr marR="0" lvl="8" algn="l" rtl="0">
         <a:lnSpc>
           <a:spcPct val="100000"/>
         </a:lnSpc>
@@ -6648,7 +6672,7 @@
           <a:srgbClr val="000000"/>
         </a:buClr>
         <a:buFont typeface="Arial"/>
-        <a:defRPr b="0" i="0" sz="1400" u="none" cap="none" strike="noStrike">
+        <a:defRPr sz="1400" b="0" i="0" u="none" strike="noStrike" cap="none">
           <a:solidFill>
             <a:srgbClr val="000000"/>
           </a:solidFill>
@@ -6664,11 +6688,11 @@
 </file>
 
 <file path=ppt/slides/slide1.xml><?xml version="1.0" encoding="utf-8"?>
-<p:sld xmlns:a="http://schemas.openxmlformats.org/drawingml/2006/main" xmlns:r="http://schemas.openxmlformats.org/officeDocument/2006/relationships" xmlns:mc="http://schemas.openxmlformats.org/markup-compatibility/2006" xmlns:mv="urn:schemas-microsoft-com:mac:vml" xmlns:p="http://schemas.openxmlformats.org/presentationml/2006/main" xmlns:c="http://schemas.openxmlformats.org/drawingml/2006/chart" xmlns:dgm="http://schemas.openxmlformats.org/drawingml/2006/diagram" xmlns:o="urn:schemas-microsoft-com:office:office" xmlns:v="urn:schemas-microsoft-com:vml" xmlns:pvml="urn:schemas-microsoft-com:office:powerpoint" xmlns:com="http://schemas.openxmlformats.org/drawingml/2006/compatibility" xmlns:p14="http://schemas.microsoft.com/office/powerpoint/2010/main" xmlns:p15="http://schemas.microsoft.com/office/powerpoint/2012/main" xmlns:ahyp="http://schemas.microsoft.com/office/drawing/2018/hyperlinkcolor">
+<p:sld xmlns:a="http://schemas.openxmlformats.org/drawingml/2006/main" xmlns:r="http://schemas.openxmlformats.org/officeDocument/2006/relationships" xmlns:p="http://schemas.openxmlformats.org/presentationml/2006/main">
   <p:cSld>
     <p:spTree>
       <p:nvGrpSpPr>
-        <p:cNvPr id="55" name="Shape 55"/>
+        <p:cNvPr id="1" name="Shape 55"/>
         <p:cNvGrpSpPr/>
         <p:nvPr/>
       </p:nvGrpSpPr>
@@ -6683,7 +6707,9 @@
       <p:sp>
         <p:nvSpPr>
           <p:cNvPr id="56" name="Google Shape;56;p13"/>
-          <p:cNvSpPr txBox="1"/>
+          <p:cNvSpPr txBox="1">
+            <a:spLocks noGrp="1"/>
+          </p:cNvSpPr>
           <p:nvPr>
             <p:ph type="ctrTitle"/>
           </p:nvPr>
@@ -6698,12 +6724,12 @@
           </a:prstGeom>
         </p:spPr>
         <p:txBody>
-          <a:bodyPr anchorCtr="0" anchor="ctr" bIns="91425" lIns="91425" spcFirstLastPara="1" rIns="91425" wrap="square" tIns="91425">
+          <a:bodyPr spcFirstLastPara="1" wrap="square" lIns="91425" tIns="91425" rIns="91425" bIns="91425" anchor="ctr" anchorCtr="0">
             <a:normAutofit/>
           </a:bodyPr>
           <a:lstStyle/>
           <a:p>
-            <a:pPr indent="0" lvl="0" marL="0" rtl="0" algn="ctr">
+            <a:pPr marL="0" lvl="0" indent="0" algn="ctr" rtl="0">
               <a:spcBef>
                 <a:spcPts val="0"/>
               </a:spcBef>
@@ -6723,9 +6749,11 @@
       <p:sp>
         <p:nvSpPr>
           <p:cNvPr id="57" name="Google Shape;57;p13"/>
-          <p:cNvSpPr txBox="1"/>
+          <p:cNvSpPr txBox="1">
+            <a:spLocks noGrp="1"/>
+          </p:cNvSpPr>
           <p:nvPr>
-            <p:ph idx="1" type="subTitle"/>
+            <p:ph type="subTitle" idx="1"/>
           </p:nvPr>
         </p:nvSpPr>
         <p:spPr>
@@ -6738,12 +6766,12 @@
           </a:prstGeom>
         </p:spPr>
         <p:txBody>
-          <a:bodyPr anchorCtr="0" anchor="ctr" bIns="91425" lIns="91425" spcFirstLastPara="1" rIns="91425" wrap="square" tIns="91425">
+          <a:bodyPr spcFirstLastPara="1" wrap="square" lIns="91425" tIns="91425" rIns="91425" bIns="91425" anchor="ctr" anchorCtr="0">
             <a:normAutofit/>
           </a:bodyPr>
           <a:lstStyle/>
           <a:p>
-            <a:pPr indent="0" lvl="0" marL="0" rtl="0" algn="ctr">
+            <a:pPr marL="0" lvl="0" indent="0" algn="ctr" rtl="0">
               <a:spcBef>
                 <a:spcPts val="0"/>
               </a:spcBef>
@@ -6769,11 +6797,11 @@
 </file>
 
 <file path=ppt/slides/slide2.xml><?xml version="1.0" encoding="utf-8"?>
-<p:sld xmlns:a="http://schemas.openxmlformats.org/drawingml/2006/main" xmlns:r="http://schemas.openxmlformats.org/officeDocument/2006/relationships" xmlns:mc="http://schemas.openxmlformats.org/markup-compatibility/2006" xmlns:mv="urn:schemas-microsoft-com:mac:vml" xmlns:p="http://schemas.openxmlformats.org/presentationml/2006/main" xmlns:c="http://schemas.openxmlformats.org/drawingml/2006/chart" xmlns:dgm="http://schemas.openxmlformats.org/drawingml/2006/diagram" xmlns:o="urn:schemas-microsoft-com:office:office" xmlns:v="urn:schemas-microsoft-com:vml" xmlns:pvml="urn:schemas-microsoft-com:office:powerpoint" xmlns:com="http://schemas.openxmlformats.org/drawingml/2006/compatibility" xmlns:p14="http://schemas.microsoft.com/office/powerpoint/2010/main" xmlns:p15="http://schemas.microsoft.com/office/powerpoint/2012/main" xmlns:ahyp="http://schemas.microsoft.com/office/drawing/2018/hyperlinkcolor">
+<p:sld xmlns:a="http://schemas.openxmlformats.org/drawingml/2006/main" xmlns:r="http://schemas.openxmlformats.org/officeDocument/2006/relationships" xmlns:p="http://schemas.openxmlformats.org/presentationml/2006/main">
   <p:cSld>
     <p:spTree>
       <p:nvGrpSpPr>
-        <p:cNvPr id="61" name="Shape 61"/>
+        <p:cNvPr id="1" name="Shape 67"/>
         <p:cNvGrpSpPr/>
         <p:nvPr/>
       </p:nvGrpSpPr>
@@ -6787,8 +6815,10 @@
       </p:grpSpPr>
       <p:sp>
         <p:nvSpPr>
-          <p:cNvPr id="62" name="Google Shape;62;p14"/>
-          <p:cNvSpPr txBox="1"/>
+          <p:cNvPr id="68" name="Google Shape;68;p15"/>
+          <p:cNvSpPr txBox="1">
+            <a:spLocks noGrp="1"/>
+          </p:cNvSpPr>
           <p:nvPr>
             <p:ph type="title"/>
           </p:nvPr>
@@ -6803,12 +6833,12 @@
           </a:prstGeom>
         </p:spPr>
         <p:txBody>
-          <a:bodyPr anchorCtr="0" anchor="t" bIns="91425" lIns="91425" spcFirstLastPara="1" rIns="91425" wrap="square" tIns="91425">
+          <a:bodyPr spcFirstLastPara="1" wrap="square" lIns="91425" tIns="91425" rIns="91425" bIns="91425" anchor="t" anchorCtr="0">
             <a:normAutofit fontScale="90000"/>
           </a:bodyPr>
           <a:lstStyle/>
           <a:p>
-            <a:pPr indent="0" lvl="0" marL="0" rtl="0" algn="l">
+            <a:pPr marL="0" lvl="0" indent="0" algn="l" rtl="0">
               <a:spcBef>
                 <a:spcPts val="0"/>
               </a:spcBef>
@@ -6819,7 +6849,7 @@
             </a:pPr>
             <a:r>
               <a:rPr lang="ru"/>
-              <a:t>Введение</a:t>
+              <a:t>Начало работы	</a:t>
             </a:r>
             <a:endParaRPr/>
           </a:p>
@@ -6827,10 +6857,12 @@
       </p:sp>
       <p:sp>
         <p:nvSpPr>
-          <p:cNvPr id="63" name="Google Shape;63;p14"/>
-          <p:cNvSpPr txBox="1"/>
+          <p:cNvPr id="69" name="Google Shape;69;p15"/>
+          <p:cNvSpPr txBox="1">
+            <a:spLocks noGrp="1"/>
+          </p:cNvSpPr>
           <p:nvPr>
-            <p:ph idx="1" type="body"/>
+            <p:ph type="body" idx="1"/>
           </p:nvPr>
         </p:nvSpPr>
         <p:spPr>
@@ -6843,23 +6875,122 @@
           </a:prstGeom>
         </p:spPr>
         <p:txBody>
-          <a:bodyPr anchorCtr="0" anchor="t" bIns="91425" lIns="91425" spcFirstLastPara="1" rIns="91425" wrap="square" tIns="91425">
-            <a:normAutofit/>
+          <a:bodyPr spcFirstLastPara="1" wrap="square" lIns="91425" tIns="91425" rIns="91425" bIns="91425" anchor="t" anchorCtr="0">
+            <a:normAutofit lnSpcReduction="10000"/>
           </a:bodyPr>
           <a:lstStyle/>
           <a:p>
-            <a:pPr indent="0" lvl="0" marL="0" rtl="0" algn="l">
-              <a:spcBef>
-                <a:spcPts val="0"/>
-              </a:spcBef>
-              <a:spcAft>
-                <a:spcPts val="1200"/>
-              </a:spcAft>
-              <a:buNone/>
+            <a:pPr marL="457200" lvl="0" indent="-342900" algn="l" rtl="0">
+              <a:spcBef>
+                <a:spcPts val="0"/>
+              </a:spcBef>
+              <a:spcAft>
+                <a:spcPts val="0"/>
+              </a:spcAft>
+              <a:buSzPts val="1800"/>
+              <a:buAutoNum type="arabicPeriod"/>
             </a:pPr>
             <a:r>
-              <a:t/>
+              <a:rPr lang="ru"/>
+              <a:t>Поиск ресурсов в открытом доступе для получения игровых спрайтов</a:t>
             </a:r>
+            <a:endParaRPr/>
+          </a:p>
+          <a:p>
+            <a:pPr marL="457200" lvl="0" indent="-342900" algn="l" rtl="0">
+              <a:spcBef>
+                <a:spcPts val="0"/>
+              </a:spcBef>
+              <a:spcAft>
+                <a:spcPts val="0"/>
+              </a:spcAft>
+              <a:buSzPts val="1800"/>
+              <a:buAutoNum type="arabicPeriod"/>
+            </a:pPr>
+            <a:r>
+              <a:rPr lang="ru"/>
+              <a:t>Создание базовых классов таких как Game, Sprite, Coin, Player, Camera</a:t>
+            </a:r>
+            <a:endParaRPr/>
+          </a:p>
+          <a:p>
+            <a:pPr marL="457200" lvl="0" indent="-342900" algn="l" rtl="0">
+              <a:spcBef>
+                <a:spcPts val="0"/>
+              </a:spcBef>
+              <a:spcAft>
+                <a:spcPts val="0"/>
+              </a:spcAft>
+              <a:buSzPts val="1800"/>
+              <a:buAutoNum type="arabicPeriod"/>
+            </a:pPr>
+            <a:r>
+              <a:rPr lang="ru"/>
+              <a:t>Создание карт</a:t>
+            </a:r>
+            <a:endParaRPr/>
+          </a:p>
+          <a:p>
+            <a:pPr marL="457200" lvl="0" indent="-342900" algn="l" rtl="0">
+              <a:spcBef>
+                <a:spcPts val="0"/>
+              </a:spcBef>
+              <a:spcAft>
+                <a:spcPts val="0"/>
+              </a:spcAft>
+              <a:buSzPts val="1800"/>
+              <a:buAutoNum type="arabicPeriod"/>
+            </a:pPr>
+            <a:r>
+              <a:rPr lang="ru"/>
+              <a:t>Переход между окнами Menu и Game в основном классе Menu</a:t>
+            </a:r>
+            <a:endParaRPr/>
+          </a:p>
+          <a:p>
+            <a:pPr marL="457200" lvl="0" indent="-342900" algn="l" rtl="0">
+              <a:spcBef>
+                <a:spcPts val="0"/>
+              </a:spcBef>
+              <a:spcAft>
+                <a:spcPts val="0"/>
+              </a:spcAft>
+              <a:buSzPts val="1800"/>
+              <a:buAutoNum type="arabicPeriod"/>
+            </a:pPr>
+            <a:r>
+              <a:rPr lang="ru"/>
+              <a:t>Обрисовка изображений заднего фона и логотипа</a:t>
+            </a:r>
+            <a:endParaRPr/>
+          </a:p>
+          <a:p>
+            <a:pPr marL="457200" lvl="0" indent="-342900" algn="l" rtl="0">
+              <a:spcBef>
+                <a:spcPts val="0"/>
+              </a:spcBef>
+              <a:spcAft>
+                <a:spcPts val="0"/>
+              </a:spcAft>
+              <a:buSzPts val="1800"/>
+              <a:buAutoNum type="arabicPeriod"/>
+            </a:pPr>
+            <a:r>
+              <a:rPr lang="ru"/>
+              <a:t>Разделение кода по файлам в зависимости от задач (main, game, parents, config  и т. д.)</a:t>
+            </a:r>
+            <a:endParaRPr/>
+          </a:p>
+          <a:p>
+            <a:pPr marL="0" lvl="0" indent="0" algn="l" rtl="0">
+              <a:spcBef>
+                <a:spcPts val="1200"/>
+              </a:spcBef>
+              <a:spcAft>
+                <a:spcPts val="1200"/>
+              </a:spcAft>
+              <a:buNone/>
+            </a:pPr>
             <a:endParaRPr/>
           </a:p>
         </p:txBody>
@@ -6873,11 +7004,11 @@
 </file>
 
 <file path=ppt/slides/slide3.xml><?xml version="1.0" encoding="utf-8"?>
-<p:sld xmlns:a="http://schemas.openxmlformats.org/drawingml/2006/main" xmlns:r="http://schemas.openxmlformats.org/officeDocument/2006/relationships" xmlns:mc="http://schemas.openxmlformats.org/markup-compatibility/2006" xmlns:mv="urn:schemas-microsoft-com:mac:vml" xmlns:p="http://schemas.openxmlformats.org/presentationml/2006/main" xmlns:c="http://schemas.openxmlformats.org/drawingml/2006/chart" xmlns:dgm="http://schemas.openxmlformats.org/drawingml/2006/diagram" xmlns:o="urn:schemas-microsoft-com:office:office" xmlns:v="urn:schemas-microsoft-com:vml" xmlns:pvml="urn:schemas-microsoft-com:office:powerpoint" xmlns:com="http://schemas.openxmlformats.org/drawingml/2006/compatibility" xmlns:p14="http://schemas.microsoft.com/office/powerpoint/2010/main" xmlns:p15="http://schemas.microsoft.com/office/powerpoint/2012/main" xmlns:ahyp="http://schemas.microsoft.com/office/drawing/2018/hyperlinkcolor">
+<p:sld xmlns:a="http://schemas.openxmlformats.org/drawingml/2006/main" xmlns:r="http://schemas.openxmlformats.org/officeDocument/2006/relationships" xmlns:p="http://schemas.openxmlformats.org/presentationml/2006/main">
   <p:cSld>
     <p:spTree>
       <p:nvGrpSpPr>
-        <p:cNvPr id="67" name="Shape 67"/>
+        <p:cNvPr id="1" name="Shape 73"/>
         <p:cNvGrpSpPr/>
         <p:nvPr/>
       </p:nvGrpSpPr>
@@ -6891,8 +7022,10 @@
       </p:grpSpPr>
       <p:sp>
         <p:nvSpPr>
-          <p:cNvPr id="68" name="Google Shape;68;p15"/>
-          <p:cNvSpPr txBox="1"/>
+          <p:cNvPr id="74" name="Google Shape;74;p16"/>
+          <p:cNvSpPr txBox="1">
+            <a:spLocks noGrp="1"/>
+          </p:cNvSpPr>
           <p:nvPr>
             <p:ph type="title"/>
           </p:nvPr>
@@ -6907,12 +7040,12 @@
           </a:prstGeom>
         </p:spPr>
         <p:txBody>
-          <a:bodyPr anchorCtr="0" anchor="t" bIns="91425" lIns="91425" spcFirstLastPara="1" rIns="91425" wrap="square" tIns="91425">
+          <a:bodyPr spcFirstLastPara="1" wrap="square" lIns="91425" tIns="91425" rIns="91425" bIns="91425" anchor="t" anchorCtr="0">
             <a:normAutofit fontScale="90000"/>
           </a:bodyPr>
           <a:lstStyle/>
           <a:p>
-            <a:pPr indent="0" lvl="0" marL="0" rtl="0" algn="l">
+            <a:pPr marL="0" lvl="0" indent="0" algn="l" rtl="0">
               <a:spcBef>
                 <a:spcPts val="0"/>
               </a:spcBef>
@@ -6923,7 +7056,7 @@
             </a:pPr>
             <a:r>
               <a:rPr lang="ru"/>
-              <a:t>Начало работы	</a:t>
+              <a:t>Дизайн</a:t>
             </a:r>
             <a:endParaRPr/>
           </a:p>
@@ -6931,10 +7064,12 @@
       </p:sp>
       <p:sp>
         <p:nvSpPr>
-          <p:cNvPr id="69" name="Google Shape;69;p15"/>
-          <p:cNvSpPr txBox="1"/>
+          <p:cNvPr id="75" name="Google Shape;75;p16"/>
+          <p:cNvSpPr txBox="1">
+            <a:spLocks noGrp="1"/>
+          </p:cNvSpPr>
           <p:nvPr>
-            <p:ph idx="1" type="body"/>
+            <p:ph type="body" idx="1"/>
           </p:nvPr>
         </p:nvSpPr>
         <p:spPr>
@@ -6947,218 +7082,12 @@
           </a:prstGeom>
         </p:spPr>
         <p:txBody>
-          <a:bodyPr anchorCtr="0" anchor="t" bIns="91425" lIns="91425" spcFirstLastPara="1" rIns="91425" wrap="square" tIns="91425">
-            <a:normAutofit lnSpcReduction="10000"/>
-          </a:bodyPr>
-          <a:lstStyle/>
-          <a:p>
-            <a:pPr indent="-342900" lvl="0" marL="457200" rtl="0" algn="l">
-              <a:spcBef>
-                <a:spcPts val="0"/>
-              </a:spcBef>
-              <a:spcAft>
-                <a:spcPts val="0"/>
-              </a:spcAft>
-              <a:buSzPts val="1800"/>
-              <a:buAutoNum type="arabicPeriod"/>
-            </a:pPr>
-            <a:r>
-              <a:rPr lang="ru"/>
-              <a:t>Поиск ресурсов в открытом доступе для получения игровых спрайтов</a:t>
-            </a:r>
-            <a:endParaRPr/>
-          </a:p>
-          <a:p>
-            <a:pPr indent="-342900" lvl="0" marL="457200" rtl="0" algn="l">
-              <a:spcBef>
-                <a:spcPts val="0"/>
-              </a:spcBef>
-              <a:spcAft>
-                <a:spcPts val="0"/>
-              </a:spcAft>
-              <a:buSzPts val="1800"/>
-              <a:buAutoNum type="arabicPeriod"/>
-            </a:pPr>
-            <a:r>
-              <a:rPr lang="ru"/>
-              <a:t>Создание базовых классов таких как Game, Sprite, Coin, Player, Camera</a:t>
-            </a:r>
-            <a:endParaRPr/>
-          </a:p>
-          <a:p>
-            <a:pPr indent="-342900" lvl="0" marL="457200" rtl="0" algn="l">
-              <a:spcBef>
-                <a:spcPts val="0"/>
-              </a:spcBef>
-              <a:spcAft>
-                <a:spcPts val="0"/>
-              </a:spcAft>
-              <a:buSzPts val="1800"/>
-              <a:buAutoNum type="arabicPeriod"/>
-            </a:pPr>
-            <a:r>
-              <a:rPr lang="ru"/>
-              <a:t>Создание карт</a:t>
-            </a:r>
-            <a:endParaRPr/>
-          </a:p>
-          <a:p>
-            <a:pPr indent="-342900" lvl="0" marL="457200" rtl="0" algn="l">
-              <a:spcBef>
-                <a:spcPts val="0"/>
-              </a:spcBef>
-              <a:spcAft>
-                <a:spcPts val="0"/>
-              </a:spcAft>
-              <a:buSzPts val="1800"/>
-              <a:buAutoNum type="arabicPeriod"/>
-            </a:pPr>
-            <a:r>
-              <a:rPr lang="ru"/>
-              <a:t>Переход между окнами Menu и Game в основном классе Menu</a:t>
-            </a:r>
-            <a:endParaRPr/>
-          </a:p>
-          <a:p>
-            <a:pPr indent="-342900" lvl="0" marL="457200" rtl="0" algn="l">
-              <a:spcBef>
-                <a:spcPts val="0"/>
-              </a:spcBef>
-              <a:spcAft>
-                <a:spcPts val="0"/>
-              </a:spcAft>
-              <a:buSzPts val="1800"/>
-              <a:buAutoNum type="arabicPeriod"/>
-            </a:pPr>
-            <a:r>
-              <a:rPr lang="ru"/>
-              <a:t>Обрисовка изображений заднего фона и логотипа</a:t>
-            </a:r>
-            <a:endParaRPr/>
-          </a:p>
-          <a:p>
-            <a:pPr indent="-342900" lvl="0" marL="457200" rtl="0" algn="l">
-              <a:spcBef>
-                <a:spcPts val="0"/>
-              </a:spcBef>
-              <a:spcAft>
-                <a:spcPts val="0"/>
-              </a:spcAft>
-              <a:buSzPts val="1800"/>
-              <a:buAutoNum type="arabicPeriod"/>
-            </a:pPr>
-            <a:r>
-              <a:rPr lang="ru"/>
-              <a:t>Разделение кода по файлам в зависимости от задач (main, game, parents, config  и т. д.)</a:t>
-            </a:r>
-            <a:endParaRPr/>
-          </a:p>
-          <a:p>
-            <a:pPr indent="0" lvl="0" marL="0" rtl="0" algn="l">
-              <a:spcBef>
-                <a:spcPts val="1200"/>
-              </a:spcBef>
-              <a:spcAft>
-                <a:spcPts val="1200"/>
-              </a:spcAft>
-              <a:buNone/>
-            </a:pPr>
-            <a:r>
-              <a:t/>
-            </a:r>
-            <a:endParaRPr/>
-          </a:p>
-        </p:txBody>
-      </p:sp>
-    </p:spTree>
-  </p:cSld>
-  <p:clrMapOvr>
-    <a:masterClrMapping/>
-  </p:clrMapOvr>
-</p:sld>
-</file>
-
-<file path=ppt/slides/slide4.xml><?xml version="1.0" encoding="utf-8"?>
-<p:sld xmlns:a="http://schemas.openxmlformats.org/drawingml/2006/main" xmlns:r="http://schemas.openxmlformats.org/officeDocument/2006/relationships" xmlns:mc="http://schemas.openxmlformats.org/markup-compatibility/2006" xmlns:mv="urn:schemas-microsoft-com:mac:vml" xmlns:p="http://schemas.openxmlformats.org/presentationml/2006/main" xmlns:c="http://schemas.openxmlformats.org/drawingml/2006/chart" xmlns:dgm="http://schemas.openxmlformats.org/drawingml/2006/diagram" xmlns:o="urn:schemas-microsoft-com:office:office" xmlns:v="urn:schemas-microsoft-com:vml" xmlns:pvml="urn:schemas-microsoft-com:office:powerpoint" xmlns:com="http://schemas.openxmlformats.org/drawingml/2006/compatibility" xmlns:p14="http://schemas.microsoft.com/office/powerpoint/2010/main" xmlns:p15="http://schemas.microsoft.com/office/powerpoint/2012/main" xmlns:ahyp="http://schemas.microsoft.com/office/drawing/2018/hyperlinkcolor">
-  <p:cSld>
-    <p:spTree>
-      <p:nvGrpSpPr>
-        <p:cNvPr id="73" name="Shape 73"/>
-        <p:cNvGrpSpPr/>
-        <p:nvPr/>
-      </p:nvGrpSpPr>
-      <p:grpSpPr>
-        <a:xfrm>
-          <a:off x="0" y="0"/>
-          <a:ext cx="0" cy="0"/>
-          <a:chOff x="0" y="0"/>
-          <a:chExt cx="0" cy="0"/>
-        </a:xfrm>
-      </p:grpSpPr>
-      <p:sp>
-        <p:nvSpPr>
-          <p:cNvPr id="74" name="Google Shape;74;p16"/>
-          <p:cNvSpPr txBox="1"/>
-          <p:nvPr>
-            <p:ph type="title"/>
-          </p:nvPr>
-        </p:nvSpPr>
-        <p:spPr>
-          <a:xfrm>
-            <a:off x="311700" y="292850"/>
-            <a:ext cx="8520600" cy="801000"/>
-          </a:xfrm>
-          <a:prstGeom prst="rect">
-            <a:avLst/>
-          </a:prstGeom>
-        </p:spPr>
-        <p:txBody>
-          <a:bodyPr anchorCtr="0" anchor="t" bIns="91425" lIns="91425" spcFirstLastPara="1" rIns="91425" wrap="square" tIns="91425">
-            <a:normAutofit fontScale="90000"/>
-          </a:bodyPr>
-          <a:lstStyle/>
-          <a:p>
-            <a:pPr indent="0" lvl="0" marL="0" rtl="0" algn="l">
-              <a:spcBef>
-                <a:spcPts val="0"/>
-              </a:spcBef>
-              <a:spcAft>
-                <a:spcPts val="0"/>
-              </a:spcAft>
-              <a:buNone/>
-            </a:pPr>
-            <a:r>
-              <a:rPr lang="ru"/>
-              <a:t>Дизайн</a:t>
-            </a:r>
-            <a:endParaRPr/>
-          </a:p>
-        </p:txBody>
-      </p:sp>
-      <p:sp>
-        <p:nvSpPr>
-          <p:cNvPr id="75" name="Google Shape;75;p16"/>
-          <p:cNvSpPr txBox="1"/>
-          <p:nvPr>
-            <p:ph idx="1" type="body"/>
-          </p:nvPr>
-        </p:nvSpPr>
-        <p:spPr>
-          <a:xfrm>
-            <a:off x="311700" y="1228675"/>
-            <a:ext cx="8520600" cy="3340200"/>
-          </a:xfrm>
-          <a:prstGeom prst="rect">
-            <a:avLst/>
-          </a:prstGeom>
-        </p:spPr>
-        <p:txBody>
-          <a:bodyPr anchorCtr="0" anchor="t" bIns="91425" lIns="91425" spcFirstLastPara="1" rIns="91425" wrap="square" tIns="91425">
+          <a:bodyPr spcFirstLastPara="1" wrap="square" lIns="91425" tIns="91425" rIns="91425" bIns="91425" anchor="t" anchorCtr="0">
             <a:normAutofit/>
           </a:bodyPr>
           <a:lstStyle/>
           <a:p>
-            <a:pPr indent="0" lvl="0" marL="0" rtl="0" algn="l">
+            <a:pPr marL="0" lvl="0" indent="0" algn="l" rtl="0">
               <a:spcBef>
                 <a:spcPts val="0"/>
               </a:spcBef>
@@ -7167,9 +7096,6 @@
               </a:spcAft>
               <a:buNone/>
             </a:pPr>
-            <a:r>
-              <a:t/>
-            </a:r>
             <a:endParaRPr/>
           </a:p>
         </p:txBody>
@@ -7238,12 +7164,12 @@
 </p:sld>
 </file>
 
-<file path=ppt/slides/slide5.xml><?xml version="1.0" encoding="utf-8"?>
-<p:sld xmlns:a="http://schemas.openxmlformats.org/drawingml/2006/main" xmlns:r="http://schemas.openxmlformats.org/officeDocument/2006/relationships" xmlns:mc="http://schemas.openxmlformats.org/markup-compatibility/2006" xmlns:mv="urn:schemas-microsoft-com:mac:vml" xmlns:p="http://schemas.openxmlformats.org/presentationml/2006/main" xmlns:c="http://schemas.openxmlformats.org/drawingml/2006/chart" xmlns:dgm="http://schemas.openxmlformats.org/drawingml/2006/diagram" xmlns:o="urn:schemas-microsoft-com:office:office" xmlns:v="urn:schemas-microsoft-com:vml" xmlns:pvml="urn:schemas-microsoft-com:office:powerpoint" xmlns:com="http://schemas.openxmlformats.org/drawingml/2006/compatibility" xmlns:p14="http://schemas.microsoft.com/office/powerpoint/2010/main" xmlns:p15="http://schemas.microsoft.com/office/powerpoint/2012/main" xmlns:ahyp="http://schemas.microsoft.com/office/drawing/2018/hyperlinkcolor">
+<file path=ppt/slides/slide4.xml><?xml version="1.0" encoding="utf-8"?>
+<p:sld xmlns:a="http://schemas.openxmlformats.org/drawingml/2006/main" xmlns:r="http://schemas.openxmlformats.org/officeDocument/2006/relationships" xmlns:p="http://schemas.openxmlformats.org/presentationml/2006/main">
   <p:cSld>
     <p:spTree>
       <p:nvGrpSpPr>
-        <p:cNvPr id="81" name="Shape 81"/>
+        <p:cNvPr id="1" name="Shape 81"/>
         <p:cNvGrpSpPr/>
         <p:nvPr/>
       </p:nvGrpSpPr>
@@ -7258,7 +7184,9 @@
       <p:sp>
         <p:nvSpPr>
           <p:cNvPr id="82" name="Google Shape;82;p17"/>
-          <p:cNvSpPr txBox="1"/>
+          <p:cNvSpPr txBox="1">
+            <a:spLocks noGrp="1"/>
+          </p:cNvSpPr>
           <p:nvPr>
             <p:ph type="title"/>
           </p:nvPr>
@@ -7273,12 +7201,12 @@
           </a:prstGeom>
         </p:spPr>
         <p:txBody>
-          <a:bodyPr anchorCtr="0" anchor="t" bIns="91425" lIns="91425" spcFirstLastPara="1" rIns="91425" wrap="square" tIns="91425">
+          <a:bodyPr spcFirstLastPara="1" wrap="square" lIns="91425" tIns="91425" rIns="91425" bIns="91425" anchor="t" anchorCtr="0">
             <a:normAutofit fontScale="90000"/>
           </a:bodyPr>
           <a:lstStyle/>
           <a:p>
-            <a:pPr indent="0" lvl="0" marL="0" rtl="0" algn="l">
+            <a:pPr marL="0" lvl="0" indent="0" algn="l" rtl="0">
               <a:spcBef>
                 <a:spcPts val="0"/>
               </a:spcBef>
@@ -7298,9 +7226,11 @@
       <p:sp>
         <p:nvSpPr>
           <p:cNvPr id="83" name="Google Shape;83;p17"/>
-          <p:cNvSpPr txBox="1"/>
+          <p:cNvSpPr txBox="1">
+            <a:spLocks noGrp="1"/>
+          </p:cNvSpPr>
           <p:nvPr>
-            <p:ph idx="1" type="body"/>
+            <p:ph type="body" idx="1"/>
           </p:nvPr>
         </p:nvSpPr>
         <p:spPr>
@@ -7313,12 +7243,12 @@
           </a:prstGeom>
         </p:spPr>
         <p:txBody>
-          <a:bodyPr anchorCtr="0" anchor="t" bIns="91425" lIns="91425" spcFirstLastPara="1" rIns="91425" wrap="square" tIns="91425">
+          <a:bodyPr spcFirstLastPara="1" wrap="square" lIns="91425" tIns="91425" rIns="91425" bIns="91425" anchor="t" anchorCtr="0">
             <a:normAutofit/>
           </a:bodyPr>
           <a:lstStyle/>
           <a:p>
-            <a:pPr indent="0" lvl="0" marL="0" rtl="0" algn="l">
+            <a:pPr marL="0" lvl="0" indent="0" algn="l" rtl="0">
               <a:spcBef>
                 <a:spcPts val="0"/>
               </a:spcBef>
@@ -7343,12 +7273,12 @@
 </p:sld>
 </file>
 
-<file path=ppt/slides/slide6.xml><?xml version="1.0" encoding="utf-8"?>
-<p:sld xmlns:a="http://schemas.openxmlformats.org/drawingml/2006/main" xmlns:r="http://schemas.openxmlformats.org/officeDocument/2006/relationships" xmlns:mc="http://schemas.openxmlformats.org/markup-compatibility/2006" xmlns:mv="urn:schemas-microsoft-com:mac:vml" xmlns:p="http://schemas.openxmlformats.org/presentationml/2006/main" xmlns:c="http://schemas.openxmlformats.org/drawingml/2006/chart" xmlns:dgm="http://schemas.openxmlformats.org/drawingml/2006/diagram" xmlns:o="urn:schemas-microsoft-com:office:office" xmlns:v="urn:schemas-microsoft-com:vml" xmlns:pvml="urn:schemas-microsoft-com:office:powerpoint" xmlns:com="http://schemas.openxmlformats.org/drawingml/2006/compatibility" xmlns:p14="http://schemas.microsoft.com/office/powerpoint/2010/main" xmlns:p15="http://schemas.microsoft.com/office/powerpoint/2012/main" xmlns:ahyp="http://schemas.microsoft.com/office/drawing/2018/hyperlinkcolor">
+<file path=ppt/slides/slide5.xml><?xml version="1.0" encoding="utf-8"?>
+<p:sld xmlns:a="http://schemas.openxmlformats.org/drawingml/2006/main" xmlns:r="http://schemas.openxmlformats.org/officeDocument/2006/relationships" xmlns:p="http://schemas.openxmlformats.org/presentationml/2006/main">
   <p:cSld>
     <p:spTree>
       <p:nvGrpSpPr>
-        <p:cNvPr id="87" name="Shape 87"/>
+        <p:cNvPr id="1" name="Shape 87"/>
         <p:cNvGrpSpPr/>
         <p:nvPr/>
       </p:nvGrpSpPr>
@@ -7363,7 +7293,9 @@
       <p:sp>
         <p:nvSpPr>
           <p:cNvPr id="88" name="Google Shape;88;p18"/>
-          <p:cNvSpPr txBox="1"/>
+          <p:cNvSpPr txBox="1">
+            <a:spLocks noGrp="1"/>
+          </p:cNvSpPr>
           <p:nvPr>
             <p:ph type="title"/>
           </p:nvPr>
@@ -7378,12 +7310,12 @@
           </a:prstGeom>
         </p:spPr>
         <p:txBody>
-          <a:bodyPr anchorCtr="0" anchor="ctr" bIns="91425" lIns="91425" spcFirstLastPara="1" rIns="91425" wrap="square" tIns="91425">
+          <a:bodyPr spcFirstLastPara="1" wrap="square" lIns="91425" tIns="91425" rIns="91425" bIns="91425" anchor="ctr" anchorCtr="0">
             <a:normAutofit/>
           </a:bodyPr>
           <a:lstStyle/>
           <a:p>
-            <a:pPr indent="0" lvl="0" marL="0" rtl="0" algn="ctr">
+            <a:pPr marL="0" lvl="0" indent="0" algn="ctr" rtl="0">
               <a:spcBef>
                 <a:spcPts val="0"/>
               </a:spcBef>
@@ -7409,7 +7341,288 @@
 </file>
 
 <file path=ppt/theme/theme1.xml><?xml version="1.0" encoding="utf-8"?>
-<a:theme xmlns:a="http://schemas.openxmlformats.org/drawingml/2006/main" xmlns:r="http://schemas.openxmlformats.org/officeDocument/2006/relationships">
+<a:theme xmlns:a="http://schemas.openxmlformats.org/drawingml/2006/main" name="Beach Day">
+  <a:themeElements>
+    <a:clrScheme name="Beach Day">
+      <a:dk1>
+        <a:srgbClr val="00FDC8"/>
+      </a:dk1>
+      <a:lt1>
+        <a:srgbClr val="FFFFFF"/>
+      </a:lt1>
+      <a:dk2>
+        <a:srgbClr val="666666"/>
+      </a:dk2>
+      <a:lt2>
+        <a:srgbClr val="EEEEEE"/>
+      </a:lt2>
+      <a:accent1>
+        <a:srgbClr val="212121"/>
+      </a:accent1>
+      <a:accent2>
+        <a:srgbClr val="455A64"/>
+      </a:accent2>
+      <a:accent3>
+        <a:srgbClr val="78909C"/>
+      </a:accent3>
+      <a:accent4>
+        <a:srgbClr val="7C7CE0"/>
+      </a:accent4>
+      <a:accent5>
+        <a:srgbClr val="DB4437"/>
+      </a:accent5>
+      <a:accent6>
+        <a:srgbClr val="F6CD4C"/>
+      </a:accent6>
+      <a:hlink>
+        <a:srgbClr val="DB4437"/>
+      </a:hlink>
+      <a:folHlink>
+        <a:srgbClr val="DB4437"/>
+      </a:folHlink>
+    </a:clrScheme>
+    <a:fontScheme name="Office">
+      <a:majorFont>
+        <a:latin typeface="Arial"/>
+        <a:ea typeface=""/>
+        <a:cs typeface=""/>
+        <a:font script="Jpan" typeface="ＭＳ Ｐゴシック"/>
+        <a:font script="Hang" typeface="맑은 고딕"/>
+        <a:font script="Hans" typeface="宋体"/>
+        <a:font script="Hant" typeface="新細明體"/>
+        <a:font script="Arab" typeface="Times New Roman"/>
+        <a:font script="Hebr" typeface="Times New Roman"/>
+        <a:font script="Thai" typeface="Angsana New"/>
+        <a:font script="Ethi" typeface="Nyala"/>
+        <a:font script="Beng" typeface="Vrinda"/>
+        <a:font script="Gujr" typeface="Shruti"/>
+        <a:font script="Khmr" typeface="MoolBoran"/>
+        <a:font script="Knda" typeface="Tunga"/>
+        <a:font script="Guru" typeface="Raavi"/>
+        <a:font script="Cans" typeface="Euphemia"/>
+        <a:font script="Cher" typeface="Plantagenet Cherokee"/>
+        <a:font script="Yiii" typeface="Microsoft Yi Baiti"/>
+        <a:font script="Tibt" typeface="Microsoft Himalaya"/>
+        <a:font script="Thaa" typeface="MV Boli"/>
+        <a:font script="Deva" typeface="Mangal"/>
+        <a:font script="Telu" typeface="Gautami"/>
+        <a:font script="Taml" typeface="Latha"/>
+        <a:font script="Syrc" typeface="Estrangelo Edessa"/>
+        <a:font script="Orya" typeface="Kalinga"/>
+        <a:font script="Mlym" typeface="Kartika"/>
+        <a:font script="Laoo" typeface="DokChampa"/>
+        <a:font script="Sinh" typeface="Iskoola Pota"/>
+        <a:font script="Mong" typeface="Mongolian Baiti"/>
+        <a:font script="Viet" typeface="Times New Roman"/>
+        <a:font script="Uigh" typeface="Microsoft Uighur"/>
+        <a:font script="Geor" typeface="Sylfaen"/>
+      </a:majorFont>
+      <a:minorFont>
+        <a:latin typeface="Arial"/>
+        <a:ea typeface=""/>
+        <a:cs typeface=""/>
+        <a:font script="Jpan" typeface="ＭＳ Ｐゴシック"/>
+        <a:font script="Hang" typeface="맑은 고딕"/>
+        <a:font script="Hans" typeface="宋体"/>
+        <a:font script="Hant" typeface="新細明體"/>
+        <a:font script="Arab" typeface="Arial"/>
+        <a:font script="Hebr" typeface="Arial"/>
+        <a:font script="Thai" typeface="Cordia New"/>
+        <a:font script="Ethi" typeface="Nyala"/>
+        <a:font script="Beng" typeface="Vrinda"/>
+        <a:font script="Gujr" typeface="Shruti"/>
+        <a:font script="Khmr" typeface="DaunPenh"/>
+        <a:font script="Knda" typeface="Tunga"/>
+        <a:font script="Guru" typeface="Raavi"/>
+        <a:font script="Cans" typeface="Euphemia"/>
+        <a:font script="Cher" typeface="Plantagenet Cherokee"/>
+        <a:font script="Yiii" typeface="Microsoft Yi Baiti"/>
+        <a:font script="Tibt" typeface="Microsoft Himalaya"/>
+        <a:font script="Thaa" typeface="MV Boli"/>
+        <a:font script="Deva" typeface="Mangal"/>
+        <a:font script="Telu" typeface="Gautami"/>
+        <a:font script="Taml" typeface="Latha"/>
+        <a:font script="Syrc" typeface="Estrangelo Edessa"/>
+        <a:font script="Orya" typeface="Kalinga"/>
+        <a:font script="Mlym" typeface="Kartika"/>
+        <a:font script="Laoo" typeface="DokChampa"/>
+        <a:font script="Sinh" typeface="Iskoola Pota"/>
+        <a:font script="Mong" typeface="Mongolian Baiti"/>
+        <a:font script="Viet" typeface="Arial"/>
+        <a:font script="Uigh" typeface="Microsoft Uighur"/>
+        <a:font script="Geor" typeface="Sylfaen"/>
+      </a:minorFont>
+    </a:fontScheme>
+    <a:fmtScheme name="Office">
+      <a:fillStyleLst>
+        <a:solidFill>
+          <a:schemeClr val="phClr"/>
+        </a:solidFill>
+        <a:gradFill rotWithShape="1">
+          <a:gsLst>
+            <a:gs pos="0">
+              <a:schemeClr val="phClr">
+                <a:tint val="50000"/>
+                <a:satMod val="300000"/>
+              </a:schemeClr>
+            </a:gs>
+            <a:gs pos="35000">
+              <a:schemeClr val="phClr">
+                <a:tint val="37000"/>
+                <a:satMod val="300000"/>
+              </a:schemeClr>
+            </a:gs>
+            <a:gs pos="100000">
+              <a:schemeClr val="phClr">
+                <a:tint val="15000"/>
+                <a:satMod val="350000"/>
+              </a:schemeClr>
+            </a:gs>
+          </a:gsLst>
+          <a:lin ang="16200000" scaled="1"/>
+        </a:gradFill>
+        <a:gradFill rotWithShape="1">
+          <a:gsLst>
+            <a:gs pos="0">
+              <a:schemeClr val="phClr">
+                <a:tint val="100000"/>
+                <a:shade val="100000"/>
+                <a:satMod val="130000"/>
+              </a:schemeClr>
+            </a:gs>
+            <a:gs pos="100000">
+              <a:schemeClr val="phClr">
+                <a:tint val="50000"/>
+                <a:shade val="100000"/>
+                <a:satMod val="350000"/>
+              </a:schemeClr>
+            </a:gs>
+          </a:gsLst>
+          <a:lin ang="16200000" scaled="0"/>
+        </a:gradFill>
+      </a:fillStyleLst>
+      <a:lnStyleLst>
+        <a:ln w="9525" cap="flat" cmpd="sng" algn="ctr">
+          <a:solidFill>
+            <a:schemeClr val="phClr">
+              <a:shade val="95000"/>
+              <a:satMod val="105000"/>
+            </a:schemeClr>
+          </a:solidFill>
+          <a:prstDash val="solid"/>
+        </a:ln>
+        <a:ln w="25400" cap="flat" cmpd="sng" algn="ctr">
+          <a:solidFill>
+            <a:schemeClr val="phClr"/>
+          </a:solidFill>
+          <a:prstDash val="solid"/>
+        </a:ln>
+        <a:ln w="38100" cap="flat" cmpd="sng" algn="ctr">
+          <a:solidFill>
+            <a:schemeClr val="phClr"/>
+          </a:solidFill>
+          <a:prstDash val="solid"/>
+        </a:ln>
+      </a:lnStyleLst>
+      <a:effectStyleLst>
+        <a:effectStyle>
+          <a:effectLst>
+            <a:outerShdw blurRad="40000" dist="20000" dir="5400000" rotWithShape="0">
+              <a:srgbClr val="000000">
+                <a:alpha val="38000"/>
+              </a:srgbClr>
+            </a:outerShdw>
+          </a:effectLst>
+        </a:effectStyle>
+        <a:effectStyle>
+          <a:effectLst>
+            <a:outerShdw blurRad="40000" dist="23000" dir="5400000" rotWithShape="0">
+              <a:srgbClr val="000000">
+                <a:alpha val="35000"/>
+              </a:srgbClr>
+            </a:outerShdw>
+          </a:effectLst>
+        </a:effectStyle>
+        <a:effectStyle>
+          <a:effectLst>
+            <a:outerShdw blurRad="40000" dist="23000" dir="5400000" rotWithShape="0">
+              <a:srgbClr val="000000">
+                <a:alpha val="35000"/>
+              </a:srgbClr>
+            </a:outerShdw>
+          </a:effectLst>
+          <a:scene3d>
+            <a:camera prst="orthographicFront">
+              <a:rot lat="0" lon="0" rev="0"/>
+            </a:camera>
+            <a:lightRig rig="threePt" dir="t">
+              <a:rot lat="0" lon="0" rev="1200000"/>
+            </a:lightRig>
+          </a:scene3d>
+          <a:sp3d>
+            <a:bevelT w="63500" h="25400"/>
+          </a:sp3d>
+        </a:effectStyle>
+      </a:effectStyleLst>
+      <a:bgFillStyleLst>
+        <a:solidFill>
+          <a:schemeClr val="phClr"/>
+        </a:solidFill>
+        <a:gradFill rotWithShape="1">
+          <a:gsLst>
+            <a:gs pos="0">
+              <a:schemeClr val="phClr">
+                <a:tint val="40000"/>
+                <a:satMod val="350000"/>
+              </a:schemeClr>
+            </a:gs>
+            <a:gs pos="40000">
+              <a:schemeClr val="phClr">
+                <a:tint val="45000"/>
+                <a:shade val="99000"/>
+                <a:satMod val="350000"/>
+              </a:schemeClr>
+            </a:gs>
+            <a:gs pos="100000">
+              <a:schemeClr val="phClr">
+                <a:shade val="20000"/>
+                <a:satMod val="255000"/>
+              </a:schemeClr>
+            </a:gs>
+          </a:gsLst>
+          <a:path path="circle">
+            <a:fillToRect l="50000" t="-80000" r="50000" b="180000"/>
+          </a:path>
+        </a:gradFill>
+        <a:gradFill rotWithShape="1">
+          <a:gsLst>
+            <a:gs pos="0">
+              <a:schemeClr val="phClr">
+                <a:tint val="80000"/>
+                <a:satMod val="300000"/>
+              </a:schemeClr>
+            </a:gs>
+            <a:gs pos="100000">
+              <a:schemeClr val="phClr">
+                <a:shade val="30000"/>
+                <a:satMod val="200000"/>
+              </a:schemeClr>
+            </a:gs>
+          </a:gsLst>
+          <a:path path="circle">
+            <a:fillToRect l="50000" t="50000" r="50000" b="50000"/>
+          </a:path>
+        </a:gradFill>
+      </a:bgFillStyleLst>
+    </a:fmtScheme>
+  </a:themeElements>
+  <a:objectDefaults/>
+  <a:extraClrSchemeLst/>
+</a:theme>
+</file>
+
+<file path=ppt/theme/theme2.xml><?xml version="1.0" encoding="utf-8"?>
+<a:theme xmlns:a="http://schemas.openxmlformats.org/drawingml/2006/main">
   <a:themeElements>
     <a:clrScheme name="Default">
       <a:dk1>
@@ -7684,284 +7897,7 @@
       </a:bgFillStyleLst>
     </a:fmtScheme>
   </a:themeElements>
-</a:theme>
-</file>
-
-<file path=ppt/theme/theme2.xml><?xml version="1.0" encoding="utf-8"?>
-<a:theme xmlns:a="http://schemas.openxmlformats.org/drawingml/2006/main" xmlns:r="http://schemas.openxmlformats.org/officeDocument/2006/relationships" name="Beach Day">
-  <a:themeElements>
-    <a:clrScheme name="Beach Day">
-      <a:dk1>
-        <a:srgbClr val="00FDC8"/>
-      </a:dk1>
-      <a:lt1>
-        <a:srgbClr val="FFFFFF"/>
-      </a:lt1>
-      <a:dk2>
-        <a:srgbClr val="666666"/>
-      </a:dk2>
-      <a:lt2>
-        <a:srgbClr val="EEEEEE"/>
-      </a:lt2>
-      <a:accent1>
-        <a:srgbClr val="212121"/>
-      </a:accent1>
-      <a:accent2>
-        <a:srgbClr val="455A64"/>
-      </a:accent2>
-      <a:accent3>
-        <a:srgbClr val="78909C"/>
-      </a:accent3>
-      <a:accent4>
-        <a:srgbClr val="7C7CE0"/>
-      </a:accent4>
-      <a:accent5>
-        <a:srgbClr val="DB4437"/>
-      </a:accent5>
-      <a:accent6>
-        <a:srgbClr val="F6CD4C"/>
-      </a:accent6>
-      <a:hlink>
-        <a:srgbClr val="DB4437"/>
-      </a:hlink>
-      <a:folHlink>
-        <a:srgbClr val="DB4437"/>
-      </a:folHlink>
-    </a:clrScheme>
-    <a:fontScheme name="Office">
-      <a:majorFont>
-        <a:latin typeface="Arial"/>
-        <a:ea typeface=""/>
-        <a:cs typeface=""/>
-        <a:font script="Jpan" typeface="ＭＳ Ｐゴシック"/>
-        <a:font script="Hang" typeface="맑은 고딕"/>
-        <a:font script="Hans" typeface="宋体"/>
-        <a:font script="Hant" typeface="新細明體"/>
-        <a:font script="Arab" typeface="Times New Roman"/>
-        <a:font script="Hebr" typeface="Times New Roman"/>
-        <a:font script="Thai" typeface="Angsana New"/>
-        <a:font script="Ethi" typeface="Nyala"/>
-        <a:font script="Beng" typeface="Vrinda"/>
-        <a:font script="Gujr" typeface="Shruti"/>
-        <a:font script="Khmr" typeface="MoolBoran"/>
-        <a:font script="Knda" typeface="Tunga"/>
-        <a:font script="Guru" typeface="Raavi"/>
-        <a:font script="Cans" typeface="Euphemia"/>
-        <a:font script="Cher" typeface="Plantagenet Cherokee"/>
-        <a:font script="Yiii" typeface="Microsoft Yi Baiti"/>
-        <a:font script="Tibt" typeface="Microsoft Himalaya"/>
-        <a:font script="Thaa" typeface="MV Boli"/>
-        <a:font script="Deva" typeface="Mangal"/>
-        <a:font script="Telu" typeface="Gautami"/>
-        <a:font script="Taml" typeface="Latha"/>
-        <a:font script="Syrc" typeface="Estrangelo Edessa"/>
-        <a:font script="Orya" typeface="Kalinga"/>
-        <a:font script="Mlym" typeface="Kartika"/>
-        <a:font script="Laoo" typeface="DokChampa"/>
-        <a:font script="Sinh" typeface="Iskoola Pota"/>
-        <a:font script="Mong" typeface="Mongolian Baiti"/>
-        <a:font script="Viet" typeface="Times New Roman"/>
-        <a:font script="Uigh" typeface="Microsoft Uighur"/>
-        <a:font script="Geor" typeface="Sylfaen"/>
-      </a:majorFont>
-      <a:minorFont>
-        <a:latin typeface="Arial"/>
-        <a:ea typeface=""/>
-        <a:cs typeface=""/>
-        <a:font script="Jpan" typeface="ＭＳ Ｐゴシック"/>
-        <a:font script="Hang" typeface="맑은 고딕"/>
-        <a:font script="Hans" typeface="宋体"/>
-        <a:font script="Hant" typeface="新細明體"/>
-        <a:font script="Arab" typeface="Arial"/>
-        <a:font script="Hebr" typeface="Arial"/>
-        <a:font script="Thai" typeface="Cordia New"/>
-        <a:font script="Ethi" typeface="Nyala"/>
-        <a:font script="Beng" typeface="Vrinda"/>
-        <a:font script="Gujr" typeface="Shruti"/>
-        <a:font script="Khmr" typeface="DaunPenh"/>
-        <a:font script="Knda" typeface="Tunga"/>
-        <a:font script="Guru" typeface="Raavi"/>
-        <a:font script="Cans" typeface="Euphemia"/>
-        <a:font script="Cher" typeface="Plantagenet Cherokee"/>
-        <a:font script="Yiii" typeface="Microsoft Yi Baiti"/>
-        <a:font script="Tibt" typeface="Microsoft Himalaya"/>
-        <a:font script="Thaa" typeface="MV Boli"/>
-        <a:font script="Deva" typeface="Mangal"/>
-        <a:font script="Telu" typeface="Gautami"/>
-        <a:font script="Taml" typeface="Latha"/>
-        <a:font script="Syrc" typeface="Estrangelo Edessa"/>
-        <a:font script="Orya" typeface="Kalinga"/>
-        <a:font script="Mlym" typeface="Kartika"/>
-        <a:font script="Laoo" typeface="DokChampa"/>
-        <a:font script="Sinh" typeface="Iskoola Pota"/>
-        <a:font script="Mong" typeface="Mongolian Baiti"/>
-        <a:font script="Viet" typeface="Arial"/>
-        <a:font script="Uigh" typeface="Microsoft Uighur"/>
-        <a:font script="Geor" typeface="Sylfaen"/>
-      </a:minorFont>
-    </a:fontScheme>
-    <a:fmtScheme name="Office">
-      <a:fillStyleLst>
-        <a:solidFill>
-          <a:schemeClr val="phClr"/>
-        </a:solidFill>
-        <a:gradFill rotWithShape="1">
-          <a:gsLst>
-            <a:gs pos="0">
-              <a:schemeClr val="phClr">
-                <a:tint val="50000"/>
-                <a:satMod val="300000"/>
-              </a:schemeClr>
-            </a:gs>
-            <a:gs pos="35000">
-              <a:schemeClr val="phClr">
-                <a:tint val="37000"/>
-                <a:satMod val="300000"/>
-              </a:schemeClr>
-            </a:gs>
-            <a:gs pos="100000">
-              <a:schemeClr val="phClr">
-                <a:tint val="15000"/>
-                <a:satMod val="350000"/>
-              </a:schemeClr>
-            </a:gs>
-          </a:gsLst>
-          <a:lin ang="16200000" scaled="1"/>
-        </a:gradFill>
-        <a:gradFill rotWithShape="1">
-          <a:gsLst>
-            <a:gs pos="0">
-              <a:schemeClr val="phClr">
-                <a:tint val="100000"/>
-                <a:shade val="100000"/>
-                <a:satMod val="130000"/>
-              </a:schemeClr>
-            </a:gs>
-            <a:gs pos="100000">
-              <a:schemeClr val="phClr">
-                <a:tint val="50000"/>
-                <a:shade val="100000"/>
-                <a:satMod val="350000"/>
-              </a:schemeClr>
-            </a:gs>
-          </a:gsLst>
-          <a:lin ang="16200000" scaled="0"/>
-        </a:gradFill>
-      </a:fillStyleLst>
-      <a:lnStyleLst>
-        <a:ln w="9525" cap="flat" cmpd="sng" algn="ctr">
-          <a:solidFill>
-            <a:schemeClr val="phClr">
-              <a:shade val="95000"/>
-              <a:satMod val="105000"/>
-            </a:schemeClr>
-          </a:solidFill>
-          <a:prstDash val="solid"/>
-        </a:ln>
-        <a:ln w="25400" cap="flat" cmpd="sng" algn="ctr">
-          <a:solidFill>
-            <a:schemeClr val="phClr"/>
-          </a:solidFill>
-          <a:prstDash val="solid"/>
-        </a:ln>
-        <a:ln w="38100" cap="flat" cmpd="sng" algn="ctr">
-          <a:solidFill>
-            <a:schemeClr val="phClr"/>
-          </a:solidFill>
-          <a:prstDash val="solid"/>
-        </a:ln>
-      </a:lnStyleLst>
-      <a:effectStyleLst>
-        <a:effectStyle>
-          <a:effectLst>
-            <a:outerShdw blurRad="40000" dist="20000" dir="5400000" rotWithShape="0">
-              <a:srgbClr val="000000">
-                <a:alpha val="38000"/>
-              </a:srgbClr>
-            </a:outerShdw>
-          </a:effectLst>
-        </a:effectStyle>
-        <a:effectStyle>
-          <a:effectLst>
-            <a:outerShdw blurRad="40000" dist="23000" dir="5400000" rotWithShape="0">
-              <a:srgbClr val="000000">
-                <a:alpha val="35000"/>
-              </a:srgbClr>
-            </a:outerShdw>
-          </a:effectLst>
-        </a:effectStyle>
-        <a:effectStyle>
-          <a:effectLst>
-            <a:outerShdw blurRad="40000" dist="23000" dir="5400000" rotWithShape="0">
-              <a:srgbClr val="000000">
-                <a:alpha val="35000"/>
-              </a:srgbClr>
-            </a:outerShdw>
-          </a:effectLst>
-          <a:scene3d>
-            <a:camera prst="orthographicFront">
-              <a:rot lat="0" lon="0" rev="0"/>
-            </a:camera>
-            <a:lightRig rig="threePt" dir="t">
-              <a:rot lat="0" lon="0" rev="1200000"/>
-            </a:lightRig>
-          </a:scene3d>
-          <a:sp3d>
-            <a:bevelT w="63500" h="25400"/>
-          </a:sp3d>
-        </a:effectStyle>
-      </a:effectStyleLst>
-      <a:bgFillStyleLst>
-        <a:solidFill>
-          <a:schemeClr val="phClr"/>
-        </a:solidFill>
-        <a:gradFill rotWithShape="1">
-          <a:gsLst>
-            <a:gs pos="0">
-              <a:schemeClr val="phClr">
-                <a:tint val="40000"/>
-                <a:satMod val="350000"/>
-              </a:schemeClr>
-            </a:gs>
-            <a:gs pos="40000">
-              <a:schemeClr val="phClr">
-                <a:tint val="45000"/>
-                <a:shade val="99000"/>
-                <a:satMod val="350000"/>
-              </a:schemeClr>
-            </a:gs>
-            <a:gs pos="100000">
-              <a:schemeClr val="phClr">
-                <a:shade val="20000"/>
-                <a:satMod val="255000"/>
-              </a:schemeClr>
-            </a:gs>
-          </a:gsLst>
-          <a:path path="circle">
-            <a:fillToRect l="50000" t="-80000" r="50000" b="180000"/>
-          </a:path>
-        </a:gradFill>
-        <a:gradFill rotWithShape="1">
-          <a:gsLst>
-            <a:gs pos="0">
-              <a:schemeClr val="phClr">
-                <a:tint val="80000"/>
-                <a:satMod val="300000"/>
-              </a:schemeClr>
-            </a:gs>
-            <a:gs pos="100000">
-              <a:schemeClr val="phClr">
-                <a:shade val="30000"/>
-                <a:satMod val="200000"/>
-              </a:schemeClr>
-            </a:gs>
-          </a:gsLst>
-          <a:path path="circle">
-            <a:fillToRect l="50000" t="50000" r="50000" b="50000"/>
-          </a:path>
-        </a:gradFill>
-      </a:bgFillStyleLst>
-    </a:fmtScheme>
-  </a:themeElements>
+  <a:objectDefaults/>
+  <a:extraClrSchemeLst/>
 </a:theme>
 </file>